--- a/14-tree/slides.pptx
+++ b/14-tree/slides.pptx
@@ -6,7 +6,7 @@
     <p:sldMasterId id="2147483649" r:id="rId2"/>
   </p:sldMasterIdLst>
   <p:notesMasterIdLst>
-    <p:notesMasterId r:id="rId88"/>
+    <p:notesMasterId r:id="rId86"/>
   </p:notesMasterIdLst>
   <p:sldIdLst>
     <p:sldId id="258" r:id="rId3"/>
@@ -62,38 +62,36 @@
     <p:sldId id="963" r:id="rId53"/>
     <p:sldId id="968" r:id="rId54"/>
     <p:sldId id="969" r:id="rId55"/>
-    <p:sldId id="970" r:id="rId56"/>
-    <p:sldId id="964" r:id="rId57"/>
-    <p:sldId id="965" r:id="rId58"/>
-    <p:sldId id="966" r:id="rId59"/>
-    <p:sldId id="971" r:id="rId60"/>
-    <p:sldId id="972" r:id="rId61"/>
-    <p:sldId id="973" r:id="rId62"/>
-    <p:sldId id="974" r:id="rId63"/>
-    <p:sldId id="975" r:id="rId64"/>
-    <p:sldId id="976" r:id="rId65"/>
-    <p:sldId id="980" r:id="rId66"/>
-    <p:sldId id="1002" r:id="rId67"/>
-    <p:sldId id="1003" r:id="rId68"/>
-    <p:sldId id="983" r:id="rId69"/>
-    <p:sldId id="984" r:id="rId70"/>
-    <p:sldId id="985" r:id="rId71"/>
-    <p:sldId id="987" r:id="rId72"/>
-    <p:sldId id="991" r:id="rId73"/>
-    <p:sldId id="1004" r:id="rId74"/>
-    <p:sldId id="988" r:id="rId75"/>
-    <p:sldId id="989" r:id="rId76"/>
-    <p:sldId id="990" r:id="rId77"/>
-    <p:sldId id="992" r:id="rId78"/>
-    <p:sldId id="993" r:id="rId79"/>
-    <p:sldId id="998" r:id="rId80"/>
-    <p:sldId id="995" r:id="rId81"/>
-    <p:sldId id="997" r:id="rId82"/>
-    <p:sldId id="999" r:id="rId83"/>
-    <p:sldId id="1005" r:id="rId84"/>
+    <p:sldId id="964" r:id="rId56"/>
+    <p:sldId id="965" r:id="rId57"/>
+    <p:sldId id="966" r:id="rId58"/>
+    <p:sldId id="971" r:id="rId59"/>
+    <p:sldId id="972" r:id="rId60"/>
+    <p:sldId id="973" r:id="rId61"/>
+    <p:sldId id="974" r:id="rId62"/>
+    <p:sldId id="975" r:id="rId63"/>
+    <p:sldId id="976" r:id="rId64"/>
+    <p:sldId id="980" r:id="rId65"/>
+    <p:sldId id="1002" r:id="rId66"/>
+    <p:sldId id="1003" r:id="rId67"/>
+    <p:sldId id="983" r:id="rId68"/>
+    <p:sldId id="984" r:id="rId69"/>
+    <p:sldId id="985" r:id="rId70"/>
+    <p:sldId id="987" r:id="rId71"/>
+    <p:sldId id="991" r:id="rId72"/>
+    <p:sldId id="1004" r:id="rId73"/>
+    <p:sldId id="988" r:id="rId74"/>
+    <p:sldId id="989" r:id="rId75"/>
+    <p:sldId id="990" r:id="rId76"/>
+    <p:sldId id="992" r:id="rId77"/>
+    <p:sldId id="993" r:id="rId78"/>
+    <p:sldId id="998" r:id="rId79"/>
+    <p:sldId id="995" r:id="rId80"/>
+    <p:sldId id="997" r:id="rId81"/>
+    <p:sldId id="999" r:id="rId82"/>
+    <p:sldId id="1005" r:id="rId83"/>
+    <p:sldId id="1006" r:id="rId84"/>
     <p:sldId id="504" r:id="rId85"/>
-    <p:sldId id="572" r:id="rId86"/>
-    <p:sldId id="339" r:id="rId87"/>
   </p:sldIdLst>
   <p:sldSz cx="9363075" cy="5257800"/>
   <p:notesSz cx="6858000" cy="9144000"/>
@@ -316,7 +314,7 @@
           <a:p>
             <a:fld id="{DB92F479-4B50-F243-9713-1B12EC2B4BDB}" type="datetimeFigureOut">
               <a:rPr lang="en-US" smtClean="0"/>
-              <a:t>3/28/14</a:t>
+              <a:t>4/20/14</a:t>
             </a:fld>
             <a:endParaRPr lang="en-US"/>
           </a:p>
@@ -6420,8 +6418,15 @@
                 <a:latin typeface="ArialMT"/>
                 <a:sym typeface="Wingdings"/>
               </a:rPr>
-              <a:t> </a:t>
-            </a:r>
+              <a:t>(Think about what these are for the 50/50 and 0/1 cases mentioned earlier.)</a:t>
+            </a:r>
+            <a:endParaRPr lang="en-US" sz="1200" baseline="0" dirty="0" smtClean="0">
+              <a:solidFill>
+                <a:prstClr val="black"/>
+              </a:solidFill>
+              <a:latin typeface="ArialMT"/>
+              <a:sym typeface="Wingdings"/>
+            </a:endParaRPr>
           </a:p>
         </p:txBody>
       </p:sp>
@@ -6530,7 +6535,7 @@
                 <a:latin typeface="ArialMT"/>
                 <a:sym typeface="Wingdings"/>
               </a:rPr>
-              <a:t> sum over nodes in partition</a:t>
+              <a:t> </a:t>
             </a:r>
           </a:p>
         </p:txBody>
@@ -8155,33 +8160,11 @@
           <a:bodyPr/>
           <a:lstStyle/>
           <a:p>
-            <a:pPr marL="0" marR="0" indent="0" algn="l" defTabSz="457200" rtl="0" eaLnBrk="1" fontAlgn="auto" latinLnBrk="0" hangingPunct="1">
-              <a:lnSpc>
-                <a:spcPct val="100000"/>
-              </a:lnSpc>
-              <a:spcBef>
-                <a:spcPts val="0"/>
-              </a:spcBef>
-              <a:spcAft>
-                <a:spcPts val="0"/>
-              </a:spcAft>
-              <a:buClrTx/>
-              <a:buSzTx/>
-              <a:buFontTx/>
-              <a:buNone/>
-              <a:tabLst/>
-              <a:defRPr/>
-            </a:pPr>
-            <a:r>
-              <a:rPr lang="en-US" sz="1200" baseline="0" dirty="0" smtClean="0">
-                <a:solidFill>
-                  <a:prstClr val="black"/>
-                </a:solidFill>
-                <a:latin typeface="ArialMT"/>
-                <a:sym typeface="Wingdings"/>
-              </a:rPr>
-              <a:t> </a:t>
-            </a:r>
+            <a:r>
+              <a:rPr lang="en-US" dirty="0" smtClean="0"/>
+              <a:t>  </a:t>
+            </a:r>
+            <a:endParaRPr lang="en-US" dirty="0"/>
           </a:p>
         </p:txBody>
       </p:sp>
@@ -8211,7 +8194,7 @@
     </p:spTree>
     <p:extLst>
       <p:ext uri="{BB962C8B-B14F-4D97-AF65-F5344CB8AC3E}">
-        <p14:creationId xmlns:p14="http://schemas.microsoft.com/office/powerpoint/2010/main" val="645762702"/>
+        <p14:creationId xmlns:p14="http://schemas.microsoft.com/office/powerpoint/2010/main" val="158773868"/>
       </p:ext>
     </p:extLst>
   </p:cSld>
@@ -8265,11 +8248,33 @@
           <a:bodyPr/>
           <a:lstStyle/>
           <a:p>
-            <a:r>
-              <a:rPr lang="en-US" dirty="0" smtClean="0"/>
-              <a:t>  </a:t>
-            </a:r>
-            <a:endParaRPr lang="en-US" dirty="0"/>
+            <a:pPr marL="0" marR="0" indent="0" algn="l" defTabSz="457200" rtl="0" eaLnBrk="1" fontAlgn="auto" latinLnBrk="0" hangingPunct="1">
+              <a:lnSpc>
+                <a:spcPct val="100000"/>
+              </a:lnSpc>
+              <a:spcBef>
+                <a:spcPts val="0"/>
+              </a:spcBef>
+              <a:spcAft>
+                <a:spcPts val="0"/>
+              </a:spcAft>
+              <a:buClrTx/>
+              <a:buSzTx/>
+              <a:buFontTx/>
+              <a:buNone/>
+              <a:tabLst/>
+              <a:defRPr/>
+            </a:pPr>
+            <a:r>
+              <a:rPr lang="en-US" sz="1200" baseline="0" dirty="0" smtClean="0">
+                <a:solidFill>
+                  <a:prstClr val="black"/>
+                </a:solidFill>
+                <a:latin typeface="ArialMT"/>
+                <a:sym typeface="Wingdings"/>
+              </a:rPr>
+              <a:t> </a:t>
+            </a:r>
           </a:p>
         </p:txBody>
       </p:sp>
@@ -8299,7 +8304,7 @@
     </p:spTree>
     <p:extLst>
       <p:ext uri="{BB962C8B-B14F-4D97-AF65-F5344CB8AC3E}">
-        <p14:creationId xmlns:p14="http://schemas.microsoft.com/office/powerpoint/2010/main" val="158773868"/>
+        <p14:creationId xmlns:p14="http://schemas.microsoft.com/office/powerpoint/2010/main" val="645762702"/>
       </p:ext>
     </p:extLst>
   </p:cSld>
@@ -8378,7 +8383,7 @@
                 <a:latin typeface="ArialMT"/>
                 <a:sym typeface="Wingdings"/>
               </a:rPr>
-              <a:t> </a:t>
+              <a:t>Why wouldn’t you want to do this?</a:t>
             </a:r>
           </a:p>
         </p:txBody>
@@ -8488,7 +8493,7 @@
                 <a:latin typeface="ArialMT"/>
                 <a:sym typeface="Wingdings"/>
               </a:rPr>
-              <a:t>Why wouldn’t you want to do this?</a:t>
+              <a:t> </a:t>
             </a:r>
           </a:p>
         </p:txBody>
@@ -9588,283 +9593,6 @@
             <a:fld id="{ADD4B5B7-85EF-4E48-AC80-2380FACD9C23}" type="slidenum">
               <a:rPr lang="en-US" smtClean="0"/>
               <a:t>83</a:t>
-            </a:fld>
-            <a:endParaRPr lang="en-US"/>
-          </a:p>
-        </p:txBody>
-      </p:sp>
-    </p:spTree>
-    <p:extLst>
-      <p:ext uri="{BB962C8B-B14F-4D97-AF65-F5344CB8AC3E}">
-        <p14:creationId xmlns:p14="http://schemas.microsoft.com/office/powerpoint/2010/main" val="158773868"/>
-      </p:ext>
-    </p:extLst>
-  </p:cSld>
-  <p:clrMapOvr>
-    <a:masterClrMapping/>
-  </p:clrMapOvr>
-</p:notes>
-</file>
-
-<file path=ppt/notesSlides/notesSlide84.xml><?xml version="1.0" encoding="utf-8"?>
-<p:notes xmlns:a="http://schemas.openxmlformats.org/drawingml/2006/main" xmlns:r="http://schemas.openxmlformats.org/officeDocument/2006/relationships" xmlns:p="http://schemas.openxmlformats.org/presentationml/2006/main">
-  <p:cSld>
-    <p:spTree>
-      <p:nvGrpSpPr>
-        <p:cNvPr id="1" name=""/>
-        <p:cNvGrpSpPr/>
-        <p:nvPr/>
-      </p:nvGrpSpPr>
-      <p:grpSpPr>
-        <a:xfrm>
-          <a:off x="0" y="0"/>
-          <a:ext cx="0" cy="0"/>
-          <a:chOff x="0" y="0"/>
-          <a:chExt cx="0" cy="0"/>
-        </a:xfrm>
-      </p:grpSpPr>
-      <p:sp>
-        <p:nvSpPr>
-          <p:cNvPr id="2" name="Slide Image Placeholder 1"/>
-          <p:cNvSpPr>
-            <a:spLocks noGrp="1" noRot="1" noChangeAspect="1"/>
-          </p:cNvSpPr>
-          <p:nvPr>
-            <p:ph type="sldImg"/>
-          </p:nvPr>
-        </p:nvSpPr>
-        <p:spPr/>
-      </p:sp>
-      <p:sp>
-        <p:nvSpPr>
-          <p:cNvPr id="3" name="Notes Placeholder 2"/>
-          <p:cNvSpPr>
-            <a:spLocks noGrp="1"/>
-          </p:cNvSpPr>
-          <p:nvPr>
-            <p:ph type="body" idx="1"/>
-          </p:nvPr>
-        </p:nvSpPr>
-        <p:spPr/>
-        <p:txBody>
-          <a:bodyPr/>
-          <a:lstStyle/>
-          <a:p>
-            <a:r>
-              <a:rPr lang="en-US" baseline="0" dirty="0" smtClean="0"/>
-              <a:t>datasets:</a:t>
-            </a:r>
-          </a:p>
-          <a:p>
-            <a:r>
-              <a:rPr lang="en-US" sz="1200" baseline="0" dirty="0" smtClean="0">
-                <a:solidFill>
-                  <a:prstClr val="black"/>
-                </a:solidFill>
-                <a:latin typeface="ArialMT"/>
-              </a:rPr>
-              <a:t>Iris</a:t>
-            </a:r>
-          </a:p>
-          <a:p>
-            <a:r>
-              <a:rPr lang="en-US" sz="1200" baseline="0" dirty="0" smtClean="0">
-                <a:solidFill>
-                  <a:prstClr val="black"/>
-                </a:solidFill>
-                <a:latin typeface="ArialMT"/>
-              </a:rPr>
-              <a:t>UCI cars: http://</a:t>
-            </a:r>
-            <a:r>
-              <a:rPr lang="en-US" sz="1200" baseline="0" dirty="0" err="1" smtClean="0">
-                <a:solidFill>
-                  <a:prstClr val="black"/>
-                </a:solidFill>
-                <a:latin typeface="ArialMT"/>
-              </a:rPr>
-              <a:t>archive.ics.uci.edu</a:t>
-            </a:r>
-            <a:r>
-              <a:rPr lang="en-US" sz="1200" baseline="0" dirty="0" smtClean="0">
-                <a:solidFill>
-                  <a:prstClr val="black"/>
-                </a:solidFill>
-                <a:latin typeface="ArialMT"/>
-              </a:rPr>
-              <a:t>/ml/datasets/</a:t>
-            </a:r>
-            <a:r>
-              <a:rPr lang="en-US" sz="1200" baseline="0" dirty="0" err="1" smtClean="0">
-                <a:solidFill>
-                  <a:prstClr val="black"/>
-                </a:solidFill>
-                <a:latin typeface="ArialMT"/>
-              </a:rPr>
-              <a:t>Car+Evaluation</a:t>
-            </a:r>
-            <a:endParaRPr lang="en-US" sz="1200" baseline="0" dirty="0" smtClean="0">
-              <a:solidFill>
-                <a:prstClr val="black"/>
-              </a:solidFill>
-              <a:latin typeface="ArialMT"/>
-            </a:endParaRPr>
-          </a:p>
-          <a:p>
-            <a:r>
-              <a:rPr lang="en-US" sz="1200" baseline="0" dirty="0" smtClean="0">
-                <a:solidFill>
-                  <a:prstClr val="black"/>
-                </a:solidFill>
-                <a:latin typeface="ArialMT"/>
-              </a:rPr>
-              <a:t>UCI space shuttle: http://</a:t>
-            </a:r>
-            <a:r>
-              <a:rPr lang="en-US" sz="1200" baseline="0" dirty="0" err="1" smtClean="0">
-                <a:solidFill>
-                  <a:prstClr val="black"/>
-                </a:solidFill>
-                <a:latin typeface="ArialMT"/>
-              </a:rPr>
-              <a:t>archive.ics.uci.edu</a:t>
-            </a:r>
-            <a:r>
-              <a:rPr lang="en-US" sz="1200" baseline="0" dirty="0" smtClean="0">
-                <a:solidFill>
-                  <a:prstClr val="black"/>
-                </a:solidFill>
-                <a:latin typeface="ArialMT"/>
-              </a:rPr>
-              <a:t>/ml/datasets/</a:t>
-            </a:r>
-            <a:r>
-              <a:rPr lang="en-US" sz="1200" baseline="0" dirty="0" err="1" smtClean="0">
-                <a:solidFill>
-                  <a:prstClr val="black"/>
-                </a:solidFill>
-                <a:latin typeface="ArialMT"/>
-              </a:rPr>
-              <a:t>Statlog</a:t>
-            </a:r>
-            <a:r>
-              <a:rPr lang="en-US" sz="1200" baseline="0" dirty="0" smtClean="0">
-                <a:solidFill>
-                  <a:prstClr val="black"/>
-                </a:solidFill>
-                <a:latin typeface="ArialMT"/>
-              </a:rPr>
-              <a:t>+(Shuttle)</a:t>
-            </a:r>
-          </a:p>
-        </p:txBody>
-      </p:sp>
-      <p:sp>
-        <p:nvSpPr>
-          <p:cNvPr id="4" name="Slide Number Placeholder 3"/>
-          <p:cNvSpPr>
-            <a:spLocks noGrp="1"/>
-          </p:cNvSpPr>
-          <p:nvPr>
-            <p:ph type="sldNum" sz="quarter" idx="10"/>
-          </p:nvPr>
-        </p:nvSpPr>
-        <p:spPr/>
-        <p:txBody>
-          <a:bodyPr/>
-          <a:lstStyle/>
-          <a:p>
-            <a:fld id="{ADD4B5B7-85EF-4E48-AC80-2380FACD9C23}" type="slidenum">
-              <a:rPr lang="en-US" smtClean="0"/>
-              <a:t>84</a:t>
-            </a:fld>
-            <a:endParaRPr lang="en-US"/>
-          </a:p>
-        </p:txBody>
-      </p:sp>
-    </p:spTree>
-    <p:extLst>
-      <p:ext uri="{BB962C8B-B14F-4D97-AF65-F5344CB8AC3E}">
-        <p14:creationId xmlns:p14="http://schemas.microsoft.com/office/powerpoint/2010/main" val="645762702"/>
-      </p:ext>
-    </p:extLst>
-  </p:cSld>
-  <p:clrMapOvr>
-    <a:masterClrMapping/>
-  </p:clrMapOvr>
-</p:notes>
-</file>
-
-<file path=ppt/notesSlides/notesSlide85.xml><?xml version="1.0" encoding="utf-8"?>
-<p:notes xmlns:a="http://schemas.openxmlformats.org/drawingml/2006/main" xmlns:r="http://schemas.openxmlformats.org/officeDocument/2006/relationships" xmlns:p="http://schemas.openxmlformats.org/presentationml/2006/main">
-  <p:cSld>
-    <p:spTree>
-      <p:nvGrpSpPr>
-        <p:cNvPr id="1" name=""/>
-        <p:cNvGrpSpPr/>
-        <p:nvPr/>
-      </p:nvGrpSpPr>
-      <p:grpSpPr>
-        <a:xfrm>
-          <a:off x="0" y="0"/>
-          <a:ext cx="0" cy="0"/>
-          <a:chOff x="0" y="0"/>
-          <a:chExt cx="0" cy="0"/>
-        </a:xfrm>
-      </p:grpSpPr>
-      <p:sp>
-        <p:nvSpPr>
-          <p:cNvPr id="2" name="Slide Image Placeholder 1"/>
-          <p:cNvSpPr>
-            <a:spLocks noGrp="1" noRot="1" noChangeAspect="1"/>
-          </p:cNvSpPr>
-          <p:nvPr>
-            <p:ph type="sldImg"/>
-          </p:nvPr>
-        </p:nvSpPr>
-        <p:spPr/>
-      </p:sp>
-      <p:sp>
-        <p:nvSpPr>
-          <p:cNvPr id="3" name="Notes Placeholder 2"/>
-          <p:cNvSpPr>
-            <a:spLocks noGrp="1"/>
-          </p:cNvSpPr>
-          <p:nvPr>
-            <p:ph type="body" idx="1"/>
-          </p:nvPr>
-        </p:nvSpPr>
-        <p:spPr/>
-        <p:txBody>
-          <a:bodyPr/>
-          <a:lstStyle/>
-          <a:p>
-            <a:r>
-              <a:rPr lang="en-US" dirty="0" smtClean="0"/>
-              <a:t> </a:t>
-            </a:r>
-            <a:endParaRPr lang="en-US" dirty="0"/>
-          </a:p>
-        </p:txBody>
-      </p:sp>
-      <p:sp>
-        <p:nvSpPr>
-          <p:cNvPr id="4" name="Slide Number Placeholder 3"/>
-          <p:cNvSpPr>
-            <a:spLocks noGrp="1"/>
-          </p:cNvSpPr>
-          <p:nvPr>
-            <p:ph type="sldNum" sz="quarter" idx="10"/>
-          </p:nvPr>
-        </p:nvSpPr>
-        <p:spPr/>
-        <p:txBody>
-          <a:bodyPr/>
-          <a:lstStyle/>
-          <a:p>
-            <a:fld id="{ADD4B5B7-85EF-4E48-AC80-2380FACD9C23}" type="slidenum">
-              <a:rPr lang="en-US" smtClean="0"/>
-              <a:t>85</a:t>
             </a:fld>
             <a:endParaRPr lang="en-US"/>
           </a:p>
@@ -16434,11 +16162,7 @@
             </a:br>
             <a:r>
               <a:rPr lang="en-US" sz="5000" dirty="0" smtClean="0"/>
-              <a:t>decision </a:t>
-            </a:r>
-            <a:r>
-              <a:rPr lang="en-US" sz="5000" dirty="0" smtClean="0"/>
-              <a:t>tree classifiers</a:t>
+              <a:t>decision tree classifiers</a:t>
             </a:r>
             <a:endParaRPr lang="en-US" sz="5000" dirty="0"/>
           </a:p>
@@ -21652,22 +21376,19 @@
                 <a:latin typeface="PFDinTextCompPro-Italic"/>
                 <a:cs typeface="PFDinTextCompPro-Italic"/>
               </a:rPr>
-              <a:t>The partitioning decision is made at each node according to a metric called </a:t>
+              <a:t>The partitioning decision is made at each node according to a </a:t>
             </a:r>
             <a:r>
               <a:rPr lang="en-US" sz="3000" dirty="0" smtClean="0">
-                <a:latin typeface="PFDinTextCompPro-Medium"/>
-                <a:cs typeface="PFDinTextCompPro-Medium"/>
-              </a:rPr>
-              <a:t>purity</a:t>
-            </a:r>
-            <a:r>
-              <a:rPr lang="en-US" sz="3000" dirty="0" smtClean="0">
-                <a:latin typeface="PFDinTextCompPro-Italic"/>
-                <a:cs typeface="PFDinTextCompPro-Italic"/>
-              </a:rPr>
-              <a:t>.</a:t>
-            </a:r>
+                <a:latin typeface="PFDinTextCompPro-Italic"/>
+                <a:cs typeface="PFDinTextCompPro-Italic"/>
+              </a:rPr>
+              <a:t>purity metric.</a:t>
+            </a:r>
+            <a:endParaRPr lang="en-US" sz="3000" dirty="0" smtClean="0">
+              <a:latin typeface="PFDinTextCompPro-Italic"/>
+              <a:cs typeface="PFDinTextCompPro-Italic"/>
+            </a:endParaRPr>
           </a:p>
           <a:p>
             <a:pPr algn="l"/>
@@ -27574,7 +27295,7 @@
         <p:spPr>
           <a:xfrm>
             <a:off x="566737" y="1104900"/>
-            <a:ext cx="8382000" cy="3785652"/>
+            <a:ext cx="8382000" cy="553998"/>
           </a:xfrm>
           <a:prstGeom prst="rect">
             <a:avLst/>
@@ -27589,438 +27310,19 @@
           <a:p>
             <a:pPr algn="l"/>
             <a:r>
-              <a:rPr lang="en-US" sz="3000" dirty="0" smtClean="0">
-                <a:latin typeface="PFDinTextCompPro-Italic"/>
-                <a:cs typeface="PFDinTextCompPro-Italic"/>
-              </a:rPr>
-              <a:t>We want our objective function to measure the gain in purity from a particular split.</a:t>
-            </a:r>
-          </a:p>
-          <a:p>
-            <a:pPr algn="l"/>
-            <a:endParaRPr lang="en-US" sz="3000" dirty="0">
-              <a:latin typeface="PFDinTextCompPro-Italic"/>
-              <a:cs typeface="PFDinTextCompPro-Italic"/>
-            </a:endParaRPr>
-          </a:p>
-          <a:p>
-            <a:pPr algn="l"/>
-            <a:r>
-              <a:rPr lang="en-US" sz="3000" dirty="0" smtClean="0">
-                <a:latin typeface="PFDinTextCompPro-Italic"/>
-                <a:cs typeface="PFDinTextCompPro-Italic"/>
-              </a:rPr>
-              <a:t>Therefore we want it to depend on the </a:t>
-            </a:r>
-            <a:r>
-              <a:rPr lang="en-US" sz="3000" i="1" dirty="0" smtClean="0">
-                <a:latin typeface="PFDinTextCompPro-Italic"/>
-                <a:cs typeface="PFDinTextCompPro-Italic"/>
-              </a:rPr>
-              <a:t>class distribution</a:t>
-            </a:r>
-            <a:r>
-              <a:rPr lang="en-US" sz="3000" dirty="0" smtClean="0">
-                <a:latin typeface="PFDinTextCompPro-Italic"/>
-                <a:cs typeface="PFDinTextCompPro-Italic"/>
-              </a:rPr>
-              <a:t> over the nodes (before and after the split).</a:t>
-            </a:r>
-          </a:p>
-          <a:p>
-            <a:pPr algn="l"/>
-            <a:endParaRPr lang="en-US" sz="3000" dirty="0">
-              <a:latin typeface="PFDinTextCompPro-Italic"/>
-              <a:cs typeface="PFDinTextCompPro-Italic"/>
-            </a:endParaRPr>
-          </a:p>
-          <a:p>
-            <a:pPr algn="l"/>
-            <a:r>
               <a:rPr lang="en-US" sz="3000" dirty="0">
                 <a:latin typeface="PFDinTextCompPro-Italic"/>
                 <a:cs typeface="PFDinTextCompPro-Italic"/>
               </a:rPr>
-              <a:t>For example, let </a:t>
-            </a:r>
-            <a:r>
-              <a:rPr lang="en-US" sz="2500" i="1" dirty="0">
-                <a:latin typeface="+mn-lt"/>
-                <a:cs typeface="PFDinTextCompPro-Italic"/>
-              </a:rPr>
-              <a:t>p(</a:t>
-            </a:r>
-            <a:r>
-              <a:rPr lang="en-US" sz="2500" i="1" dirty="0" err="1">
-                <a:latin typeface="+mn-lt"/>
-                <a:cs typeface="PFDinTextCompPro-Italic"/>
-              </a:rPr>
-              <a:t>i</a:t>
-            </a:r>
-            <a:r>
-              <a:rPr lang="en-US" sz="2500" dirty="0" err="1">
-                <a:latin typeface="+mn-lt"/>
-                <a:cs typeface="PFDinTextCompPro-Italic"/>
-              </a:rPr>
-              <a:t>|</a:t>
-            </a:r>
-            <a:r>
-              <a:rPr lang="en-US" sz="2500" i="1" dirty="0" err="1">
-                <a:latin typeface="+mn-lt"/>
-                <a:cs typeface="PFDinTextCompPro-Italic"/>
-              </a:rPr>
-              <a:t>t</a:t>
-            </a:r>
-            <a:r>
-              <a:rPr lang="en-US" sz="2500" i="1" dirty="0">
-                <a:latin typeface="+mn-lt"/>
-                <a:cs typeface="PFDinTextCompPro-Italic"/>
-              </a:rPr>
-              <a:t>)</a:t>
-            </a:r>
-            <a:r>
-              <a:rPr lang="en-US" sz="3000" dirty="0">
-                <a:latin typeface="PFDinTextCompPro-Italic"/>
-                <a:cs typeface="PFDinTextCompPro-Italic"/>
-              </a:rPr>
-              <a:t> be the probability of class </a:t>
-            </a:r>
-            <a:r>
-              <a:rPr lang="en-US" sz="2500" i="1" dirty="0" err="1">
-                <a:latin typeface="+mn-lt"/>
-                <a:cs typeface="PFDinTextCompPro-Italic"/>
-              </a:rPr>
-              <a:t>i</a:t>
-            </a:r>
-            <a:r>
-              <a:rPr lang="en-US" sz="3000" dirty="0">
-                <a:latin typeface="PFDinTextCompPro-Italic"/>
-                <a:cs typeface="PFDinTextCompPro-Italic"/>
-              </a:rPr>
-              <a:t> at node </a:t>
-            </a:r>
-            <a:r>
-              <a:rPr lang="en-US" sz="2500" i="1" dirty="0">
-                <a:latin typeface="+mn-lt"/>
-                <a:cs typeface="PFDinTextCompPro-Italic"/>
-              </a:rPr>
-              <a:t>t</a:t>
-            </a:r>
-            <a:r>
-              <a:rPr lang="en-US" sz="3000" dirty="0">
-                <a:latin typeface="PFDinTextCompPro-Italic"/>
-                <a:cs typeface="PFDinTextCompPro-Italic"/>
-              </a:rPr>
-              <a:t> (</a:t>
-            </a:r>
-            <a:r>
-              <a:rPr lang="en-US" sz="3000" dirty="0" err="1">
-                <a:latin typeface="PFDinTextCompPro-Italic"/>
-                <a:cs typeface="PFDinTextCompPro-Italic"/>
-              </a:rPr>
-              <a:t>eg</a:t>
-            </a:r>
-            <a:r>
-              <a:rPr lang="en-US" sz="3000" dirty="0">
-                <a:latin typeface="PFDinTextCompPro-Italic"/>
-                <a:cs typeface="PFDinTextCompPro-Italic"/>
-              </a:rPr>
-              <a:t>, the fraction of records labeled </a:t>
-            </a:r>
-            <a:r>
-              <a:rPr lang="en-US" sz="2500" i="1" dirty="0" err="1">
-                <a:latin typeface="+mn-lt"/>
-                <a:cs typeface="PFDinTextCompPro-Italic"/>
-              </a:rPr>
-              <a:t>i</a:t>
-            </a:r>
-            <a:r>
-              <a:rPr lang="en-US" sz="3000" dirty="0">
-                <a:latin typeface="PFDinTextCompPro-Italic"/>
-                <a:cs typeface="PFDinTextCompPro-Italic"/>
-              </a:rPr>
-              <a:t> at node </a:t>
-            </a:r>
-            <a:r>
-              <a:rPr lang="en-US" sz="2500" i="1" dirty="0">
-                <a:latin typeface="+mn-lt"/>
-                <a:cs typeface="PFDinTextCompPro-Italic"/>
-              </a:rPr>
-              <a:t>t</a:t>
-            </a:r>
-            <a:r>
-              <a:rPr lang="en-US" sz="3000" dirty="0">
-                <a:latin typeface="PFDinTextCompPro-Italic"/>
-                <a:cs typeface="PFDinTextCompPro-Italic"/>
-              </a:rPr>
-              <a:t>)</a:t>
-            </a:r>
-            <a:r>
-              <a:rPr lang="en-US" sz="3000" dirty="0" smtClean="0">
-                <a:latin typeface="PFDinTextCompPro-Italic"/>
-                <a:cs typeface="PFDinTextCompPro-Italic"/>
-              </a:rPr>
-              <a:t>.</a:t>
-            </a:r>
-            <a:endParaRPr lang="en-US" sz="3000" dirty="0">
-              <a:latin typeface="PFDinTextCompPro-Italic"/>
-              <a:cs typeface="PFDinTextCompPro-Italic"/>
-            </a:endParaRPr>
-          </a:p>
-        </p:txBody>
-      </p:sp>
-      <p:grpSp>
-        <p:nvGrpSpPr>
-          <p:cNvPr id="5" name="Group 26"/>
-          <p:cNvGrpSpPr>
-            <a:grpSpLocks/>
-          </p:cNvGrpSpPr>
-          <p:nvPr/>
-        </p:nvGrpSpPr>
-        <p:grpSpPr bwMode="auto">
-          <a:xfrm>
-            <a:off x="7332662" y="3238500"/>
-            <a:ext cx="1463675" cy="1463675"/>
-            <a:chOff x="0" y="0"/>
-            <a:chExt cx="1280" cy="1280"/>
-          </a:xfrm>
-        </p:grpSpPr>
-        <p:pic>
-          <p:nvPicPr>
-            <p:cNvPr id="6" name="Picture 23"/>
-            <p:cNvPicPr>
-              <a:picLocks noChangeAspect="1" noChangeArrowheads="1"/>
-            </p:cNvPicPr>
-            <p:nvPr/>
-          </p:nvPicPr>
-          <p:blipFill>
-            <a:blip r:embed="rId3">
-              <a:extLst>
-                <a:ext uri="{28A0092B-C50C-407E-A947-70E740481C1C}">
-                  <a14:useLocalDpi xmlns:a14="http://schemas.microsoft.com/office/drawing/2010/main" val="0"/>
-                </a:ext>
-              </a:extLst>
-            </a:blip>
-            <a:srcRect/>
-            <a:stretch>
-              <a:fillRect/>
-            </a:stretch>
-          </p:blipFill>
-          <p:spPr bwMode="auto">
-            <a:xfrm>
-              <a:off x="0" y="0"/>
-              <a:ext cx="1280" cy="1280"/>
-            </a:xfrm>
-            <a:prstGeom prst="rect">
-              <a:avLst/>
-            </a:prstGeom>
-            <a:noFill/>
-            <a:ln>
-              <a:noFill/>
-            </a:ln>
-            <a:extLst>
-              <a:ext uri="{909E8E84-426E-40dd-AFC4-6F175D3DCCD1}">
-                <a14:hiddenFill xmlns:a14="http://schemas.microsoft.com/office/drawing/2010/main">
-                  <a:solidFill>
-                    <a:srgbClr val="FFFFFF"/>
-                  </a:solidFill>
-                </a14:hiddenFill>
-              </a:ext>
-              <a:ext uri="{91240B29-F687-4f45-9708-019B960494DF}">
-                <a14:hiddenLine xmlns:a14="http://schemas.microsoft.com/office/drawing/2010/main" w="12700">
-                  <a:solidFill>
-                    <a:schemeClr val="tx1"/>
-                  </a:solidFill>
-                  <a:miter lim="800000"/>
-                  <a:headEnd/>
-                  <a:tailEnd/>
-                </a14:hiddenLine>
-              </a:ext>
-            </a:extLst>
-          </p:spPr>
-        </p:pic>
-        <p:sp>
-          <p:nvSpPr>
-            <p:cNvPr id="7" name="Rectangle 24"/>
-            <p:cNvSpPr>
-              <a:spLocks/>
-            </p:cNvSpPr>
-            <p:nvPr/>
-          </p:nvSpPr>
-          <p:spPr bwMode="auto">
-            <a:xfrm>
-              <a:off x="104" y="96"/>
-              <a:ext cx="1056" cy="152"/>
-            </a:xfrm>
-            <a:prstGeom prst="rect">
-              <a:avLst/>
-            </a:prstGeom>
-            <a:noFill/>
-            <a:ln>
-              <a:noFill/>
-            </a:ln>
-            <a:extLst>
-              <a:ext uri="{909E8E84-426E-40dd-AFC4-6F175D3DCCD1}">
-                <a14:hiddenFill xmlns:a14="http://schemas.microsoft.com/office/drawing/2010/main">
-                  <a:solidFill>
-                    <a:srgbClr val="FFFFFF"/>
-                  </a:solidFill>
-                </a14:hiddenFill>
-              </a:ext>
-              <a:ext uri="{91240B29-F687-4f45-9708-019B960494DF}">
-                <a14:hiddenLine xmlns:a14="http://schemas.microsoft.com/office/drawing/2010/main" w="12700">
-                  <a:solidFill>
-                    <a:schemeClr val="tx1"/>
-                  </a:solidFill>
-                  <a:miter lim="800000"/>
-                  <a:headEnd/>
-                  <a:tailEnd/>
-                </a14:hiddenLine>
-              </a:ext>
-            </a:extLst>
-          </p:spPr>
-          <p:txBody>
-            <a:bodyPr lIns="0" tIns="0" rIns="0" bIns="0"/>
-            <a:lstStyle/>
-            <a:p>
-              <a:pPr algn="l">
-                <a:lnSpc>
-                  <a:spcPct val="75000"/>
-                </a:lnSpc>
-              </a:pPr>
-              <a:r>
-                <a:rPr lang="en-US" sz="1300" dirty="0" smtClean="0">
-                  <a:solidFill>
-                    <a:schemeClr val="tx1"/>
-                  </a:solidFill>
-                  <a:latin typeface="PFDinTextCompPro-Bold" charset="0"/>
-                  <a:ea typeface="ＭＳ Ｐゴシック" charset="0"/>
-                  <a:cs typeface="ＭＳ Ｐゴシック" charset="0"/>
-                  <a:sym typeface="PFDinTextCompPro-Bold" charset="0"/>
-                </a:rPr>
-                <a:t>NOTE</a:t>
-              </a:r>
-              <a:endParaRPr lang="en-US" sz="1300" dirty="0">
-                <a:solidFill>
-                  <a:schemeClr val="tx1"/>
-                </a:solidFill>
-                <a:latin typeface="PFDinTextCompPro-Bold" charset="0"/>
-                <a:ea typeface="ＭＳ Ｐゴシック" charset="0"/>
-                <a:cs typeface="ＭＳ Ｐゴシック" charset="0"/>
-                <a:sym typeface="PFDinTextCompPro-Bold" charset="0"/>
-              </a:endParaRPr>
-            </a:p>
-          </p:txBody>
-        </p:sp>
-        <p:sp>
-          <p:nvSpPr>
-            <p:cNvPr id="10" name="Rectangle 25"/>
-            <p:cNvSpPr>
-              <a:spLocks/>
-            </p:cNvSpPr>
-            <p:nvPr/>
-          </p:nvSpPr>
-          <p:spPr bwMode="auto">
-            <a:xfrm>
-              <a:off x="104" y="264"/>
-              <a:ext cx="1056" cy="896"/>
-            </a:xfrm>
-            <a:prstGeom prst="rect">
-              <a:avLst/>
-            </a:prstGeom>
-            <a:noFill/>
-            <a:ln>
-              <a:noFill/>
-            </a:ln>
-            <a:extLst>
-              <a:ext uri="{909E8E84-426E-40dd-AFC4-6F175D3DCCD1}">
-                <a14:hiddenFill xmlns:a14="http://schemas.microsoft.com/office/drawing/2010/main">
-                  <a:solidFill>
-                    <a:srgbClr val="FFFFFF"/>
-                  </a:solidFill>
-                </a14:hiddenFill>
-              </a:ext>
-              <a:ext uri="{91240B29-F687-4f45-9708-019B960494DF}">
-                <a14:hiddenLine xmlns:a14="http://schemas.microsoft.com/office/drawing/2010/main" w="12700">
-                  <a:solidFill>
-                    <a:schemeClr val="tx1"/>
-                  </a:solidFill>
-                  <a:miter lim="800000"/>
-                  <a:headEnd/>
-                  <a:tailEnd/>
-                </a14:hiddenLine>
-              </a:ext>
-            </a:extLst>
-          </p:spPr>
-          <p:txBody>
-            <a:bodyPr lIns="0" tIns="0" rIns="0" bIns="0"/>
-            <a:lstStyle/>
-            <a:p>
-              <a:pPr algn="l">
-                <a:lnSpc>
-                  <a:spcPts val="1150"/>
-                </a:lnSpc>
-              </a:pPr>
-              <a:endParaRPr lang="en-US" sz="900" dirty="0" smtClean="0">
-                <a:solidFill>
-                  <a:schemeClr val="tx1"/>
-                </a:solidFill>
-                <a:latin typeface="+mn-lt"/>
-                <a:ea typeface="ＭＳ Ｐゴシック" charset="0"/>
-                <a:cs typeface="PFDinTextCompPro-Italic"/>
-                <a:sym typeface="News706 BT" charset="0"/>
-              </a:endParaRPr>
-            </a:p>
-            <a:p>
-              <a:pPr algn="l">
-                <a:lnSpc>
-                  <a:spcPts val="1150"/>
-                </a:lnSpc>
-              </a:pPr>
-              <a:r>
-                <a:rPr lang="en-US" sz="900" dirty="0" smtClean="0">
-                  <a:solidFill>
-                    <a:schemeClr val="tx1"/>
-                  </a:solidFill>
-                  <a:latin typeface="+mn-lt"/>
-                  <a:ea typeface="ＭＳ Ｐゴシック" charset="0"/>
-                  <a:cs typeface="PFDinTextCompPro-Italic"/>
-                  <a:sym typeface="News706 BT" charset="0"/>
-                </a:rPr>
-                <a:t>We are using the </a:t>
-              </a:r>
-              <a:r>
-                <a:rPr lang="en-US" sz="900" i="1" dirty="0" err="1" smtClean="0">
-                  <a:solidFill>
-                    <a:schemeClr val="tx1"/>
-                  </a:solidFill>
-                  <a:latin typeface="+mn-lt"/>
-                  <a:ea typeface="ＭＳ Ｐゴシック" charset="0"/>
-                  <a:cs typeface="PFDinTextCompPro-Italic"/>
-                  <a:sym typeface="News706 BT" charset="0"/>
-                </a:rPr>
-                <a:t>frequentist</a:t>
-              </a:r>
-              <a:r>
-                <a:rPr lang="en-US" sz="900" dirty="0" smtClean="0">
-                  <a:solidFill>
-                    <a:schemeClr val="tx1"/>
-                  </a:solidFill>
-                  <a:latin typeface="+mn-lt"/>
-                  <a:ea typeface="ＭＳ Ｐゴシック" charset="0"/>
-                  <a:cs typeface="PFDinTextCompPro-Italic"/>
-                  <a:sym typeface="News706 BT" charset="0"/>
-                </a:rPr>
-                <a:t> definition of probability here!</a:t>
-              </a:r>
-            </a:p>
-          </p:txBody>
-        </p:sp>
-      </p:grpSp>
+              <a:t>Then for a binary (0/1) classification problem,</a:t>
+            </a:r>
+          </a:p>
+        </p:txBody>
+      </p:sp>
     </p:spTree>
     <p:extLst>
       <p:ext uri="{BB962C8B-B14F-4D97-AF65-F5344CB8AC3E}">
-        <p14:creationId xmlns:p14="http://schemas.microsoft.com/office/powerpoint/2010/main" val="231626830"/>
+        <p14:creationId xmlns:p14="http://schemas.microsoft.com/office/powerpoint/2010/main" val="626561174"/>
       </p:ext>
     </p:extLst>
   </p:cSld>
@@ -28126,7 +27428,7 @@
         <p:spPr>
           <a:xfrm>
             <a:off x="566737" y="1104900"/>
-            <a:ext cx="8382000" cy="553998"/>
+            <a:ext cx="8382000" cy="1862048"/>
           </a:xfrm>
           <a:prstGeom prst="rect">
             <a:avLst/>
@@ -28141,11 +27443,51 @@
           <a:p>
             <a:pPr algn="l"/>
             <a:r>
-              <a:rPr lang="en-US" sz="3000" dirty="0">
+              <a:rPr lang="en-US" sz="3000" dirty="0" smtClean="0">
                 <a:latin typeface="PFDinTextCompPro-Italic"/>
                 <a:cs typeface="PFDinTextCompPro-Italic"/>
               </a:rPr>
               <a:t>Then for a binary (0/1) classification problem,</a:t>
+            </a:r>
+          </a:p>
+          <a:p>
+            <a:pPr algn="l"/>
+            <a:endParaRPr lang="en-US" sz="3000" dirty="0">
+              <a:latin typeface="PFDinTextCompPro-Italic"/>
+              <a:cs typeface="PFDinTextCompPro-Italic"/>
+            </a:endParaRPr>
+          </a:p>
+          <a:p>
+            <a:pPr algn="l"/>
+            <a:r>
+              <a:rPr lang="en-US" sz="3000" dirty="0" smtClean="0">
+                <a:latin typeface="PFDinTextCompPro-Italic"/>
+                <a:cs typeface="PFDinTextCompPro-Italic"/>
+              </a:rPr>
+              <a:t>The </a:t>
+            </a:r>
+            <a:r>
+              <a:rPr lang="en-US" sz="3000" i="1" dirty="0" smtClean="0">
+                <a:latin typeface="PFDinTextCompPro-Italic"/>
+                <a:cs typeface="PFDinTextCompPro-Italic"/>
+              </a:rPr>
+              <a:t>minimum purity partition</a:t>
+            </a:r>
+            <a:r>
+              <a:rPr lang="en-US" sz="3000" dirty="0" smtClean="0">
+                <a:latin typeface="PFDinTextCompPro-Italic"/>
+                <a:cs typeface="PFDinTextCompPro-Italic"/>
+              </a:rPr>
+              <a:t> is given by the distribution:</a:t>
+            </a:r>
+          </a:p>
+          <a:p>
+            <a:r>
+              <a:rPr lang="en-US" sz="2500" i="1" dirty="0" smtClean="0">
+                <a:latin typeface="+mn-lt"/>
+                <a:cs typeface="PFDinTextCompPro-Italic"/>
+              </a:rPr>
+              <a:t>p(0|t) = p(1|t) = 0.5</a:t>
             </a:r>
           </a:p>
         </p:txBody>
@@ -28153,7 +27495,7 @@
     </p:spTree>
     <p:extLst>
       <p:ext uri="{BB962C8B-B14F-4D97-AF65-F5344CB8AC3E}">
-        <p14:creationId xmlns:p14="http://schemas.microsoft.com/office/powerpoint/2010/main" val="626561174"/>
+        <p14:creationId xmlns:p14="http://schemas.microsoft.com/office/powerpoint/2010/main" val="2180964926"/>
       </p:ext>
     </p:extLst>
   </p:cSld>
@@ -28259,7 +27601,7 @@
         <p:spPr>
           <a:xfrm>
             <a:off x="566737" y="1104900"/>
-            <a:ext cx="8382000" cy="1862048"/>
+            <a:ext cx="8382000" cy="3093154"/>
           </a:xfrm>
           <a:prstGeom prst="rect">
             <a:avLst/>
@@ -28320,6 +27662,63 @@
               </a:rPr>
               <a:t>p(0|t) = p(1|t) = 0.5</a:t>
             </a:r>
+          </a:p>
+          <a:p>
+            <a:endParaRPr lang="en-US" sz="2500" i="1" dirty="0" smtClean="0">
+              <a:latin typeface="+mn-lt"/>
+              <a:cs typeface="PFDinTextCompPro-Italic"/>
+            </a:endParaRPr>
+          </a:p>
+          <a:p>
+            <a:pPr algn="l"/>
+            <a:r>
+              <a:rPr lang="en-US" sz="3000" dirty="0" smtClean="0">
+                <a:latin typeface="PFDinTextCompPro-Italic"/>
+                <a:cs typeface="PFDinTextCompPro-Italic"/>
+              </a:rPr>
+              <a:t>The </a:t>
+            </a:r>
+            <a:r>
+              <a:rPr lang="en-US" sz="3000" i="1" dirty="0" smtClean="0">
+                <a:latin typeface="PFDinTextCompPro-Italic"/>
+                <a:cs typeface="PFDinTextCompPro-Italic"/>
+              </a:rPr>
+              <a:t>maximum purity partition </a:t>
+            </a:r>
+            <a:r>
+              <a:rPr lang="en-US" sz="3000" dirty="0" smtClean="0">
+                <a:latin typeface="PFDinTextCompPro-Italic"/>
+                <a:cs typeface="PFDinTextCompPro-Italic"/>
+              </a:rPr>
+              <a:t>is given (</a:t>
+            </a:r>
+            <a:r>
+              <a:rPr lang="en-US" sz="3000" dirty="0" err="1" smtClean="0">
+                <a:latin typeface="PFDinTextCompPro-Italic"/>
+                <a:cs typeface="PFDinTextCompPro-Italic"/>
+              </a:rPr>
+              <a:t>eg</a:t>
+            </a:r>
+            <a:r>
+              <a:rPr lang="en-US" sz="3000" dirty="0" smtClean="0">
+                <a:latin typeface="PFDinTextCompPro-Italic"/>
+                <a:cs typeface="PFDinTextCompPro-Italic"/>
+              </a:rPr>
+              <a:t>) by the distribution:</a:t>
+            </a:r>
+          </a:p>
+          <a:p>
+            <a:r>
+              <a:rPr lang="en-US" sz="2500" i="1" dirty="0" smtClean="0">
+                <a:latin typeface="+mn-lt"/>
+                <a:cs typeface="PFDinTextCompPro-Italic"/>
+              </a:rPr>
+              <a:t>p(0|t) = 1 – p(1|t) = 1</a:t>
+            </a:r>
+            <a:endParaRPr lang="en-US" sz="2500" i="1" dirty="0">
+              <a:latin typeface="+mn-lt"/>
+              <a:cs typeface="PFDinTextCompPro-Italic"/>
+            </a:endParaRPr>
           </a:p>
         </p:txBody>
       </p:sp>
@@ -28423,6 +27822,30 @@
           </a:p>
         </p:txBody>
       </p:sp>
+      <p:pic>
+        <p:nvPicPr>
+          <p:cNvPr id="2" name="Picture 1"/>
+          <p:cNvPicPr>
+            <a:picLocks noChangeAspect="1"/>
+          </p:cNvPicPr>
+          <p:nvPr/>
+        </p:nvPicPr>
+        <p:blipFill>
+          <a:blip r:embed="rId3"/>
+          <a:stretch>
+            <a:fillRect/>
+          </a:stretch>
+        </p:blipFill>
+        <p:spPr>
+          <a:xfrm>
+            <a:off x="397668" y="1562100"/>
+            <a:ext cx="8567739" cy="3151352"/>
+          </a:xfrm>
+          <a:prstGeom prst="rect">
+            <a:avLst/>
+          </a:prstGeom>
+        </p:spPr>
+      </p:pic>
       <p:sp>
         <p:nvSpPr>
           <p:cNvPr id="9" name="TextBox 8"/>
@@ -28432,7 +27855,7 @@
         <p:spPr>
           <a:xfrm>
             <a:off x="566737" y="1104900"/>
-            <a:ext cx="8382000" cy="3093154"/>
+            <a:ext cx="8382000" cy="553998"/>
           </a:xfrm>
           <a:prstGeom prst="rect">
             <a:avLst/>
@@ -28451,112 +27874,19 @@
                 <a:latin typeface="PFDinTextCompPro-Italic"/>
                 <a:cs typeface="PFDinTextCompPro-Italic"/>
               </a:rPr>
-              <a:t>Then for a binary (0/1) classification problem,</a:t>
-            </a:r>
-          </a:p>
-          <a:p>
-            <a:pPr algn="l"/>
+              <a:t>Some measures of impurity include:</a:t>
+            </a:r>
             <a:endParaRPr lang="en-US" sz="3000" dirty="0">
               <a:latin typeface="PFDinTextCompPro-Italic"/>
               <a:cs typeface="PFDinTextCompPro-Italic"/>
             </a:endParaRPr>
           </a:p>
-          <a:p>
-            <a:pPr algn="l"/>
-            <a:r>
-              <a:rPr lang="en-US" sz="3000" dirty="0" smtClean="0">
-                <a:latin typeface="PFDinTextCompPro-Italic"/>
-                <a:cs typeface="PFDinTextCompPro-Italic"/>
-              </a:rPr>
-              <a:t>The </a:t>
-            </a:r>
-            <a:r>
-              <a:rPr lang="en-US" sz="3000" i="1" dirty="0" smtClean="0">
-                <a:latin typeface="PFDinTextCompPro-Italic"/>
-                <a:cs typeface="PFDinTextCompPro-Italic"/>
-              </a:rPr>
-              <a:t>minimum purity partition</a:t>
-            </a:r>
-            <a:r>
-              <a:rPr lang="en-US" sz="3000" dirty="0" smtClean="0">
-                <a:latin typeface="PFDinTextCompPro-Italic"/>
-                <a:cs typeface="PFDinTextCompPro-Italic"/>
-              </a:rPr>
-              <a:t> is given by the distribution:</a:t>
-            </a:r>
-          </a:p>
-          <a:p>
-            <a:r>
-              <a:rPr lang="en-US" sz="2500" i="1" dirty="0" smtClean="0">
-                <a:latin typeface="+mn-lt"/>
-                <a:cs typeface="PFDinTextCompPro-Italic"/>
-              </a:rPr>
-              <a:t>p(0|t) = p(1|t) = 0.5</a:t>
-            </a:r>
-          </a:p>
-          <a:p>
-            <a:endParaRPr lang="en-US" sz="2500" i="1" dirty="0" smtClean="0">
-              <a:latin typeface="+mn-lt"/>
-              <a:cs typeface="PFDinTextCompPro-Italic"/>
-            </a:endParaRPr>
-          </a:p>
-          <a:p>
-            <a:pPr algn="l"/>
-            <a:r>
-              <a:rPr lang="en-US" sz="3000" dirty="0" smtClean="0">
-                <a:latin typeface="PFDinTextCompPro-Italic"/>
-                <a:cs typeface="PFDinTextCompPro-Italic"/>
-              </a:rPr>
-              <a:t>The </a:t>
-            </a:r>
-            <a:r>
-              <a:rPr lang="en-US" sz="3000" i="1" dirty="0" smtClean="0">
-                <a:latin typeface="PFDinTextCompPro-Italic"/>
-                <a:cs typeface="PFDinTextCompPro-Italic"/>
-              </a:rPr>
-              <a:t>maximum purity partition </a:t>
-            </a:r>
-            <a:r>
-              <a:rPr lang="en-US" sz="3000" dirty="0" smtClean="0">
-                <a:latin typeface="PFDinTextCompPro-Italic"/>
-                <a:cs typeface="PFDinTextCompPro-Italic"/>
-              </a:rPr>
-              <a:t>is given (</a:t>
-            </a:r>
-            <a:r>
-              <a:rPr lang="en-US" sz="3000" dirty="0" err="1" smtClean="0">
-                <a:latin typeface="PFDinTextCompPro-Italic"/>
-                <a:cs typeface="PFDinTextCompPro-Italic"/>
-              </a:rPr>
-              <a:t>eg</a:t>
-            </a:r>
-            <a:r>
-              <a:rPr lang="en-US" sz="3000" dirty="0" smtClean="0">
-                <a:latin typeface="PFDinTextCompPro-Italic"/>
-                <a:cs typeface="PFDinTextCompPro-Italic"/>
-              </a:rPr>
-              <a:t>) by the distribution:</a:t>
-            </a:r>
-          </a:p>
-          <a:p>
-            <a:r>
-              <a:rPr lang="en-US" sz="2500" i="1" dirty="0" smtClean="0">
-                <a:latin typeface="+mn-lt"/>
-                <a:cs typeface="PFDinTextCompPro-Italic"/>
-              </a:rPr>
-              <a:t>p(0|t) = 1 – p(1|t) = 1</a:t>
-            </a:r>
-            <a:endParaRPr lang="en-US" sz="2500" i="1" dirty="0">
-              <a:latin typeface="+mn-lt"/>
-              <a:cs typeface="PFDinTextCompPro-Italic"/>
-            </a:endParaRPr>
-          </a:p>
         </p:txBody>
       </p:sp>
     </p:spTree>
     <p:extLst>
       <p:ext uri="{BB962C8B-B14F-4D97-AF65-F5344CB8AC3E}">
-        <p14:creationId xmlns:p14="http://schemas.microsoft.com/office/powerpoint/2010/main" val="2180964926"/>
+        <p14:creationId xmlns:p14="http://schemas.microsoft.com/office/powerpoint/2010/main" val="1461667201"/>
       </p:ext>
     </p:extLst>
   </p:cSld>
@@ -28619,7 +27949,7 @@
             </a:pPr>
             <a:r>
               <a:rPr lang="en-US" dirty="0" smtClean="0"/>
-              <a:t>Objective functions</a:t>
+              <a:t>Consistency of Objective functions</a:t>
             </a:r>
           </a:p>
         </p:txBody>
@@ -28655,7 +27985,7 @@
       </p:sp>
       <p:pic>
         <p:nvPicPr>
-          <p:cNvPr id="2" name="Picture 1"/>
+          <p:cNvPr id="3" name="Picture 2"/>
           <p:cNvPicPr>
             <a:picLocks noChangeAspect="1"/>
           </p:cNvPicPr>
@@ -28669,8 +27999,8 @@
         </p:blipFill>
         <p:spPr>
           <a:xfrm>
-            <a:off x="397668" y="1562100"/>
-            <a:ext cx="8567739" cy="3151352"/>
+            <a:off x="3328508" y="1028700"/>
+            <a:ext cx="5544029" cy="4229099"/>
           </a:xfrm>
           <a:prstGeom prst="rect">
             <a:avLst/>
@@ -28679,14 +28009,14 @@
       </p:pic>
       <p:sp>
         <p:nvSpPr>
-          <p:cNvPr id="9" name="TextBox 8"/>
+          <p:cNvPr id="5" name="TextBox 4"/>
           <p:cNvSpPr txBox="1"/>
           <p:nvPr/>
         </p:nvSpPr>
         <p:spPr>
           <a:xfrm>
-            <a:off x="566737" y="1104900"/>
-            <a:ext cx="8382000" cy="553998"/>
+            <a:off x="566737" y="1257300"/>
+            <a:ext cx="2971800" cy="1477328"/>
           </a:xfrm>
           <a:prstGeom prst="rect">
             <a:avLst/>
@@ -28705,19 +28035,15 @@
                 <a:latin typeface="PFDinTextCompPro-Italic"/>
                 <a:cs typeface="PFDinTextCompPro-Italic"/>
               </a:rPr>
-              <a:t>Some measures of impurity include:</a:t>
-            </a:r>
-            <a:endParaRPr lang="en-US" sz="3000" dirty="0">
-              <a:latin typeface="PFDinTextCompPro-Italic"/>
-              <a:cs typeface="PFDinTextCompPro-Italic"/>
-            </a:endParaRPr>
+              <a:t>Note that each measure achieves its max at 0.5, min at 0 &amp; 1.</a:t>
+            </a:r>
           </a:p>
         </p:txBody>
       </p:sp>
     </p:spTree>
     <p:extLst>
       <p:ext uri="{BB962C8B-B14F-4D97-AF65-F5344CB8AC3E}">
-        <p14:creationId xmlns:p14="http://schemas.microsoft.com/office/powerpoint/2010/main" val="1461667201"/>
+        <p14:creationId xmlns:p14="http://schemas.microsoft.com/office/powerpoint/2010/main" val="2684218674"/>
       </p:ext>
     </p:extLst>
   </p:cSld>
@@ -28809,331 +28135,6 @@
                 <a:defRPr/>
               </a:pPr>
               <a:t>59</a:t>
-            </a:fld>
-            <a:endParaRPr lang="en-US"/>
-          </a:p>
-        </p:txBody>
-      </p:sp>
-      <p:pic>
-        <p:nvPicPr>
-          <p:cNvPr id="3" name="Picture 2"/>
-          <p:cNvPicPr>
-            <a:picLocks noChangeAspect="1"/>
-          </p:cNvPicPr>
-          <p:nvPr/>
-        </p:nvPicPr>
-        <p:blipFill>
-          <a:blip r:embed="rId3"/>
-          <a:stretch>
-            <a:fillRect/>
-          </a:stretch>
-        </p:blipFill>
-        <p:spPr>
-          <a:xfrm>
-            <a:off x="3328508" y="1028700"/>
-            <a:ext cx="5544029" cy="4229099"/>
-          </a:xfrm>
-          <a:prstGeom prst="rect">
-            <a:avLst/>
-          </a:prstGeom>
-        </p:spPr>
-      </p:pic>
-      <p:sp>
-        <p:nvSpPr>
-          <p:cNvPr id="5" name="TextBox 4"/>
-          <p:cNvSpPr txBox="1"/>
-          <p:nvPr/>
-        </p:nvSpPr>
-        <p:spPr>
-          <a:xfrm>
-            <a:off x="566737" y="1257300"/>
-            <a:ext cx="2971800" cy="1477328"/>
-          </a:xfrm>
-          <a:prstGeom prst="rect">
-            <a:avLst/>
-          </a:prstGeom>
-          <a:noFill/>
-        </p:spPr>
-        <p:txBody>
-          <a:bodyPr wrap="square" rtlCol="0">
-            <a:spAutoFit/>
-          </a:bodyPr>
-          <a:lstStyle/>
-          <a:p>
-            <a:pPr algn="l"/>
-            <a:r>
-              <a:rPr lang="en-US" sz="3000" dirty="0" smtClean="0">
-                <a:latin typeface="PFDinTextCompPro-Italic"/>
-                <a:cs typeface="PFDinTextCompPro-Italic"/>
-              </a:rPr>
-              <a:t>Note that each measure achieves its max at 0.5, min at 0 &amp; 1.</a:t>
-            </a:r>
-          </a:p>
-        </p:txBody>
-      </p:sp>
-    </p:spTree>
-    <p:extLst>
-      <p:ext uri="{BB962C8B-B14F-4D97-AF65-F5344CB8AC3E}">
-        <p14:creationId xmlns:p14="http://schemas.microsoft.com/office/powerpoint/2010/main" val="2684218674"/>
-      </p:ext>
-    </p:extLst>
-  </p:cSld>
-  <p:clrMapOvr>
-    <a:masterClrMapping/>
-  </p:clrMapOvr>
-  <p:transition xmlns:p14="http://schemas.microsoft.com/office/powerpoint/2010/main"/>
-  <p:timing>
-    <p:tnLst>
-      <p:par>
-        <p:cTn xmlns:p14="http://schemas.microsoft.com/office/powerpoint/2010/main" id="1" dur="indefinite" restart="never" nodeType="tmRoot"/>
-      </p:par>
-    </p:tnLst>
-  </p:timing>
-</p:sld>
-</file>
-
-<file path=ppt/slides/slide6.xml><?xml version="1.0" encoding="utf-8"?>
-<p:sld xmlns:a="http://schemas.openxmlformats.org/drawingml/2006/main" xmlns:r="http://schemas.openxmlformats.org/officeDocument/2006/relationships" xmlns:p="http://schemas.openxmlformats.org/presentationml/2006/main">
-  <p:cSld>
-    <p:spTree>
-      <p:nvGrpSpPr>
-        <p:cNvPr id="1" name=""/>
-        <p:cNvGrpSpPr/>
-        <p:nvPr/>
-      </p:nvGrpSpPr>
-      <p:grpSpPr>
-        <a:xfrm>
-          <a:off x="0" y="0"/>
-          <a:ext cx="0" cy="0"/>
-          <a:chOff x="0" y="0"/>
-          <a:chExt cx="0" cy="0"/>
-        </a:xfrm>
-      </p:grpSpPr>
-      <p:sp>
-        <p:nvSpPr>
-          <p:cNvPr id="4" name="Content Placeholder 3"/>
-          <p:cNvSpPr>
-            <a:spLocks noGrp="1"/>
-          </p:cNvSpPr>
-          <p:nvPr>
-            <p:ph sz="quarter" idx="11"/>
-          </p:nvPr>
-        </p:nvSpPr>
-        <p:spPr>
-          <a:xfrm>
-            <a:off x="414337" y="495300"/>
-            <a:ext cx="6400800" cy="304800"/>
-          </a:xfrm>
-        </p:spPr>
-        <p:txBody>
-          <a:bodyPr/>
-          <a:lstStyle/>
-          <a:p>
-            <a:pPr eaLnBrk="1" hangingPunct="1">
-              <a:lnSpc>
-                <a:spcPts val="2448"/>
-              </a:lnSpc>
-              <a:defRPr/>
-            </a:pPr>
-            <a:r>
-              <a:rPr lang="en-US" dirty="0" smtClean="0"/>
-              <a:t>Decision tree classifiers</a:t>
-            </a:r>
-            <a:endParaRPr lang="en-US" dirty="0"/>
-          </a:p>
-        </p:txBody>
-      </p:sp>
-      <p:sp>
-        <p:nvSpPr>
-          <p:cNvPr id="8" name="Slide Number Placeholder 3"/>
-          <p:cNvSpPr>
-            <a:spLocks noGrp="1"/>
-          </p:cNvSpPr>
-          <p:nvPr>
-            <p:ph type="sldNum" sz="quarter" idx="13"/>
-          </p:nvPr>
-        </p:nvSpPr>
-        <p:spPr/>
-        <p:txBody>
-          <a:bodyPr/>
-          <a:lstStyle/>
-          <a:p>
-            <a:pPr>
-              <a:defRPr/>
-            </a:pPr>
-            <a:fld id="{BD5AD749-DAD1-6A4A-A2AA-CB20EAD0AEB7}" type="slidenum">
-              <a:rPr lang="en-US"/>
-              <a:pPr>
-                <a:defRPr/>
-              </a:pPr>
-              <a:t>6</a:t>
-            </a:fld>
-            <a:endParaRPr lang="en-US"/>
-          </a:p>
-        </p:txBody>
-      </p:sp>
-      <p:sp>
-        <p:nvSpPr>
-          <p:cNvPr id="9" name="TextBox 8"/>
-          <p:cNvSpPr txBox="1"/>
-          <p:nvPr/>
-        </p:nvSpPr>
-        <p:spPr>
-          <a:xfrm>
-            <a:off x="566737" y="1104900"/>
-            <a:ext cx="8382000" cy="1938992"/>
-          </a:xfrm>
-          <a:prstGeom prst="rect">
-            <a:avLst/>
-          </a:prstGeom>
-          <a:noFill/>
-        </p:spPr>
-        <p:txBody>
-          <a:bodyPr wrap="square" rtlCol="0">
-            <a:spAutoFit/>
-          </a:bodyPr>
-          <a:lstStyle/>
-          <a:p>
-            <a:pPr algn="l"/>
-            <a:r>
-              <a:rPr lang="en-US" sz="3000" dirty="0" smtClean="0">
-                <a:latin typeface="PFDinTextCompPro-Italic"/>
-                <a:cs typeface="PFDinTextCompPro-Italic"/>
-              </a:rPr>
-              <a:t>Q:  What is a decision tree?</a:t>
-            </a:r>
-          </a:p>
-          <a:p>
-            <a:pPr algn="l"/>
-            <a:r>
-              <a:rPr lang="en-US" sz="3000" dirty="0" smtClean="0">
-                <a:latin typeface="PFDinTextCompPro-Italic"/>
-                <a:cs typeface="PFDinTextCompPro-Italic"/>
-              </a:rPr>
-              <a:t>A:  A non-parametric hierarchical classification technique.</a:t>
-            </a:r>
-          </a:p>
-          <a:p>
-            <a:pPr algn="l"/>
-            <a:endParaRPr lang="en-US" sz="3000" dirty="0">
-              <a:latin typeface="PFDinTextCompPro-Italic"/>
-              <a:cs typeface="PFDinTextCompPro-Italic"/>
-            </a:endParaRPr>
-          </a:p>
-          <a:p>
-            <a:pPr algn="l"/>
-            <a:r>
-              <a:rPr lang="en-US" sz="3000" dirty="0" smtClean="0">
-                <a:latin typeface="PFDinTextCompPro-Medium"/>
-                <a:cs typeface="PFDinTextCompPro-Medium"/>
-              </a:rPr>
-              <a:t>non-parametric</a:t>
-            </a:r>
-            <a:r>
-              <a:rPr lang="en-US" sz="3000" dirty="0" smtClean="0">
-                <a:latin typeface="PFDinTextCompPro-Italic"/>
-                <a:cs typeface="PFDinTextCompPro-Italic"/>
-              </a:rPr>
-              <a:t>: no parameters, no distribution assumptions</a:t>
-            </a:r>
-          </a:p>
-        </p:txBody>
-      </p:sp>
-    </p:spTree>
-    <p:extLst>
-      <p:ext uri="{BB962C8B-B14F-4D97-AF65-F5344CB8AC3E}">
-        <p14:creationId xmlns:p14="http://schemas.microsoft.com/office/powerpoint/2010/main" val="1950871948"/>
-      </p:ext>
-    </p:extLst>
-  </p:cSld>
-  <p:clrMapOvr>
-    <a:masterClrMapping/>
-  </p:clrMapOvr>
-  <p:transition xmlns:p14="http://schemas.microsoft.com/office/powerpoint/2010/main"/>
-  <p:timing>
-    <p:tnLst>
-      <p:par>
-        <p:cTn xmlns:p14="http://schemas.microsoft.com/office/powerpoint/2010/main" id="1" dur="indefinite" restart="never" nodeType="tmRoot"/>
-      </p:par>
-    </p:tnLst>
-  </p:timing>
-</p:sld>
-</file>
-
-<file path=ppt/slides/slide60.xml><?xml version="1.0" encoding="utf-8"?>
-<p:sld xmlns:a="http://schemas.openxmlformats.org/drawingml/2006/main" xmlns:r="http://schemas.openxmlformats.org/officeDocument/2006/relationships" xmlns:p="http://schemas.openxmlformats.org/presentationml/2006/main">
-  <p:cSld>
-    <p:spTree>
-      <p:nvGrpSpPr>
-        <p:cNvPr id="1" name=""/>
-        <p:cNvGrpSpPr/>
-        <p:nvPr/>
-      </p:nvGrpSpPr>
-      <p:grpSpPr>
-        <a:xfrm>
-          <a:off x="0" y="0"/>
-          <a:ext cx="0" cy="0"/>
-          <a:chOff x="0" y="0"/>
-          <a:chExt cx="0" cy="0"/>
-        </a:xfrm>
-      </p:grpSpPr>
-      <p:sp>
-        <p:nvSpPr>
-          <p:cNvPr id="4" name="Content Placeholder 3"/>
-          <p:cNvSpPr>
-            <a:spLocks noGrp="1"/>
-          </p:cNvSpPr>
-          <p:nvPr>
-            <p:ph sz="quarter" idx="11"/>
-          </p:nvPr>
-        </p:nvSpPr>
-        <p:spPr>
-          <a:xfrm>
-            <a:off x="414337" y="495300"/>
-            <a:ext cx="6400800" cy="304800"/>
-          </a:xfrm>
-        </p:spPr>
-        <p:txBody>
-          <a:bodyPr/>
-          <a:lstStyle/>
-          <a:p>
-            <a:pPr eaLnBrk="1" hangingPunct="1">
-              <a:lnSpc>
-                <a:spcPts val="2448"/>
-              </a:lnSpc>
-              <a:defRPr/>
-            </a:pPr>
-            <a:r>
-              <a:rPr lang="en-US" dirty="0" smtClean="0"/>
-              <a:t>Consistency of Objective functions</a:t>
-            </a:r>
-          </a:p>
-        </p:txBody>
-      </p:sp>
-      <p:sp>
-        <p:nvSpPr>
-          <p:cNvPr id="8" name="Slide Number Placeholder 3"/>
-          <p:cNvSpPr>
-            <a:spLocks noGrp="1"/>
-          </p:cNvSpPr>
-          <p:nvPr>
-            <p:ph type="sldNum" sz="quarter" idx="13"/>
-          </p:nvPr>
-        </p:nvSpPr>
-        <p:spPr/>
-        <p:txBody>
-          <a:bodyPr/>
-          <a:lstStyle/>
-          <a:p>
-            <a:pPr>
-              <a:defRPr/>
-            </a:pPr>
-            <a:fld id="{BD5AD749-DAD1-6A4A-A2AA-CB20EAD0AEB7}" type="slidenum">
-              <a:rPr lang="en-US"/>
-              <a:pPr>
-                <a:defRPr/>
-              </a:pPr>
-              <a:t>60</a:t>
             </a:fld>
             <a:endParaRPr lang="en-US"/>
           </a:p>
@@ -29441,6 +28442,307 @@
 </p:sld>
 </file>
 
+<file path=ppt/slides/slide6.xml><?xml version="1.0" encoding="utf-8"?>
+<p:sld xmlns:a="http://schemas.openxmlformats.org/drawingml/2006/main" xmlns:r="http://schemas.openxmlformats.org/officeDocument/2006/relationships" xmlns:p="http://schemas.openxmlformats.org/presentationml/2006/main">
+  <p:cSld>
+    <p:spTree>
+      <p:nvGrpSpPr>
+        <p:cNvPr id="1" name=""/>
+        <p:cNvGrpSpPr/>
+        <p:nvPr/>
+      </p:nvGrpSpPr>
+      <p:grpSpPr>
+        <a:xfrm>
+          <a:off x="0" y="0"/>
+          <a:ext cx="0" cy="0"/>
+          <a:chOff x="0" y="0"/>
+          <a:chExt cx="0" cy="0"/>
+        </a:xfrm>
+      </p:grpSpPr>
+      <p:sp>
+        <p:nvSpPr>
+          <p:cNvPr id="4" name="Content Placeholder 3"/>
+          <p:cNvSpPr>
+            <a:spLocks noGrp="1"/>
+          </p:cNvSpPr>
+          <p:nvPr>
+            <p:ph sz="quarter" idx="11"/>
+          </p:nvPr>
+        </p:nvSpPr>
+        <p:spPr>
+          <a:xfrm>
+            <a:off x="414337" y="495300"/>
+            <a:ext cx="6400800" cy="304800"/>
+          </a:xfrm>
+        </p:spPr>
+        <p:txBody>
+          <a:bodyPr/>
+          <a:lstStyle/>
+          <a:p>
+            <a:pPr eaLnBrk="1" hangingPunct="1">
+              <a:lnSpc>
+                <a:spcPts val="2448"/>
+              </a:lnSpc>
+              <a:defRPr/>
+            </a:pPr>
+            <a:r>
+              <a:rPr lang="en-US" dirty="0" smtClean="0"/>
+              <a:t>Decision tree classifiers</a:t>
+            </a:r>
+            <a:endParaRPr lang="en-US" dirty="0"/>
+          </a:p>
+        </p:txBody>
+      </p:sp>
+      <p:sp>
+        <p:nvSpPr>
+          <p:cNvPr id="8" name="Slide Number Placeholder 3"/>
+          <p:cNvSpPr>
+            <a:spLocks noGrp="1"/>
+          </p:cNvSpPr>
+          <p:nvPr>
+            <p:ph type="sldNum" sz="quarter" idx="13"/>
+          </p:nvPr>
+        </p:nvSpPr>
+        <p:spPr/>
+        <p:txBody>
+          <a:bodyPr/>
+          <a:lstStyle/>
+          <a:p>
+            <a:pPr>
+              <a:defRPr/>
+            </a:pPr>
+            <a:fld id="{BD5AD749-DAD1-6A4A-A2AA-CB20EAD0AEB7}" type="slidenum">
+              <a:rPr lang="en-US"/>
+              <a:pPr>
+                <a:defRPr/>
+              </a:pPr>
+              <a:t>6</a:t>
+            </a:fld>
+            <a:endParaRPr lang="en-US"/>
+          </a:p>
+        </p:txBody>
+      </p:sp>
+      <p:sp>
+        <p:nvSpPr>
+          <p:cNvPr id="9" name="TextBox 8"/>
+          <p:cNvSpPr txBox="1"/>
+          <p:nvPr/>
+        </p:nvSpPr>
+        <p:spPr>
+          <a:xfrm>
+            <a:off x="566737" y="1104900"/>
+            <a:ext cx="8382000" cy="1938992"/>
+          </a:xfrm>
+          <a:prstGeom prst="rect">
+            <a:avLst/>
+          </a:prstGeom>
+          <a:noFill/>
+        </p:spPr>
+        <p:txBody>
+          <a:bodyPr wrap="square" rtlCol="0">
+            <a:spAutoFit/>
+          </a:bodyPr>
+          <a:lstStyle/>
+          <a:p>
+            <a:pPr algn="l"/>
+            <a:r>
+              <a:rPr lang="en-US" sz="3000" dirty="0" smtClean="0">
+                <a:latin typeface="PFDinTextCompPro-Italic"/>
+                <a:cs typeface="PFDinTextCompPro-Italic"/>
+              </a:rPr>
+              <a:t>Q:  What is a decision tree?</a:t>
+            </a:r>
+          </a:p>
+          <a:p>
+            <a:pPr algn="l"/>
+            <a:r>
+              <a:rPr lang="en-US" sz="3000" dirty="0" smtClean="0">
+                <a:latin typeface="PFDinTextCompPro-Italic"/>
+                <a:cs typeface="PFDinTextCompPro-Italic"/>
+              </a:rPr>
+              <a:t>A:  A non-parametric hierarchical classification technique.</a:t>
+            </a:r>
+          </a:p>
+          <a:p>
+            <a:pPr algn="l"/>
+            <a:endParaRPr lang="en-US" sz="3000" dirty="0">
+              <a:latin typeface="PFDinTextCompPro-Italic"/>
+              <a:cs typeface="PFDinTextCompPro-Italic"/>
+            </a:endParaRPr>
+          </a:p>
+          <a:p>
+            <a:pPr algn="l"/>
+            <a:r>
+              <a:rPr lang="en-US" sz="3000" dirty="0" smtClean="0">
+                <a:latin typeface="PFDinTextCompPro-Medium"/>
+                <a:cs typeface="PFDinTextCompPro-Medium"/>
+              </a:rPr>
+              <a:t>non-parametric</a:t>
+            </a:r>
+            <a:r>
+              <a:rPr lang="en-US" sz="3000" dirty="0" smtClean="0">
+                <a:latin typeface="PFDinTextCompPro-Italic"/>
+                <a:cs typeface="PFDinTextCompPro-Italic"/>
+              </a:rPr>
+              <a:t>: no parameters, no distribution assumptions</a:t>
+            </a:r>
+          </a:p>
+        </p:txBody>
+      </p:sp>
+    </p:spTree>
+    <p:extLst>
+      <p:ext uri="{BB962C8B-B14F-4D97-AF65-F5344CB8AC3E}">
+        <p14:creationId xmlns:p14="http://schemas.microsoft.com/office/powerpoint/2010/main" val="1950871948"/>
+      </p:ext>
+    </p:extLst>
+  </p:cSld>
+  <p:clrMapOvr>
+    <a:masterClrMapping/>
+  </p:clrMapOvr>
+  <p:transition xmlns:p14="http://schemas.microsoft.com/office/powerpoint/2010/main"/>
+  <p:timing>
+    <p:tnLst>
+      <p:par>
+        <p:cTn xmlns:p14="http://schemas.microsoft.com/office/powerpoint/2010/main" id="1" dur="indefinite" restart="never" nodeType="tmRoot"/>
+      </p:par>
+    </p:tnLst>
+  </p:timing>
+</p:sld>
+</file>
+
+<file path=ppt/slides/slide60.xml><?xml version="1.0" encoding="utf-8"?>
+<p:sld xmlns:a="http://schemas.openxmlformats.org/drawingml/2006/main" xmlns:r="http://schemas.openxmlformats.org/officeDocument/2006/relationships" xmlns:p="http://schemas.openxmlformats.org/presentationml/2006/main">
+  <p:cSld>
+    <p:spTree>
+      <p:nvGrpSpPr>
+        <p:cNvPr id="1" name=""/>
+        <p:cNvGrpSpPr/>
+        <p:nvPr/>
+      </p:nvGrpSpPr>
+      <p:grpSpPr>
+        <a:xfrm>
+          <a:off x="0" y="0"/>
+          <a:ext cx="0" cy="0"/>
+          <a:chOff x="0" y="0"/>
+          <a:chExt cx="0" cy="0"/>
+        </a:xfrm>
+      </p:grpSpPr>
+      <p:sp>
+        <p:nvSpPr>
+          <p:cNvPr id="4" name="Content Placeholder 3"/>
+          <p:cNvSpPr>
+            <a:spLocks noGrp="1"/>
+          </p:cNvSpPr>
+          <p:nvPr>
+            <p:ph sz="quarter" idx="11"/>
+          </p:nvPr>
+        </p:nvSpPr>
+        <p:spPr>
+          <a:xfrm>
+            <a:off x="414337" y="495300"/>
+            <a:ext cx="6400800" cy="304800"/>
+          </a:xfrm>
+        </p:spPr>
+        <p:txBody>
+          <a:bodyPr/>
+          <a:lstStyle/>
+          <a:p>
+            <a:pPr eaLnBrk="1" hangingPunct="1">
+              <a:lnSpc>
+                <a:spcPts val="2448"/>
+              </a:lnSpc>
+              <a:defRPr/>
+            </a:pPr>
+            <a:r>
+              <a:rPr lang="en-US" dirty="0" smtClean="0"/>
+              <a:t>Objective functions</a:t>
+            </a:r>
+          </a:p>
+        </p:txBody>
+      </p:sp>
+      <p:sp>
+        <p:nvSpPr>
+          <p:cNvPr id="8" name="Slide Number Placeholder 3"/>
+          <p:cNvSpPr>
+            <a:spLocks noGrp="1"/>
+          </p:cNvSpPr>
+          <p:nvPr>
+            <p:ph type="sldNum" sz="quarter" idx="13"/>
+          </p:nvPr>
+        </p:nvSpPr>
+        <p:spPr/>
+        <p:txBody>
+          <a:bodyPr/>
+          <a:lstStyle/>
+          <a:p>
+            <a:pPr>
+              <a:defRPr/>
+            </a:pPr>
+            <a:fld id="{BD5AD749-DAD1-6A4A-A2AA-CB20EAD0AEB7}" type="slidenum">
+              <a:rPr lang="en-US"/>
+              <a:pPr>
+                <a:defRPr/>
+              </a:pPr>
+              <a:t>60</a:t>
+            </a:fld>
+            <a:endParaRPr lang="en-US"/>
+          </a:p>
+        </p:txBody>
+      </p:sp>
+      <p:sp>
+        <p:nvSpPr>
+          <p:cNvPr id="5" name="TextBox 4"/>
+          <p:cNvSpPr txBox="1"/>
+          <p:nvPr/>
+        </p:nvSpPr>
+        <p:spPr>
+          <a:xfrm>
+            <a:off x="566737" y="1257300"/>
+            <a:ext cx="8153400" cy="1015663"/>
+          </a:xfrm>
+          <a:prstGeom prst="rect">
+            <a:avLst/>
+          </a:prstGeom>
+          <a:noFill/>
+        </p:spPr>
+        <p:txBody>
+          <a:bodyPr wrap="square" rtlCol="0">
+            <a:spAutoFit/>
+          </a:bodyPr>
+          <a:lstStyle/>
+          <a:p>
+            <a:pPr algn="l"/>
+            <a:r>
+              <a:rPr lang="en-US" sz="3000" dirty="0">
+                <a:latin typeface="PFDinTextCompPro-Italic"/>
+                <a:cs typeface="PFDinTextCompPro-Italic"/>
+              </a:rPr>
+              <a:t>Impurity measures put us on the right track, but on their own they are not enough to tell us how our split will do.</a:t>
+            </a:r>
+          </a:p>
+        </p:txBody>
+      </p:sp>
+    </p:spTree>
+    <p:extLst>
+      <p:ext uri="{BB962C8B-B14F-4D97-AF65-F5344CB8AC3E}">
+        <p14:creationId xmlns:p14="http://schemas.microsoft.com/office/powerpoint/2010/main" val="555919186"/>
+      </p:ext>
+    </p:extLst>
+  </p:cSld>
+  <p:clrMapOvr>
+    <a:masterClrMapping/>
+  </p:clrMapOvr>
+  <p:transition xmlns:p14="http://schemas.microsoft.com/office/powerpoint/2010/main"/>
+  <p:timing>
+    <p:tnLst>
+      <p:par>
+        <p:cTn xmlns:p14="http://schemas.microsoft.com/office/powerpoint/2010/main" id="1" dur="indefinite" restart="never" nodeType="tmRoot"/>
+      </p:par>
+    </p:tnLst>
+  </p:timing>
+</p:sld>
+</file>
+
 <file path=ppt/slides/slide61.xml><?xml version="1.0" encoding="utf-8"?>
 <p:sld xmlns:a="http://schemas.openxmlformats.org/drawingml/2006/main" xmlns:r="http://schemas.openxmlformats.org/officeDocument/2006/relationships" xmlns:p="http://schemas.openxmlformats.org/presentationml/2006/main">
   <p:cSld>
@@ -29529,7 +28831,7 @@
         <p:spPr>
           <a:xfrm>
             <a:off x="566737" y="1257300"/>
-            <a:ext cx="8153400" cy="1015663"/>
+            <a:ext cx="8153400" cy="1938992"/>
           </a:xfrm>
           <a:prstGeom prst="rect">
             <a:avLst/>
@@ -29544,11 +28846,28 @@
           <a:p>
             <a:pPr algn="l"/>
             <a:r>
-              <a:rPr lang="en-US" sz="3000" dirty="0">
+              <a:rPr lang="en-US" sz="3000" dirty="0" smtClean="0">
                 <a:latin typeface="PFDinTextCompPro-Italic"/>
                 <a:cs typeface="PFDinTextCompPro-Italic"/>
               </a:rPr>
               <a:t>Impurity measures put us on the right track, but on their own they are not enough to tell us how our split will do.</a:t>
+            </a:r>
+          </a:p>
+          <a:p>
+            <a:pPr algn="l"/>
+            <a:endParaRPr lang="en-US" sz="3000" dirty="0">
+              <a:latin typeface="PFDinTextCompPro-Italic"/>
+              <a:cs typeface="PFDinTextCompPro-Italic"/>
+            </a:endParaRPr>
+          </a:p>
+          <a:p>
+            <a:pPr algn="l"/>
+            <a:r>
+              <a:rPr lang="en-US" sz="3000" dirty="0" smtClean="0">
+                <a:latin typeface="PFDinTextCompPro-Italic"/>
+                <a:cs typeface="PFDinTextCompPro-Italic"/>
+              </a:rPr>
+              <a:t>Q:  Why is this true?</a:t>
             </a:r>
           </a:p>
         </p:txBody>
@@ -29556,7 +28875,7 @@
     </p:spTree>
     <p:extLst>
       <p:ext uri="{BB962C8B-B14F-4D97-AF65-F5344CB8AC3E}">
-        <p14:creationId xmlns:p14="http://schemas.microsoft.com/office/powerpoint/2010/main" val="555919186"/>
+        <p14:creationId xmlns:p14="http://schemas.microsoft.com/office/powerpoint/2010/main" val="2114800884"/>
       </p:ext>
     </p:extLst>
   </p:cSld>
@@ -29662,7 +28981,7 @@
         <p:spPr>
           <a:xfrm>
             <a:off x="566737" y="1257300"/>
-            <a:ext cx="8153400" cy="1938992"/>
+            <a:ext cx="8153400" cy="2400657"/>
           </a:xfrm>
           <a:prstGeom prst="rect">
             <a:avLst/>
@@ -29699,6 +29018,16 @@
                 <a:cs typeface="PFDinTextCompPro-Italic"/>
               </a:rPr>
               <a:t>Q:  Why is this true?</a:t>
+            </a:r>
+          </a:p>
+          <a:p>
+            <a:pPr algn="l"/>
+            <a:r>
+              <a:rPr lang="en-US" sz="3000" dirty="0" smtClean="0">
+                <a:latin typeface="PFDinTextCompPro-Italic"/>
+                <a:cs typeface="PFDinTextCompPro-Italic"/>
+              </a:rPr>
+              <a:t>A:  We still need to look at impurity before &amp; after the split.</a:t>
             </a:r>
           </a:p>
         </p:txBody>
@@ -29798,166 +29127,6 @@
                 <a:defRPr/>
               </a:pPr>
               <a:t>63</a:t>
-            </a:fld>
-            <a:endParaRPr lang="en-US"/>
-          </a:p>
-        </p:txBody>
-      </p:sp>
-      <p:sp>
-        <p:nvSpPr>
-          <p:cNvPr id="5" name="TextBox 4"/>
-          <p:cNvSpPr txBox="1"/>
-          <p:nvPr/>
-        </p:nvSpPr>
-        <p:spPr>
-          <a:xfrm>
-            <a:off x="566737" y="1257300"/>
-            <a:ext cx="8153400" cy="2400657"/>
-          </a:xfrm>
-          <a:prstGeom prst="rect">
-            <a:avLst/>
-          </a:prstGeom>
-          <a:noFill/>
-        </p:spPr>
-        <p:txBody>
-          <a:bodyPr wrap="square" rtlCol="0">
-            <a:spAutoFit/>
-          </a:bodyPr>
-          <a:lstStyle/>
-          <a:p>
-            <a:pPr algn="l"/>
-            <a:r>
-              <a:rPr lang="en-US" sz="3000" dirty="0" smtClean="0">
-                <a:latin typeface="PFDinTextCompPro-Italic"/>
-                <a:cs typeface="PFDinTextCompPro-Italic"/>
-              </a:rPr>
-              <a:t>Impurity measures put us on the right track, but on their own they are not enough to tell us how our split will do.</a:t>
-            </a:r>
-          </a:p>
-          <a:p>
-            <a:pPr algn="l"/>
-            <a:endParaRPr lang="en-US" sz="3000" dirty="0">
-              <a:latin typeface="PFDinTextCompPro-Italic"/>
-              <a:cs typeface="PFDinTextCompPro-Italic"/>
-            </a:endParaRPr>
-          </a:p>
-          <a:p>
-            <a:pPr algn="l"/>
-            <a:r>
-              <a:rPr lang="en-US" sz="3000" dirty="0" smtClean="0">
-                <a:latin typeface="PFDinTextCompPro-Italic"/>
-                <a:cs typeface="PFDinTextCompPro-Italic"/>
-              </a:rPr>
-              <a:t>Q:  Why is this true?</a:t>
-            </a:r>
-          </a:p>
-          <a:p>
-            <a:pPr algn="l"/>
-            <a:r>
-              <a:rPr lang="en-US" sz="3000" dirty="0" smtClean="0">
-                <a:latin typeface="PFDinTextCompPro-Italic"/>
-                <a:cs typeface="PFDinTextCompPro-Italic"/>
-              </a:rPr>
-              <a:t>A:  We still need to look at impurity before &amp; after the split.</a:t>
-            </a:r>
-          </a:p>
-        </p:txBody>
-      </p:sp>
-    </p:spTree>
-    <p:extLst>
-      <p:ext uri="{BB962C8B-B14F-4D97-AF65-F5344CB8AC3E}">
-        <p14:creationId xmlns:p14="http://schemas.microsoft.com/office/powerpoint/2010/main" val="2114800884"/>
-      </p:ext>
-    </p:extLst>
-  </p:cSld>
-  <p:clrMapOvr>
-    <a:masterClrMapping/>
-  </p:clrMapOvr>
-  <p:transition xmlns:p14="http://schemas.microsoft.com/office/powerpoint/2010/main"/>
-  <p:timing>
-    <p:tnLst>
-      <p:par>
-        <p:cTn xmlns:p14="http://schemas.microsoft.com/office/powerpoint/2010/main" id="1" dur="indefinite" restart="never" nodeType="tmRoot"/>
-      </p:par>
-    </p:tnLst>
-  </p:timing>
-</p:sld>
-</file>
-
-<file path=ppt/slides/slide64.xml><?xml version="1.0" encoding="utf-8"?>
-<p:sld xmlns:a="http://schemas.openxmlformats.org/drawingml/2006/main" xmlns:r="http://schemas.openxmlformats.org/officeDocument/2006/relationships" xmlns:p="http://schemas.openxmlformats.org/presentationml/2006/main">
-  <p:cSld>
-    <p:spTree>
-      <p:nvGrpSpPr>
-        <p:cNvPr id="1" name=""/>
-        <p:cNvGrpSpPr/>
-        <p:nvPr/>
-      </p:nvGrpSpPr>
-      <p:grpSpPr>
-        <a:xfrm>
-          <a:off x="0" y="0"/>
-          <a:ext cx="0" cy="0"/>
-          <a:chOff x="0" y="0"/>
-          <a:chExt cx="0" cy="0"/>
-        </a:xfrm>
-      </p:grpSpPr>
-      <p:sp>
-        <p:nvSpPr>
-          <p:cNvPr id="4" name="Content Placeholder 3"/>
-          <p:cNvSpPr>
-            <a:spLocks noGrp="1"/>
-          </p:cNvSpPr>
-          <p:nvPr>
-            <p:ph sz="quarter" idx="11"/>
-          </p:nvPr>
-        </p:nvSpPr>
-        <p:spPr>
-          <a:xfrm>
-            <a:off x="414337" y="495300"/>
-            <a:ext cx="6400800" cy="304800"/>
-          </a:xfrm>
-        </p:spPr>
-        <p:txBody>
-          <a:bodyPr/>
-          <a:lstStyle/>
-          <a:p>
-            <a:pPr eaLnBrk="1" hangingPunct="1">
-              <a:lnSpc>
-                <a:spcPts val="2448"/>
-              </a:lnSpc>
-              <a:defRPr/>
-            </a:pPr>
-            <a:r>
-              <a:rPr lang="en-US" dirty="0" smtClean="0"/>
-              <a:t>Objective functions</a:t>
-            </a:r>
-          </a:p>
-        </p:txBody>
-      </p:sp>
-      <p:sp>
-        <p:nvSpPr>
-          <p:cNvPr id="8" name="Slide Number Placeholder 3"/>
-          <p:cNvSpPr>
-            <a:spLocks noGrp="1"/>
-          </p:cNvSpPr>
-          <p:nvPr>
-            <p:ph type="sldNum" sz="quarter" idx="13"/>
-          </p:nvPr>
-        </p:nvSpPr>
-        <p:spPr/>
-        <p:txBody>
-          <a:bodyPr/>
-          <a:lstStyle/>
-          <a:p>
-            <a:pPr>
-              <a:defRPr/>
-            </a:pPr>
-            <a:fld id="{BD5AD749-DAD1-6A4A-A2AA-CB20EAD0AEB7}" type="slidenum">
-              <a:rPr lang="en-US"/>
-              <a:pPr>
-                <a:defRPr/>
-              </a:pPr>
-              <a:t>64</a:t>
             </a:fld>
             <a:endParaRPr lang="en-US"/>
           </a:p>
@@ -30076,6 +29245,271 @@
 </p:sld>
 </file>
 
+<file path=ppt/slides/slide64.xml><?xml version="1.0" encoding="utf-8"?>
+<p:sld xmlns:a="http://schemas.openxmlformats.org/drawingml/2006/main" xmlns:r="http://schemas.openxmlformats.org/officeDocument/2006/relationships" xmlns:p="http://schemas.openxmlformats.org/presentationml/2006/main">
+  <p:cSld>
+    <p:spTree>
+      <p:nvGrpSpPr>
+        <p:cNvPr id="1" name=""/>
+        <p:cNvGrpSpPr/>
+        <p:nvPr/>
+      </p:nvGrpSpPr>
+      <p:grpSpPr>
+        <a:xfrm>
+          <a:off x="0" y="0"/>
+          <a:ext cx="0" cy="0"/>
+          <a:chOff x="0" y="0"/>
+          <a:chExt cx="0" cy="0"/>
+        </a:xfrm>
+      </p:grpSpPr>
+      <p:sp>
+        <p:nvSpPr>
+          <p:cNvPr id="4" name="Content Placeholder 3"/>
+          <p:cNvSpPr>
+            <a:spLocks noGrp="1"/>
+          </p:cNvSpPr>
+          <p:nvPr>
+            <p:ph sz="quarter" idx="11"/>
+          </p:nvPr>
+        </p:nvSpPr>
+        <p:spPr>
+          <a:xfrm>
+            <a:off x="414337" y="495300"/>
+            <a:ext cx="6400800" cy="304800"/>
+          </a:xfrm>
+        </p:spPr>
+        <p:txBody>
+          <a:bodyPr/>
+          <a:lstStyle/>
+          <a:p>
+            <a:pPr eaLnBrk="1" hangingPunct="1">
+              <a:lnSpc>
+                <a:spcPts val="2448"/>
+              </a:lnSpc>
+              <a:defRPr/>
+            </a:pPr>
+            <a:r>
+              <a:rPr lang="en-US" dirty="0" smtClean="0"/>
+              <a:t>Objective functions</a:t>
+            </a:r>
+          </a:p>
+        </p:txBody>
+      </p:sp>
+      <p:sp>
+        <p:nvSpPr>
+          <p:cNvPr id="8" name="Slide Number Placeholder 3"/>
+          <p:cNvSpPr>
+            <a:spLocks noGrp="1"/>
+          </p:cNvSpPr>
+          <p:nvPr>
+            <p:ph type="sldNum" sz="quarter" idx="13"/>
+          </p:nvPr>
+        </p:nvSpPr>
+        <p:spPr/>
+        <p:txBody>
+          <a:bodyPr/>
+          <a:lstStyle/>
+          <a:p>
+            <a:pPr>
+              <a:defRPr/>
+            </a:pPr>
+            <a:fld id="{BD5AD749-DAD1-6A4A-A2AA-CB20EAD0AEB7}" type="slidenum">
+              <a:rPr lang="en-US"/>
+              <a:pPr>
+                <a:defRPr/>
+              </a:pPr>
+              <a:t>64</a:t>
+            </a:fld>
+            <a:endParaRPr lang="en-US"/>
+          </a:p>
+        </p:txBody>
+      </p:sp>
+      <p:sp>
+        <p:nvSpPr>
+          <p:cNvPr id="5" name="TextBox 4"/>
+          <p:cNvSpPr txBox="1"/>
+          <p:nvPr/>
+        </p:nvSpPr>
+        <p:spPr>
+          <a:xfrm>
+            <a:off x="566737" y="1257300"/>
+            <a:ext cx="8153400" cy="2708434"/>
+          </a:xfrm>
+          <a:prstGeom prst="rect">
+            <a:avLst/>
+          </a:prstGeom>
+          <a:noFill/>
+        </p:spPr>
+        <p:txBody>
+          <a:bodyPr wrap="square" rtlCol="0">
+            <a:spAutoFit/>
+          </a:bodyPr>
+          <a:lstStyle/>
+          <a:p>
+            <a:pPr algn="l"/>
+            <a:r>
+              <a:rPr lang="en-US" sz="3000" dirty="0" smtClean="0">
+                <a:latin typeface="PFDinTextCompPro-Italic"/>
+                <a:cs typeface="PFDinTextCompPro-Italic"/>
+              </a:rPr>
+              <a:t>We can make this comparison using the </a:t>
+            </a:r>
+            <a:r>
+              <a:rPr lang="en-US" sz="3000" dirty="0" smtClean="0">
+                <a:latin typeface="PFDinTextCompPro-Medium"/>
+                <a:cs typeface="PFDinTextCompPro-Medium"/>
+              </a:rPr>
+              <a:t>gain</a:t>
+            </a:r>
+            <a:r>
+              <a:rPr lang="en-US" sz="3000" dirty="0" smtClean="0">
+                <a:latin typeface="PFDinTextCompPro-Italic"/>
+                <a:cs typeface="PFDinTextCompPro-Italic"/>
+              </a:rPr>
+              <a:t>:</a:t>
+            </a:r>
+          </a:p>
+          <a:p>
+            <a:pPr algn="l"/>
+            <a:endParaRPr lang="en-US" sz="3000" dirty="0">
+              <a:latin typeface="PFDinTextCompPro-Italic"/>
+              <a:cs typeface="PFDinTextCompPro-Italic"/>
+            </a:endParaRPr>
+          </a:p>
+          <a:p>
+            <a:pPr algn="l"/>
+            <a:endParaRPr lang="en-US" sz="3000" dirty="0">
+              <a:latin typeface="PFDinTextCompPro-Italic"/>
+              <a:cs typeface="PFDinTextCompPro-Italic"/>
+            </a:endParaRPr>
+          </a:p>
+          <a:p>
+            <a:pPr algn="l"/>
+            <a:endParaRPr lang="en-US" sz="3000" dirty="0" smtClean="0">
+              <a:latin typeface="PFDinTextCompPro-Italic"/>
+              <a:cs typeface="PFDinTextCompPro-Italic"/>
+            </a:endParaRPr>
+          </a:p>
+          <a:p>
+            <a:pPr algn="l"/>
+            <a:r>
+              <a:rPr lang="en-US" sz="2500" dirty="0" smtClean="0">
+                <a:latin typeface="PFDinTextCompPro-Italic"/>
+                <a:cs typeface="PFDinTextCompPro-Italic"/>
+              </a:rPr>
+              <a:t>(Here </a:t>
+            </a:r>
+            <a:r>
+              <a:rPr lang="en-US" sz="2000" i="1" dirty="0" smtClean="0">
+                <a:latin typeface="+mn-lt"/>
+                <a:cs typeface="PFDinTextCompPro-Italic"/>
+              </a:rPr>
+              <a:t>I</a:t>
+            </a:r>
+            <a:r>
+              <a:rPr lang="en-US" sz="2500" dirty="0" smtClean="0">
+                <a:latin typeface="PFDinTextCompPro-Italic"/>
+                <a:cs typeface="PFDinTextCompPro-Italic"/>
+              </a:rPr>
+              <a:t> is the impurity measure, </a:t>
+            </a:r>
+            <a:r>
+              <a:rPr lang="en-US" sz="2000" i="1" dirty="0" err="1" smtClean="0">
+                <a:latin typeface="+mn-lt"/>
+                <a:cs typeface="PFDinTextCompPro-Italic"/>
+              </a:rPr>
+              <a:t>N</a:t>
+            </a:r>
+            <a:r>
+              <a:rPr lang="en-US" sz="2000" i="1" baseline="-25000" dirty="0" err="1" smtClean="0">
+                <a:latin typeface="+mn-lt"/>
+                <a:cs typeface="PFDinTextCompPro-Italic"/>
+              </a:rPr>
+              <a:t>j</a:t>
+            </a:r>
+            <a:r>
+              <a:rPr lang="en-US" sz="2500" dirty="0" smtClean="0">
+                <a:latin typeface="PFDinTextCompPro-Italic"/>
+                <a:cs typeface="PFDinTextCompPro-Italic"/>
+              </a:rPr>
+              <a:t> denotes the number of records at child node </a:t>
+            </a:r>
+            <a:r>
+              <a:rPr lang="en-US" sz="2000" i="1" dirty="0" smtClean="0">
+                <a:latin typeface="+mn-lt"/>
+                <a:cs typeface="PFDinTextCompPro-Italic"/>
+              </a:rPr>
+              <a:t>j</a:t>
+            </a:r>
+            <a:r>
+              <a:rPr lang="en-US" sz="2500" dirty="0" smtClean="0">
+                <a:latin typeface="PFDinTextCompPro-Italic"/>
+                <a:cs typeface="PFDinTextCompPro-Italic"/>
+              </a:rPr>
+              <a:t>, and </a:t>
+            </a:r>
+            <a:r>
+              <a:rPr lang="en-US" sz="2000" i="1" dirty="0" smtClean="0">
+                <a:latin typeface="+mn-lt"/>
+                <a:cs typeface="PFDinTextCompPro-Italic"/>
+              </a:rPr>
+              <a:t>N</a:t>
+            </a:r>
+            <a:r>
+              <a:rPr lang="en-US" sz="2500" dirty="0" smtClean="0">
+                <a:latin typeface="PFDinTextCompPro-Italic"/>
+                <a:cs typeface="PFDinTextCompPro-Italic"/>
+              </a:rPr>
+              <a:t> denotes the number of records at the parent node.)</a:t>
+            </a:r>
+          </a:p>
+        </p:txBody>
+      </p:sp>
+      <p:pic>
+        <p:nvPicPr>
+          <p:cNvPr id="3" name="Picture 2"/>
+          <p:cNvPicPr>
+            <a:picLocks noChangeAspect="1"/>
+          </p:cNvPicPr>
+          <p:nvPr/>
+        </p:nvPicPr>
+        <p:blipFill>
+          <a:blip r:embed="rId3"/>
+          <a:stretch>
+            <a:fillRect/>
+          </a:stretch>
+        </p:blipFill>
+        <p:spPr>
+          <a:xfrm>
+            <a:off x="2377826" y="1977658"/>
+            <a:ext cx="4607422" cy="1108442"/>
+          </a:xfrm>
+          <a:prstGeom prst="rect">
+            <a:avLst/>
+          </a:prstGeom>
+        </p:spPr>
+      </p:pic>
+    </p:spTree>
+    <p:extLst>
+      <p:ext uri="{BB962C8B-B14F-4D97-AF65-F5344CB8AC3E}">
+        <p14:creationId xmlns:p14="http://schemas.microsoft.com/office/powerpoint/2010/main" val="2911637973"/>
+      </p:ext>
+    </p:extLst>
+  </p:cSld>
+  <p:clrMapOvr>
+    <a:masterClrMapping/>
+  </p:clrMapOvr>
+  <p:transition xmlns:p14="http://schemas.microsoft.com/office/powerpoint/2010/main"/>
+  <p:timing>
+    <p:tnLst>
+      <p:par>
+        <p:cTn xmlns:p14="http://schemas.microsoft.com/office/powerpoint/2010/main" id="1" dur="indefinite" restart="never" nodeType="tmRoot"/>
+      </p:par>
+    </p:tnLst>
+  </p:timing>
+</p:sld>
+</file>
+
 <file path=ppt/slides/slide65.xml><?xml version="1.0" encoding="utf-8"?>
 <p:sld xmlns:a="http://schemas.openxmlformats.org/drawingml/2006/main" xmlns:r="http://schemas.openxmlformats.org/officeDocument/2006/relationships" xmlns:p="http://schemas.openxmlformats.org/presentationml/2006/main">
   <p:cSld>
@@ -30164,7 +29598,7 @@
         <p:spPr>
           <a:xfrm>
             <a:off x="566737" y="1257300"/>
-            <a:ext cx="8153400" cy="2708434"/>
+            <a:ext cx="8153400" cy="3554819"/>
           </a:xfrm>
           <a:prstGeom prst="rect">
             <a:avLst/>
@@ -30292,6 +29726,51 @@
                 <a:cs typeface="PFDinTextCompPro-Italic"/>
               </a:rPr>
               <a:t> denotes the number of records at the parent node.)</a:t>
+            </a:r>
+          </a:p>
+          <a:p>
+            <a:pPr algn="l"/>
+            <a:endParaRPr lang="en-US" sz="2500" dirty="0" smtClean="0">
+              <a:latin typeface="PFDinTextCompPro-Italic"/>
+              <a:cs typeface="PFDinTextCompPro-Italic"/>
+            </a:endParaRPr>
+          </a:p>
+          <a:p>
+            <a:pPr algn="l"/>
+            <a:r>
+              <a:rPr lang="en-US" sz="3000" dirty="0" smtClean="0">
+                <a:latin typeface="PFDinTextCompPro-Italic"/>
+                <a:cs typeface="PFDinTextCompPro-Italic"/>
+              </a:rPr>
+              <a:t>When </a:t>
+            </a:r>
+            <a:r>
+              <a:rPr lang="en-US" sz="2500" i="1" dirty="0">
+                <a:latin typeface="+mn-lt"/>
+                <a:cs typeface="PFDinTextCompPro-Italic"/>
+              </a:rPr>
+              <a:t>I</a:t>
+            </a:r>
+            <a:r>
+              <a:rPr lang="en-US" sz="3000" dirty="0" smtClean="0">
+                <a:latin typeface="PFDinTextCompPro-Italic"/>
+                <a:cs typeface="PFDinTextCompPro-Italic"/>
+              </a:rPr>
+              <a:t> is the entropy, this quantity is called the </a:t>
+            </a:r>
+            <a:r>
+              <a:rPr lang="en-US" sz="3000" dirty="0" smtClean="0">
+                <a:latin typeface="PFDinTextCompPro-Medium"/>
+                <a:cs typeface="PFDinTextCompPro-Medium"/>
+              </a:rPr>
+              <a:t>information gain</a:t>
+            </a:r>
+            <a:r>
+              <a:rPr lang="en-US" sz="3000" dirty="0" smtClean="0">
+                <a:latin typeface="PFDinTextCompPro-Italic"/>
+                <a:cs typeface="PFDinTextCompPro-Italic"/>
+              </a:rPr>
+              <a:t>.</a:t>
             </a:r>
           </a:p>
         </p:txBody>
@@ -30429,7 +29908,7 @@
         <p:spPr>
           <a:xfrm>
             <a:off x="566737" y="1257300"/>
-            <a:ext cx="8153400" cy="3554819"/>
+            <a:ext cx="8153400" cy="1015663"/>
           </a:xfrm>
           <a:prstGeom prst="rect">
             <a:avLst/>
@@ -30448,192 +29927,36 @@
                 <a:latin typeface="PFDinTextCompPro-Italic"/>
                 <a:cs typeface="PFDinTextCompPro-Italic"/>
               </a:rPr>
-              <a:t>We can make this comparison using the </a:t>
+              <a:t>Generally speaking, a test condition with a high number of outcomes can lead to </a:t>
+            </a:r>
+            <a:r>
+              <a:rPr lang="en-US" sz="3000" dirty="0" err="1" smtClean="0">
+                <a:latin typeface="PFDinTextCompPro-Italic"/>
+                <a:cs typeface="PFDinTextCompPro-Italic"/>
+              </a:rPr>
+              <a:t>overfitting</a:t>
+            </a:r>
+            <a:r>
+              <a:rPr lang="en-US" sz="3000" dirty="0">
+                <a:latin typeface="PFDinTextCompPro-Italic"/>
+                <a:cs typeface="PFDinTextCompPro-Italic"/>
+              </a:rPr>
+              <a:t> </a:t>
             </a:r>
             <a:r>
               <a:rPr lang="en-US" sz="3000" dirty="0" smtClean="0">
-                <a:latin typeface="PFDinTextCompPro-Medium"/>
-                <a:cs typeface="PFDinTextCompPro-Medium"/>
-              </a:rPr>
-              <a:t>gain</a:t>
-            </a:r>
-            <a:r>
-              <a:rPr lang="en-US" sz="3000" dirty="0" smtClean="0">
-                <a:latin typeface="PFDinTextCompPro-Italic"/>
-                <a:cs typeface="PFDinTextCompPro-Italic"/>
-              </a:rPr>
-              <a:t>:</a:t>
-            </a:r>
-          </a:p>
-          <a:p>
-            <a:pPr algn="l"/>
-            <a:endParaRPr lang="en-US" sz="3000" dirty="0">
-              <a:latin typeface="PFDinTextCompPro-Italic"/>
-              <a:cs typeface="PFDinTextCompPro-Italic"/>
-            </a:endParaRPr>
-          </a:p>
-          <a:p>
-            <a:pPr algn="l"/>
-            <a:endParaRPr lang="en-US" sz="3000" dirty="0">
-              <a:latin typeface="PFDinTextCompPro-Italic"/>
-              <a:cs typeface="PFDinTextCompPro-Italic"/>
-            </a:endParaRPr>
-          </a:p>
-          <a:p>
-            <a:pPr algn="l"/>
-            <a:endParaRPr lang="en-US" sz="3000" dirty="0" smtClean="0">
-              <a:latin typeface="PFDinTextCompPro-Italic"/>
-              <a:cs typeface="PFDinTextCompPro-Italic"/>
-            </a:endParaRPr>
-          </a:p>
-          <a:p>
-            <a:pPr algn="l"/>
-            <a:r>
-              <a:rPr lang="en-US" sz="2500" dirty="0" smtClean="0">
-                <a:latin typeface="PFDinTextCompPro-Italic"/>
-                <a:cs typeface="PFDinTextCompPro-Italic"/>
-              </a:rPr>
-              <a:t>(Here </a:t>
-            </a:r>
-            <a:r>
-              <a:rPr lang="en-US" sz="2000" i="1" dirty="0" smtClean="0">
-                <a:latin typeface="+mn-lt"/>
-                <a:cs typeface="PFDinTextCompPro-Italic"/>
-              </a:rPr>
-              <a:t>I</a:t>
-            </a:r>
-            <a:r>
-              <a:rPr lang="en-US" sz="2500" dirty="0" smtClean="0">
-                <a:latin typeface="PFDinTextCompPro-Italic"/>
-                <a:cs typeface="PFDinTextCompPro-Italic"/>
-              </a:rPr>
-              <a:t> is the impurity measure, </a:t>
-            </a:r>
-            <a:r>
-              <a:rPr lang="en-US" sz="2000" i="1" dirty="0" err="1" smtClean="0">
-                <a:latin typeface="+mn-lt"/>
-                <a:cs typeface="PFDinTextCompPro-Italic"/>
-              </a:rPr>
-              <a:t>N</a:t>
-            </a:r>
-            <a:r>
-              <a:rPr lang="en-US" sz="2000" i="1" baseline="-25000" dirty="0" err="1" smtClean="0">
-                <a:latin typeface="+mn-lt"/>
-                <a:cs typeface="PFDinTextCompPro-Italic"/>
-              </a:rPr>
-              <a:t>j</a:t>
-            </a:r>
-            <a:r>
-              <a:rPr lang="en-US" sz="2500" dirty="0" smtClean="0">
-                <a:latin typeface="PFDinTextCompPro-Italic"/>
-                <a:cs typeface="PFDinTextCompPro-Italic"/>
-              </a:rPr>
-              <a:t> denotes the number of records at child node </a:t>
-            </a:r>
-            <a:r>
-              <a:rPr lang="en-US" sz="2000" i="1" dirty="0" smtClean="0">
-                <a:latin typeface="+mn-lt"/>
-                <a:cs typeface="PFDinTextCompPro-Italic"/>
-              </a:rPr>
-              <a:t>j</a:t>
-            </a:r>
-            <a:r>
-              <a:rPr lang="en-US" sz="2500" dirty="0" smtClean="0">
-                <a:latin typeface="PFDinTextCompPro-Italic"/>
-                <a:cs typeface="PFDinTextCompPro-Italic"/>
-              </a:rPr>
-              <a:t>, and </a:t>
-            </a:r>
-            <a:r>
-              <a:rPr lang="en-US" sz="2000" i="1" dirty="0" smtClean="0">
-                <a:latin typeface="+mn-lt"/>
-                <a:cs typeface="PFDinTextCompPro-Italic"/>
-              </a:rPr>
-              <a:t>N</a:t>
-            </a:r>
-            <a:r>
-              <a:rPr lang="en-US" sz="2500" dirty="0" smtClean="0">
-                <a:latin typeface="PFDinTextCompPro-Italic"/>
-                <a:cs typeface="PFDinTextCompPro-Italic"/>
-              </a:rPr>
-              <a:t> denotes the number of records at the parent node.)</a:t>
-            </a:r>
-          </a:p>
-          <a:p>
-            <a:pPr algn="l"/>
-            <a:endParaRPr lang="en-US" sz="2500" dirty="0" smtClean="0">
-              <a:latin typeface="PFDinTextCompPro-Italic"/>
-              <a:cs typeface="PFDinTextCompPro-Italic"/>
-            </a:endParaRPr>
-          </a:p>
-          <a:p>
-            <a:pPr algn="l"/>
-            <a:r>
-              <a:rPr lang="en-US" sz="3000" dirty="0" smtClean="0">
-                <a:latin typeface="PFDinTextCompPro-Italic"/>
-                <a:cs typeface="PFDinTextCompPro-Italic"/>
-              </a:rPr>
-              <a:t>When </a:t>
-            </a:r>
-            <a:r>
-              <a:rPr lang="en-US" sz="2500" i="1" dirty="0">
-                <a:latin typeface="+mn-lt"/>
-                <a:cs typeface="PFDinTextCompPro-Italic"/>
-              </a:rPr>
-              <a:t>I</a:t>
-            </a:r>
-            <a:r>
-              <a:rPr lang="en-US" sz="3000" dirty="0" smtClean="0">
-                <a:latin typeface="PFDinTextCompPro-Italic"/>
-                <a:cs typeface="PFDinTextCompPro-Italic"/>
-              </a:rPr>
-              <a:t> is the entropy, this quantity is called the </a:t>
-            </a:r>
-            <a:r>
-              <a:rPr lang="en-US" sz="3000" dirty="0" smtClean="0">
-                <a:latin typeface="PFDinTextCompPro-Medium"/>
-                <a:cs typeface="PFDinTextCompPro-Medium"/>
-              </a:rPr>
-              <a:t>information gain</a:t>
-            </a:r>
-            <a:r>
-              <a:rPr lang="en-US" sz="3000" dirty="0" smtClean="0">
-                <a:latin typeface="PFDinTextCompPro-Italic"/>
-                <a:cs typeface="PFDinTextCompPro-Italic"/>
-              </a:rPr>
-              <a:t>.</a:t>
-            </a:r>
-          </a:p>
-        </p:txBody>
-      </p:sp>
-      <p:pic>
-        <p:nvPicPr>
-          <p:cNvPr id="3" name="Picture 2"/>
-          <p:cNvPicPr>
-            <a:picLocks noChangeAspect="1"/>
-          </p:cNvPicPr>
-          <p:nvPr/>
-        </p:nvPicPr>
-        <p:blipFill>
-          <a:blip r:embed="rId3"/>
-          <a:stretch>
-            <a:fillRect/>
-          </a:stretch>
-        </p:blipFill>
-        <p:spPr>
-          <a:xfrm>
-            <a:off x="2377826" y="1977658"/>
-            <a:ext cx="4607422" cy="1108442"/>
-          </a:xfrm>
-          <a:prstGeom prst="rect">
-            <a:avLst/>
-          </a:prstGeom>
-        </p:spPr>
-      </p:pic>
+                <a:latin typeface="PFDinTextCompPro-Italic"/>
+                <a:cs typeface="PFDinTextCompPro-Italic"/>
+              </a:rPr>
+              <a:t>(ex: a split with one outcome per record).</a:t>
+            </a:r>
+          </a:p>
+        </p:txBody>
+      </p:sp>
     </p:spTree>
     <p:extLst>
       <p:ext uri="{BB962C8B-B14F-4D97-AF65-F5344CB8AC3E}">
-        <p14:creationId xmlns:p14="http://schemas.microsoft.com/office/powerpoint/2010/main" val="2911637973"/>
+        <p14:creationId xmlns:p14="http://schemas.microsoft.com/office/powerpoint/2010/main" val="2725523751"/>
       </p:ext>
     </p:extLst>
   </p:cSld>
@@ -30739,7 +30062,7 @@
         <p:spPr>
           <a:xfrm>
             <a:off x="566737" y="1257300"/>
-            <a:ext cx="8153400" cy="1015663"/>
+            <a:ext cx="8153400" cy="2400657"/>
           </a:xfrm>
           <a:prstGeom prst="rect">
             <a:avLst/>
@@ -30782,12 +30105,29 @@
               <a:t>(ex: a split with one outcome per record).</a:t>
             </a:r>
           </a:p>
+          <a:p>
+            <a:pPr algn="l"/>
+            <a:endParaRPr lang="en-US" sz="3000" dirty="0">
+              <a:latin typeface="PFDinTextCompPro-Italic"/>
+              <a:cs typeface="PFDinTextCompPro-Italic"/>
+            </a:endParaRPr>
+          </a:p>
+          <a:p>
+            <a:pPr algn="l"/>
+            <a:r>
+              <a:rPr lang="en-US" sz="3000" dirty="0" smtClean="0">
+                <a:latin typeface="PFDinTextCompPro-Italic"/>
+                <a:cs typeface="PFDinTextCompPro-Italic"/>
+              </a:rPr>
+              <a:t>One way of dealing with this is to restrict the algorithm to binary splits only (CART).</a:t>
+            </a:r>
+          </a:p>
         </p:txBody>
       </p:sp>
     </p:spTree>
     <p:extLst>
       <p:ext uri="{BB962C8B-B14F-4D97-AF65-F5344CB8AC3E}">
-        <p14:creationId xmlns:p14="http://schemas.microsoft.com/office/powerpoint/2010/main" val="2725523751"/>
+        <p14:creationId xmlns:p14="http://schemas.microsoft.com/office/powerpoint/2010/main" val="2149019644"/>
       </p:ext>
     </p:extLst>
   </p:cSld>
@@ -30893,7 +30233,7 @@
         <p:spPr>
           <a:xfrm>
             <a:off x="566737" y="1257300"/>
-            <a:ext cx="8153400" cy="2400657"/>
+            <a:ext cx="8153400" cy="3785652"/>
           </a:xfrm>
           <a:prstGeom prst="rect">
             <a:avLst/>
@@ -30951,6 +30291,23 @@
                 <a:cs typeface="PFDinTextCompPro-Italic"/>
               </a:rPr>
               <a:t>One way of dealing with this is to restrict the algorithm to binary splits only (CART).</a:t>
+            </a:r>
+          </a:p>
+          <a:p>
+            <a:pPr algn="l"/>
+            <a:endParaRPr lang="en-US" sz="3000" dirty="0">
+              <a:latin typeface="PFDinTextCompPro-Italic"/>
+              <a:cs typeface="PFDinTextCompPro-Italic"/>
+            </a:endParaRPr>
+          </a:p>
+          <a:p>
+            <a:pPr algn="l"/>
+            <a:r>
+              <a:rPr lang="en-US" sz="3000" dirty="0" smtClean="0">
+                <a:latin typeface="PFDinTextCompPro-Italic"/>
+                <a:cs typeface="PFDinTextCompPro-Italic"/>
+              </a:rPr>
+              <a:t>Another way is to use a splitting criterion which explicitly penalizes the number of outcomes (C4.5)</a:t>
             </a:r>
           </a:p>
         </p:txBody>
@@ -31050,390 +30407,6 @@
                 <a:defRPr/>
               </a:pPr>
               <a:t>69</a:t>
-            </a:fld>
-            <a:endParaRPr lang="en-US"/>
-          </a:p>
-        </p:txBody>
-      </p:sp>
-      <p:sp>
-        <p:nvSpPr>
-          <p:cNvPr id="5" name="TextBox 4"/>
-          <p:cNvSpPr txBox="1"/>
-          <p:nvPr/>
-        </p:nvSpPr>
-        <p:spPr>
-          <a:xfrm>
-            <a:off x="566737" y="1257300"/>
-            <a:ext cx="8153400" cy="3785652"/>
-          </a:xfrm>
-          <a:prstGeom prst="rect">
-            <a:avLst/>
-          </a:prstGeom>
-          <a:noFill/>
-        </p:spPr>
-        <p:txBody>
-          <a:bodyPr wrap="square" rtlCol="0">
-            <a:spAutoFit/>
-          </a:bodyPr>
-          <a:lstStyle/>
-          <a:p>
-            <a:pPr algn="l"/>
-            <a:r>
-              <a:rPr lang="en-US" sz="3000" dirty="0" smtClean="0">
-                <a:latin typeface="PFDinTextCompPro-Italic"/>
-                <a:cs typeface="PFDinTextCompPro-Italic"/>
-              </a:rPr>
-              <a:t>Generally speaking, a test condition with a high number of outcomes can lead to </a:t>
-            </a:r>
-            <a:r>
-              <a:rPr lang="en-US" sz="3000" dirty="0" err="1" smtClean="0">
-                <a:latin typeface="PFDinTextCompPro-Italic"/>
-                <a:cs typeface="PFDinTextCompPro-Italic"/>
-              </a:rPr>
-              <a:t>overfitting</a:t>
-            </a:r>
-            <a:r>
-              <a:rPr lang="en-US" sz="3000" dirty="0">
-                <a:latin typeface="PFDinTextCompPro-Italic"/>
-                <a:cs typeface="PFDinTextCompPro-Italic"/>
-              </a:rPr>
-              <a:t> </a:t>
-            </a:r>
-            <a:r>
-              <a:rPr lang="en-US" sz="3000" dirty="0" smtClean="0">
-                <a:latin typeface="PFDinTextCompPro-Italic"/>
-                <a:cs typeface="PFDinTextCompPro-Italic"/>
-              </a:rPr>
-              <a:t>(ex: a split with one outcome per record).</a:t>
-            </a:r>
-          </a:p>
-          <a:p>
-            <a:pPr algn="l"/>
-            <a:endParaRPr lang="en-US" sz="3000" dirty="0">
-              <a:latin typeface="PFDinTextCompPro-Italic"/>
-              <a:cs typeface="PFDinTextCompPro-Italic"/>
-            </a:endParaRPr>
-          </a:p>
-          <a:p>
-            <a:pPr algn="l"/>
-            <a:r>
-              <a:rPr lang="en-US" sz="3000" dirty="0" smtClean="0">
-                <a:latin typeface="PFDinTextCompPro-Italic"/>
-                <a:cs typeface="PFDinTextCompPro-Italic"/>
-              </a:rPr>
-              <a:t>One way of dealing with this is to restrict the algorithm to binary splits only (CART).</a:t>
-            </a:r>
-          </a:p>
-          <a:p>
-            <a:pPr algn="l"/>
-            <a:endParaRPr lang="en-US" sz="3000" dirty="0">
-              <a:latin typeface="PFDinTextCompPro-Italic"/>
-              <a:cs typeface="PFDinTextCompPro-Italic"/>
-            </a:endParaRPr>
-          </a:p>
-          <a:p>
-            <a:pPr algn="l"/>
-            <a:r>
-              <a:rPr lang="en-US" sz="3000" dirty="0" smtClean="0">
-                <a:latin typeface="PFDinTextCompPro-Italic"/>
-                <a:cs typeface="PFDinTextCompPro-Italic"/>
-              </a:rPr>
-              <a:t>Another way is to use a splitting criterion which explicitly penalizes the number of outcomes (C4.5)</a:t>
-            </a:r>
-          </a:p>
-        </p:txBody>
-      </p:sp>
-    </p:spTree>
-    <p:extLst>
-      <p:ext uri="{BB962C8B-B14F-4D97-AF65-F5344CB8AC3E}">
-        <p14:creationId xmlns:p14="http://schemas.microsoft.com/office/powerpoint/2010/main" val="2149019644"/>
-      </p:ext>
-    </p:extLst>
-  </p:cSld>
-  <p:clrMapOvr>
-    <a:masterClrMapping/>
-  </p:clrMapOvr>
-  <p:transition xmlns:p14="http://schemas.microsoft.com/office/powerpoint/2010/main"/>
-  <p:timing>
-    <p:tnLst>
-      <p:par>
-        <p:cTn xmlns:p14="http://schemas.microsoft.com/office/powerpoint/2010/main" id="1" dur="indefinite" restart="never" nodeType="tmRoot"/>
-      </p:par>
-    </p:tnLst>
-  </p:timing>
-</p:sld>
-</file>
-
-<file path=ppt/slides/slide7.xml><?xml version="1.0" encoding="utf-8"?>
-<p:sld xmlns:a="http://schemas.openxmlformats.org/drawingml/2006/main" xmlns:r="http://schemas.openxmlformats.org/officeDocument/2006/relationships" xmlns:p="http://schemas.openxmlformats.org/presentationml/2006/main">
-  <p:cSld>
-    <p:spTree>
-      <p:nvGrpSpPr>
-        <p:cNvPr id="1" name=""/>
-        <p:cNvGrpSpPr/>
-        <p:nvPr/>
-      </p:nvGrpSpPr>
-      <p:grpSpPr>
-        <a:xfrm>
-          <a:off x="0" y="0"/>
-          <a:ext cx="0" cy="0"/>
-          <a:chOff x="0" y="0"/>
-          <a:chExt cx="0" cy="0"/>
-        </a:xfrm>
-      </p:grpSpPr>
-      <p:sp>
-        <p:nvSpPr>
-          <p:cNvPr id="4" name="Content Placeholder 3"/>
-          <p:cNvSpPr>
-            <a:spLocks noGrp="1"/>
-          </p:cNvSpPr>
-          <p:nvPr>
-            <p:ph sz="quarter" idx="11"/>
-          </p:nvPr>
-        </p:nvSpPr>
-        <p:spPr>
-          <a:xfrm>
-            <a:off x="414337" y="495300"/>
-            <a:ext cx="6400800" cy="304800"/>
-          </a:xfrm>
-        </p:spPr>
-        <p:txBody>
-          <a:bodyPr/>
-          <a:lstStyle/>
-          <a:p>
-            <a:pPr eaLnBrk="1" hangingPunct="1">
-              <a:lnSpc>
-                <a:spcPts val="2448"/>
-              </a:lnSpc>
-              <a:defRPr/>
-            </a:pPr>
-            <a:r>
-              <a:rPr lang="en-US" dirty="0" smtClean="0"/>
-              <a:t>Decision tree classifiers</a:t>
-            </a:r>
-            <a:endParaRPr lang="en-US" dirty="0"/>
-          </a:p>
-        </p:txBody>
-      </p:sp>
-      <p:sp>
-        <p:nvSpPr>
-          <p:cNvPr id="8" name="Slide Number Placeholder 3"/>
-          <p:cNvSpPr>
-            <a:spLocks noGrp="1"/>
-          </p:cNvSpPr>
-          <p:nvPr>
-            <p:ph type="sldNum" sz="quarter" idx="13"/>
-          </p:nvPr>
-        </p:nvSpPr>
-        <p:spPr/>
-        <p:txBody>
-          <a:bodyPr/>
-          <a:lstStyle/>
-          <a:p>
-            <a:pPr>
-              <a:defRPr/>
-            </a:pPr>
-            <a:fld id="{BD5AD749-DAD1-6A4A-A2AA-CB20EAD0AEB7}" type="slidenum">
-              <a:rPr lang="en-US"/>
-              <a:pPr>
-                <a:defRPr/>
-              </a:pPr>
-              <a:t>7</a:t>
-            </a:fld>
-            <a:endParaRPr lang="en-US"/>
-          </a:p>
-        </p:txBody>
-      </p:sp>
-      <p:sp>
-        <p:nvSpPr>
-          <p:cNvPr id="9" name="TextBox 8"/>
-          <p:cNvSpPr txBox="1"/>
-          <p:nvPr/>
-        </p:nvSpPr>
-        <p:spPr>
-          <a:xfrm>
-            <a:off x="566737" y="1104900"/>
-            <a:ext cx="8382000" cy="3323987"/>
-          </a:xfrm>
-          <a:prstGeom prst="rect">
-            <a:avLst/>
-          </a:prstGeom>
-          <a:noFill/>
-        </p:spPr>
-        <p:txBody>
-          <a:bodyPr wrap="square" rtlCol="0">
-            <a:spAutoFit/>
-          </a:bodyPr>
-          <a:lstStyle/>
-          <a:p>
-            <a:pPr algn="l"/>
-            <a:r>
-              <a:rPr lang="en-US" sz="3000" dirty="0" smtClean="0">
-                <a:latin typeface="PFDinTextCompPro-Italic"/>
-                <a:cs typeface="PFDinTextCompPro-Italic"/>
-              </a:rPr>
-              <a:t>Q:  What is a decision tree?</a:t>
-            </a:r>
-          </a:p>
-          <a:p>
-            <a:pPr algn="l"/>
-            <a:r>
-              <a:rPr lang="en-US" sz="3000" dirty="0" smtClean="0">
-                <a:latin typeface="PFDinTextCompPro-Italic"/>
-                <a:cs typeface="PFDinTextCompPro-Italic"/>
-              </a:rPr>
-              <a:t>A:  A non-parametric hierarchical classification technique.</a:t>
-            </a:r>
-          </a:p>
-          <a:p>
-            <a:pPr algn="l"/>
-            <a:endParaRPr lang="en-US" sz="3000" dirty="0">
-              <a:latin typeface="PFDinTextCompPro-Italic"/>
-              <a:cs typeface="PFDinTextCompPro-Italic"/>
-            </a:endParaRPr>
-          </a:p>
-          <a:p>
-            <a:pPr algn="l"/>
-            <a:r>
-              <a:rPr lang="en-US" sz="3000" dirty="0" smtClean="0">
-                <a:latin typeface="PFDinTextCompPro-Medium"/>
-                <a:cs typeface="PFDinTextCompPro-Medium"/>
-              </a:rPr>
-              <a:t>non-parametric</a:t>
-            </a:r>
-            <a:r>
-              <a:rPr lang="en-US" sz="3000" dirty="0" smtClean="0">
-                <a:latin typeface="PFDinTextCompPro-Italic"/>
-                <a:cs typeface="PFDinTextCompPro-Italic"/>
-              </a:rPr>
-              <a:t>: no parameters, no distribution assumptions</a:t>
-            </a:r>
-            <a:endParaRPr lang="en-US" sz="3000" dirty="0" smtClean="0">
-              <a:latin typeface="PFDinTextCompPro-Medium"/>
-              <a:cs typeface="PFDinTextCompPro-Medium"/>
-            </a:endParaRPr>
-          </a:p>
-          <a:p>
-            <a:pPr algn="l"/>
-            <a:endParaRPr lang="en-US" sz="3000" dirty="0" smtClean="0">
-              <a:latin typeface="PFDinTextCompPro-Medium"/>
-              <a:cs typeface="PFDinTextCompPro-Medium"/>
-            </a:endParaRPr>
-          </a:p>
-          <a:p>
-            <a:pPr algn="l"/>
-            <a:r>
-              <a:rPr lang="en-US" sz="3000" dirty="0" smtClean="0">
-                <a:latin typeface="PFDinTextCompPro-Medium"/>
-                <a:cs typeface="PFDinTextCompPro-Medium"/>
-              </a:rPr>
-              <a:t>hierarchical</a:t>
-            </a:r>
-            <a:r>
-              <a:rPr lang="en-US" sz="3000" dirty="0" smtClean="0">
-                <a:latin typeface="PFDinTextCompPro-Italic"/>
-                <a:cs typeface="PFDinTextCompPro-Italic"/>
-              </a:rPr>
-              <a:t>: consists of a sequence of questions which yield a 	class label when applied to any record</a:t>
-            </a:r>
-          </a:p>
-        </p:txBody>
-      </p:sp>
-    </p:spTree>
-    <p:extLst>
-      <p:ext uri="{BB962C8B-B14F-4D97-AF65-F5344CB8AC3E}">
-        <p14:creationId xmlns:p14="http://schemas.microsoft.com/office/powerpoint/2010/main" val="2535763845"/>
-      </p:ext>
-    </p:extLst>
-  </p:cSld>
-  <p:clrMapOvr>
-    <a:masterClrMapping/>
-  </p:clrMapOvr>
-  <p:transition xmlns:p14="http://schemas.microsoft.com/office/powerpoint/2010/main"/>
-  <p:timing>
-    <p:tnLst>
-      <p:par>
-        <p:cTn xmlns:p14="http://schemas.microsoft.com/office/powerpoint/2010/main" id="1" dur="indefinite" restart="never" nodeType="tmRoot"/>
-      </p:par>
-    </p:tnLst>
-  </p:timing>
-</p:sld>
-</file>
-
-<file path=ppt/slides/slide70.xml><?xml version="1.0" encoding="utf-8"?>
-<p:sld xmlns:a="http://schemas.openxmlformats.org/drawingml/2006/main" xmlns:r="http://schemas.openxmlformats.org/officeDocument/2006/relationships" xmlns:p="http://schemas.openxmlformats.org/presentationml/2006/main">
-  <p:cSld>
-    <p:spTree>
-      <p:nvGrpSpPr>
-        <p:cNvPr id="1" name=""/>
-        <p:cNvGrpSpPr/>
-        <p:nvPr/>
-      </p:nvGrpSpPr>
-      <p:grpSpPr>
-        <a:xfrm>
-          <a:off x="0" y="0"/>
-          <a:ext cx="0" cy="0"/>
-          <a:chOff x="0" y="0"/>
-          <a:chExt cx="0" cy="0"/>
-        </a:xfrm>
-      </p:grpSpPr>
-      <p:sp>
-        <p:nvSpPr>
-          <p:cNvPr id="4" name="Content Placeholder 3"/>
-          <p:cNvSpPr>
-            <a:spLocks noGrp="1"/>
-          </p:cNvSpPr>
-          <p:nvPr>
-            <p:ph sz="quarter" idx="11"/>
-          </p:nvPr>
-        </p:nvSpPr>
-        <p:spPr>
-          <a:xfrm>
-            <a:off x="414337" y="495300"/>
-            <a:ext cx="6400800" cy="304800"/>
-          </a:xfrm>
-        </p:spPr>
-        <p:txBody>
-          <a:bodyPr/>
-          <a:lstStyle/>
-          <a:p>
-            <a:pPr eaLnBrk="1" hangingPunct="1">
-              <a:lnSpc>
-                <a:spcPts val="2448"/>
-              </a:lnSpc>
-              <a:defRPr/>
-            </a:pPr>
-            <a:r>
-              <a:rPr lang="en-US" dirty="0" smtClean="0"/>
-              <a:t>Objective functions</a:t>
-            </a:r>
-          </a:p>
-        </p:txBody>
-      </p:sp>
-      <p:sp>
-        <p:nvSpPr>
-          <p:cNvPr id="8" name="Slide Number Placeholder 3"/>
-          <p:cNvSpPr>
-            <a:spLocks noGrp="1"/>
-          </p:cNvSpPr>
-          <p:nvPr>
-            <p:ph type="sldNum" sz="quarter" idx="13"/>
-          </p:nvPr>
-        </p:nvSpPr>
-        <p:spPr/>
-        <p:txBody>
-          <a:bodyPr/>
-          <a:lstStyle/>
-          <a:p>
-            <a:pPr>
-              <a:defRPr/>
-            </a:pPr>
-            <a:fld id="{BD5AD749-DAD1-6A4A-A2AA-CB20EAD0AEB7}" type="slidenum">
-              <a:rPr lang="en-US"/>
-              <a:pPr>
-                <a:defRPr/>
-              </a:pPr>
-              <a:t>70</a:t>
             </a:fld>
             <a:endParaRPr lang="en-US"/>
           </a:p>
@@ -31618,7 +30591,7 @@
 </p:sld>
 </file>
 
-<file path=ppt/slides/slide71.xml><?xml version="1.0" encoding="utf-8"?>
+<file path=ppt/slides/slide7.xml><?xml version="1.0" encoding="utf-8"?>
 <p:sld xmlns:a="http://schemas.openxmlformats.org/drawingml/2006/main" xmlns:r="http://schemas.openxmlformats.org/officeDocument/2006/relationships" xmlns:p="http://schemas.openxmlformats.org/presentationml/2006/main">
   <p:cSld>
     <p:spTree>
@@ -31663,8 +30636,9 @@
             </a:pPr>
             <a:r>
               <a:rPr lang="en-US" dirty="0" smtClean="0"/>
-              <a:t>Objective functions</a:t>
-            </a:r>
+              <a:t>Decision tree classifiers</a:t>
+            </a:r>
+            <a:endParaRPr lang="en-US" dirty="0"/>
           </a:p>
         </p:txBody>
       </p:sp>
@@ -31691,7 +30665,202 @@
               <a:pPr>
                 <a:defRPr/>
               </a:pPr>
-              <a:t>71</a:t>
+              <a:t>7</a:t>
+            </a:fld>
+            <a:endParaRPr lang="en-US"/>
+          </a:p>
+        </p:txBody>
+      </p:sp>
+      <p:sp>
+        <p:nvSpPr>
+          <p:cNvPr id="9" name="TextBox 8"/>
+          <p:cNvSpPr txBox="1"/>
+          <p:nvPr/>
+        </p:nvSpPr>
+        <p:spPr>
+          <a:xfrm>
+            <a:off x="566737" y="1104900"/>
+            <a:ext cx="8382000" cy="3323987"/>
+          </a:xfrm>
+          <a:prstGeom prst="rect">
+            <a:avLst/>
+          </a:prstGeom>
+          <a:noFill/>
+        </p:spPr>
+        <p:txBody>
+          <a:bodyPr wrap="square" rtlCol="0">
+            <a:spAutoFit/>
+          </a:bodyPr>
+          <a:lstStyle/>
+          <a:p>
+            <a:pPr algn="l"/>
+            <a:r>
+              <a:rPr lang="en-US" sz="3000" dirty="0" smtClean="0">
+                <a:latin typeface="PFDinTextCompPro-Italic"/>
+                <a:cs typeface="PFDinTextCompPro-Italic"/>
+              </a:rPr>
+              <a:t>Q:  What is a decision tree?</a:t>
+            </a:r>
+          </a:p>
+          <a:p>
+            <a:pPr algn="l"/>
+            <a:r>
+              <a:rPr lang="en-US" sz="3000" dirty="0" smtClean="0">
+                <a:latin typeface="PFDinTextCompPro-Italic"/>
+                <a:cs typeface="PFDinTextCompPro-Italic"/>
+              </a:rPr>
+              <a:t>A:  A non-parametric hierarchical classification technique.</a:t>
+            </a:r>
+          </a:p>
+          <a:p>
+            <a:pPr algn="l"/>
+            <a:endParaRPr lang="en-US" sz="3000" dirty="0">
+              <a:latin typeface="PFDinTextCompPro-Italic"/>
+              <a:cs typeface="PFDinTextCompPro-Italic"/>
+            </a:endParaRPr>
+          </a:p>
+          <a:p>
+            <a:pPr algn="l"/>
+            <a:r>
+              <a:rPr lang="en-US" sz="3000" dirty="0" smtClean="0">
+                <a:latin typeface="PFDinTextCompPro-Medium"/>
+                <a:cs typeface="PFDinTextCompPro-Medium"/>
+              </a:rPr>
+              <a:t>non-parametric</a:t>
+            </a:r>
+            <a:r>
+              <a:rPr lang="en-US" sz="3000" dirty="0" smtClean="0">
+                <a:latin typeface="PFDinTextCompPro-Italic"/>
+                <a:cs typeface="PFDinTextCompPro-Italic"/>
+              </a:rPr>
+              <a:t>: no parameters, no distribution assumptions</a:t>
+            </a:r>
+            <a:endParaRPr lang="en-US" sz="3000" dirty="0" smtClean="0">
+              <a:latin typeface="PFDinTextCompPro-Medium"/>
+              <a:cs typeface="PFDinTextCompPro-Medium"/>
+            </a:endParaRPr>
+          </a:p>
+          <a:p>
+            <a:pPr algn="l"/>
+            <a:endParaRPr lang="en-US" sz="3000" dirty="0" smtClean="0">
+              <a:latin typeface="PFDinTextCompPro-Medium"/>
+              <a:cs typeface="PFDinTextCompPro-Medium"/>
+            </a:endParaRPr>
+          </a:p>
+          <a:p>
+            <a:pPr algn="l"/>
+            <a:r>
+              <a:rPr lang="en-US" sz="3000" dirty="0" smtClean="0">
+                <a:latin typeface="PFDinTextCompPro-Medium"/>
+                <a:cs typeface="PFDinTextCompPro-Medium"/>
+              </a:rPr>
+              <a:t>hierarchical</a:t>
+            </a:r>
+            <a:r>
+              <a:rPr lang="en-US" sz="3000" dirty="0" smtClean="0">
+                <a:latin typeface="PFDinTextCompPro-Italic"/>
+                <a:cs typeface="PFDinTextCompPro-Italic"/>
+              </a:rPr>
+              <a:t>: consists of a sequence of questions which yield a 	class label when applied to any record</a:t>
+            </a:r>
+          </a:p>
+        </p:txBody>
+      </p:sp>
+    </p:spTree>
+    <p:extLst>
+      <p:ext uri="{BB962C8B-B14F-4D97-AF65-F5344CB8AC3E}">
+        <p14:creationId xmlns:p14="http://schemas.microsoft.com/office/powerpoint/2010/main" val="2535763845"/>
+      </p:ext>
+    </p:extLst>
+  </p:cSld>
+  <p:clrMapOvr>
+    <a:masterClrMapping/>
+  </p:clrMapOvr>
+  <p:transition xmlns:p14="http://schemas.microsoft.com/office/powerpoint/2010/main"/>
+  <p:timing>
+    <p:tnLst>
+      <p:par>
+        <p:cTn xmlns:p14="http://schemas.microsoft.com/office/powerpoint/2010/main" id="1" dur="indefinite" restart="never" nodeType="tmRoot"/>
+      </p:par>
+    </p:tnLst>
+  </p:timing>
+</p:sld>
+</file>
+
+<file path=ppt/slides/slide70.xml><?xml version="1.0" encoding="utf-8"?>
+<p:sld xmlns:a="http://schemas.openxmlformats.org/drawingml/2006/main" xmlns:r="http://schemas.openxmlformats.org/officeDocument/2006/relationships" xmlns:p="http://schemas.openxmlformats.org/presentationml/2006/main">
+  <p:cSld>
+    <p:spTree>
+      <p:nvGrpSpPr>
+        <p:cNvPr id="1" name=""/>
+        <p:cNvGrpSpPr/>
+        <p:nvPr/>
+      </p:nvGrpSpPr>
+      <p:grpSpPr>
+        <a:xfrm>
+          <a:off x="0" y="0"/>
+          <a:ext cx="0" cy="0"/>
+          <a:chOff x="0" y="0"/>
+          <a:chExt cx="0" cy="0"/>
+        </a:xfrm>
+      </p:grpSpPr>
+      <p:sp>
+        <p:nvSpPr>
+          <p:cNvPr id="4" name="Content Placeholder 3"/>
+          <p:cNvSpPr>
+            <a:spLocks noGrp="1"/>
+          </p:cNvSpPr>
+          <p:nvPr>
+            <p:ph sz="quarter" idx="11"/>
+          </p:nvPr>
+        </p:nvSpPr>
+        <p:spPr>
+          <a:xfrm>
+            <a:off x="414337" y="495300"/>
+            <a:ext cx="6400800" cy="304800"/>
+          </a:xfrm>
+        </p:spPr>
+        <p:txBody>
+          <a:bodyPr/>
+          <a:lstStyle/>
+          <a:p>
+            <a:pPr eaLnBrk="1" hangingPunct="1">
+              <a:lnSpc>
+                <a:spcPts val="2448"/>
+              </a:lnSpc>
+              <a:defRPr/>
+            </a:pPr>
+            <a:r>
+              <a:rPr lang="en-US" dirty="0" smtClean="0"/>
+              <a:t>Objective functions</a:t>
+            </a:r>
+          </a:p>
+        </p:txBody>
+      </p:sp>
+      <p:sp>
+        <p:nvSpPr>
+          <p:cNvPr id="8" name="Slide Number Placeholder 3"/>
+          <p:cNvSpPr>
+            <a:spLocks noGrp="1"/>
+          </p:cNvSpPr>
+          <p:nvPr>
+            <p:ph type="sldNum" sz="quarter" idx="13"/>
+          </p:nvPr>
+        </p:nvSpPr>
+        <p:spPr/>
+        <p:txBody>
+          <a:bodyPr/>
+          <a:lstStyle/>
+          <a:p>
+            <a:pPr>
+              <a:defRPr/>
+            </a:pPr>
+            <a:fld id="{BD5AD749-DAD1-6A4A-A2AA-CB20EAD0AEB7}" type="slidenum">
+              <a:rPr lang="en-US"/>
+              <a:pPr>
+                <a:defRPr/>
+              </a:pPr>
+              <a:t>70</a:t>
             </a:fld>
             <a:endParaRPr lang="en-US"/>
           </a:p>
@@ -32100,6 +31269,120 @@
 </p:sld>
 </file>
 
+<file path=ppt/slides/slide71.xml><?xml version="1.0" encoding="utf-8"?>
+<p:sld xmlns:a="http://schemas.openxmlformats.org/drawingml/2006/main" xmlns:r="http://schemas.openxmlformats.org/officeDocument/2006/relationships" xmlns:p="http://schemas.openxmlformats.org/presentationml/2006/main">
+  <p:cSld>
+    <p:spTree>
+      <p:nvGrpSpPr>
+        <p:cNvPr id="1" name=""/>
+        <p:cNvGrpSpPr/>
+        <p:nvPr/>
+      </p:nvGrpSpPr>
+      <p:grpSpPr>
+        <a:xfrm>
+          <a:off x="0" y="0"/>
+          <a:ext cx="0" cy="0"/>
+          <a:chOff x="0" y="0"/>
+          <a:chExt cx="0" cy="0"/>
+        </a:xfrm>
+      </p:grpSpPr>
+      <p:sp>
+        <p:nvSpPr>
+          <p:cNvPr id="2" name="Title 1"/>
+          <p:cNvSpPr>
+            <a:spLocks noGrp="1"/>
+          </p:cNvSpPr>
+          <p:nvPr>
+            <p:ph type="title"/>
+          </p:nvPr>
+        </p:nvSpPr>
+        <p:spPr>
+          <a:xfrm>
+            <a:off x="347663" y="3238500"/>
+            <a:ext cx="8426450" cy="1828800"/>
+          </a:xfrm>
+        </p:spPr>
+        <p:txBody>
+          <a:bodyPr/>
+          <a:lstStyle/>
+          <a:p>
+            <a:pPr>
+              <a:defRPr/>
+            </a:pPr>
+            <a:r>
+              <a:rPr lang="en-US" sz="7500" dirty="0" smtClean="0"/>
+              <a:t>IV. Preventing </a:t>
+            </a:r>
+            <a:r>
+              <a:rPr lang="en-US" sz="7500" dirty="0" err="1" smtClean="0"/>
+              <a:t>overfitting</a:t>
+            </a:r>
+            <a:endParaRPr lang="en-US" sz="7500" dirty="0"/>
+          </a:p>
+        </p:txBody>
+      </p:sp>
+      <p:sp>
+        <p:nvSpPr>
+          <p:cNvPr id="4" name="Content Placeholder 3"/>
+          <p:cNvSpPr>
+            <a:spLocks noGrp="1"/>
+          </p:cNvSpPr>
+          <p:nvPr>
+            <p:ph sz="quarter" idx="11"/>
+          </p:nvPr>
+        </p:nvSpPr>
+        <p:spPr>
+          <a:xfrm>
+            <a:off x="371475" y="495300"/>
+            <a:ext cx="6400800" cy="304800"/>
+          </a:xfrm>
+        </p:spPr>
+        <p:txBody>
+          <a:bodyPr wrap="square" lIns="91440" tIns="45720" rIns="91440" bIns="45720" numCol="1" anchor="t" anchorCtr="0" compatLnSpc="1">
+            <a:prstTxWarp prst="textNoShape">
+              <a:avLst/>
+            </a:prstTxWarp>
+          </a:bodyPr>
+          <a:lstStyle/>
+          <a:p>
+            <a:pPr marL="0" indent="0"/>
+            <a:r>
+              <a:rPr lang="en-US" cap="none" dirty="0" smtClean="0">
+                <a:latin typeface="PFDinTextCompPro-Bold" charset="0"/>
+                <a:ea typeface="ヒラギノ角ゴ ProN W3" charset="0"/>
+                <a:cs typeface="ヒラギノ角ゴ ProN W3" charset="0"/>
+              </a:rPr>
+              <a:t>INTRO TO DATA SCIENCE</a:t>
+            </a:r>
+            <a:endParaRPr lang="en-US" cap="none" dirty="0">
+              <a:latin typeface="PFDinTextCompPro-Bold" charset="0"/>
+              <a:ea typeface="ヒラギノ角ゴ ProN W3" charset="0"/>
+              <a:cs typeface="ヒラギノ角ゴ ProN W3" charset="0"/>
+            </a:endParaRPr>
+          </a:p>
+        </p:txBody>
+      </p:sp>
+    </p:spTree>
+    <p:extLst>
+      <p:ext uri="{BB962C8B-B14F-4D97-AF65-F5344CB8AC3E}">
+        <p14:creationId xmlns:p14="http://schemas.microsoft.com/office/powerpoint/2010/main" val="4024154321"/>
+      </p:ext>
+    </p:extLst>
+  </p:cSld>
+  <p:clrMapOvr>
+    <a:masterClrMapping/>
+  </p:clrMapOvr>
+  <p:transition xmlns:p14="http://schemas.microsoft.com/office/powerpoint/2010/main"/>
+  <p:timing>
+    <p:tnLst>
+      <p:par>
+        <p:cTn xmlns:p14="http://schemas.microsoft.com/office/powerpoint/2010/main" id="1" dur="indefinite" restart="never" nodeType="tmRoot"/>
+      </p:par>
+    </p:tnLst>
+  </p:timing>
+</p:sld>
+</file>
+
 <file path=ppt/slides/slide72.xml><?xml version="1.0" encoding="utf-8"?>
 <p:sld xmlns:a="http://schemas.openxmlformats.org/drawingml/2006/main" xmlns:r="http://schemas.openxmlformats.org/officeDocument/2006/relationships" xmlns:p="http://schemas.openxmlformats.org/presentationml/2006/main">
   <p:cSld>
@@ -32119,20 +31402,53 @@
       </p:grpSpPr>
       <p:sp>
         <p:nvSpPr>
-          <p:cNvPr id="2" name="Title 1"/>
-          <p:cNvSpPr>
-            <a:spLocks noGrp="1"/>
-          </p:cNvSpPr>
-          <p:nvPr>
-            <p:ph type="title"/>
+          <p:cNvPr id="4" name="Content Placeholder 3"/>
+          <p:cNvSpPr>
+            <a:spLocks noGrp="1"/>
+          </p:cNvSpPr>
+          <p:nvPr>
+            <p:ph sz="quarter" idx="11"/>
           </p:nvPr>
         </p:nvSpPr>
         <p:spPr>
           <a:xfrm>
-            <a:off x="347663" y="3238500"/>
-            <a:ext cx="8426450" cy="1828800"/>
+            <a:off x="414337" y="495300"/>
+            <a:ext cx="6400800" cy="304800"/>
           </a:xfrm>
         </p:spPr>
+        <p:txBody>
+          <a:bodyPr/>
+          <a:lstStyle/>
+          <a:p>
+            <a:pPr eaLnBrk="1" hangingPunct="1">
+              <a:lnSpc>
+                <a:spcPts val="2448"/>
+              </a:lnSpc>
+              <a:defRPr/>
+            </a:pPr>
+            <a:r>
+              <a:rPr lang="en-US" dirty="0" smtClean="0"/>
+              <a:t>Preventing </a:t>
+            </a:r>
+            <a:r>
+              <a:rPr lang="en-US" dirty="0" err="1" smtClean="0"/>
+              <a:t>overfitting</a:t>
+            </a:r>
+            <a:endParaRPr lang="en-US" dirty="0" smtClean="0"/>
+          </a:p>
+        </p:txBody>
+      </p:sp>
+      <p:sp>
+        <p:nvSpPr>
+          <p:cNvPr id="8" name="Slide Number Placeholder 3"/>
+          <p:cNvSpPr>
+            <a:spLocks noGrp="1"/>
+          </p:cNvSpPr>
+          <p:nvPr>
+            <p:ph type="sldNum" sz="quarter" idx="13"/>
+          </p:nvPr>
+        </p:nvSpPr>
+        <p:spPr/>
         <p:txBody>
           <a:bodyPr/>
           <a:lstStyle/>
@@ -32140,63 +31456,54 @@
             <a:pPr>
               <a:defRPr/>
             </a:pPr>
-            <a:r>
-              <a:rPr lang="en-US" sz="7500" dirty="0" smtClean="0"/>
-              <a:t>IV. Preventing </a:t>
-            </a:r>
-            <a:r>
-              <a:rPr lang="en-US" sz="7500" dirty="0" err="1" smtClean="0"/>
-              <a:t>overfitting</a:t>
-            </a:r>
-            <a:endParaRPr lang="en-US" sz="7500" dirty="0"/>
-          </a:p>
-        </p:txBody>
-      </p:sp>
-      <p:sp>
-        <p:nvSpPr>
-          <p:cNvPr id="4" name="Content Placeholder 3"/>
-          <p:cNvSpPr>
-            <a:spLocks noGrp="1"/>
-          </p:cNvSpPr>
-          <p:nvPr>
-            <p:ph sz="quarter" idx="11"/>
-          </p:nvPr>
+            <a:fld id="{BD5AD749-DAD1-6A4A-A2AA-CB20EAD0AEB7}" type="slidenum">
+              <a:rPr lang="en-US"/>
+              <a:pPr>
+                <a:defRPr/>
+              </a:pPr>
+              <a:t>72</a:t>
+            </a:fld>
+            <a:endParaRPr lang="en-US"/>
+          </a:p>
+        </p:txBody>
+      </p:sp>
+      <p:sp>
+        <p:nvSpPr>
+          <p:cNvPr id="5" name="TextBox 4"/>
+          <p:cNvSpPr txBox="1"/>
+          <p:nvPr/>
         </p:nvSpPr>
         <p:spPr>
           <a:xfrm>
-            <a:off x="371475" y="495300"/>
-            <a:ext cx="6400800" cy="304800"/>
+            <a:off x="566737" y="1257300"/>
+            <a:ext cx="8153400" cy="1015663"/>
           </a:xfrm>
+          <a:prstGeom prst="rect">
+            <a:avLst/>
+          </a:prstGeom>
+          <a:noFill/>
         </p:spPr>
         <p:txBody>
-          <a:bodyPr wrap="square" lIns="91440" tIns="45720" rIns="91440" bIns="45720" numCol="1" anchor="t" anchorCtr="0" compatLnSpc="1">
-            <a:prstTxWarp prst="textNoShape">
-              <a:avLst/>
-            </a:prstTxWarp>
+          <a:bodyPr wrap="square" rtlCol="0">
+            <a:spAutoFit/>
           </a:bodyPr>
           <a:lstStyle/>
           <a:p>
-            <a:pPr marL="0" indent="0"/>
-            <a:r>
-              <a:rPr lang="en-US" cap="none" dirty="0" smtClean="0">
-                <a:latin typeface="PFDinTextCompPro-Bold" charset="0"/>
-                <a:ea typeface="ヒラギノ角ゴ ProN W3" charset="0"/>
-                <a:cs typeface="ヒラギノ角ゴ ProN W3" charset="0"/>
-              </a:rPr>
-              <a:t>INTRO TO DATA SCIENCE</a:t>
-            </a:r>
-            <a:endParaRPr lang="en-US" cap="none" dirty="0">
-              <a:latin typeface="PFDinTextCompPro-Bold" charset="0"/>
-              <a:ea typeface="ヒラギノ角ゴ ProN W3" charset="0"/>
-              <a:cs typeface="ヒラギノ角ゴ ProN W3" charset="0"/>
-            </a:endParaRPr>
+            <a:pPr algn="l"/>
+            <a:r>
+              <a:rPr lang="en-US" sz="3000" dirty="0" smtClean="0">
+                <a:latin typeface="PFDinTextCompPro-Italic"/>
+                <a:cs typeface="PFDinTextCompPro-Italic"/>
+              </a:rPr>
+              <a:t>In addition to determining splits, we also need a stopping criterion to tell us when we’re done.</a:t>
+            </a:r>
           </a:p>
         </p:txBody>
       </p:sp>
     </p:spTree>
     <p:extLst>
       <p:ext uri="{BB962C8B-B14F-4D97-AF65-F5344CB8AC3E}">
-        <p14:creationId xmlns:p14="http://schemas.microsoft.com/office/powerpoint/2010/main" val="4024154321"/>
+        <p14:creationId xmlns:p14="http://schemas.microsoft.com/office/powerpoint/2010/main" val="2518243568"/>
       </p:ext>
     </p:extLst>
   </p:cSld>
@@ -32258,14 +31565,14 @@
               <a:defRPr/>
             </a:pPr>
             <a:r>
-              <a:rPr lang="en-US" dirty="0" smtClean="0"/>
+              <a:rPr lang="en-US" dirty="0"/>
               <a:t>Preventing </a:t>
             </a:r>
             <a:r>
-              <a:rPr lang="en-US" dirty="0" err="1" smtClean="0"/>
+              <a:rPr lang="en-US" dirty="0" err="1"/>
               <a:t>overfitting</a:t>
             </a:r>
-            <a:endParaRPr lang="en-US" dirty="0" smtClean="0"/>
+            <a:endParaRPr lang="en-US" dirty="0"/>
           </a:p>
         </p:txBody>
       </p:sp>
@@ -32307,7 +31614,7 @@
         <p:spPr>
           <a:xfrm>
             <a:off x="566737" y="1257300"/>
-            <a:ext cx="8153400" cy="1015663"/>
+            <a:ext cx="8153400" cy="2400657"/>
           </a:xfrm>
           <a:prstGeom prst="rect">
             <a:avLst/>
@@ -32329,12 +31636,29 @@
               <a:t>In addition to determining splits, we also need a stopping criterion to tell us when we’re done.</a:t>
             </a:r>
           </a:p>
+          <a:p>
+            <a:pPr algn="l"/>
+            <a:endParaRPr lang="en-US" sz="3000" dirty="0">
+              <a:latin typeface="PFDinTextCompPro-Italic"/>
+              <a:cs typeface="PFDinTextCompPro-Italic"/>
+            </a:endParaRPr>
+          </a:p>
+          <a:p>
+            <a:pPr algn="l"/>
+            <a:r>
+              <a:rPr lang="en-US" sz="3000" dirty="0" smtClean="0">
+                <a:latin typeface="PFDinTextCompPro-Italic"/>
+                <a:cs typeface="PFDinTextCompPro-Italic"/>
+              </a:rPr>
+              <a:t>For example, we can stop when all records belong to the same class, or when all records have the same attributes.</a:t>
+            </a:r>
+          </a:p>
         </p:txBody>
       </p:sp>
     </p:spTree>
     <p:extLst>
       <p:ext uri="{BB962C8B-B14F-4D97-AF65-F5344CB8AC3E}">
-        <p14:creationId xmlns:p14="http://schemas.microsoft.com/office/powerpoint/2010/main" val="2518243568"/>
+        <p14:creationId xmlns:p14="http://schemas.microsoft.com/office/powerpoint/2010/main" val="2328089059"/>
       </p:ext>
     </p:extLst>
   </p:cSld>
@@ -32445,7 +31769,7 @@
         <p:spPr>
           <a:xfrm>
             <a:off x="566737" y="1257300"/>
-            <a:ext cx="8153400" cy="2400657"/>
+            <a:ext cx="8153400" cy="3323987"/>
           </a:xfrm>
           <a:prstGeom prst="rect">
             <a:avLst/>
@@ -32482,6 +31806,37 @@
                 <a:cs typeface="PFDinTextCompPro-Italic"/>
               </a:rPr>
               <a:t>For example, we can stop when all records belong to the same class, or when all records have the same attributes.</a:t>
+            </a:r>
+          </a:p>
+          <a:p>
+            <a:pPr algn="l"/>
+            <a:endParaRPr lang="en-US" sz="3000" dirty="0">
+              <a:latin typeface="PFDinTextCompPro-Italic"/>
+              <a:cs typeface="PFDinTextCompPro-Italic"/>
+            </a:endParaRPr>
+          </a:p>
+          <a:p>
+            <a:pPr algn="l"/>
+            <a:r>
+              <a:rPr lang="en-US" sz="3000" dirty="0" smtClean="0">
+                <a:latin typeface="PFDinTextCompPro-Italic"/>
+                <a:cs typeface="PFDinTextCompPro-Italic"/>
+              </a:rPr>
+              <a:t>This is correct in principle, but would likely lead to </a:t>
+            </a:r>
+            <a:r>
+              <a:rPr lang="en-US" sz="3000" dirty="0" err="1" smtClean="0">
+                <a:latin typeface="PFDinTextCompPro-Italic"/>
+                <a:cs typeface="PFDinTextCompPro-Italic"/>
+              </a:rPr>
+              <a:t>overfitting</a:t>
+            </a:r>
+            <a:r>
+              <a:rPr lang="en-US" sz="3000" dirty="0" smtClean="0">
+                <a:latin typeface="PFDinTextCompPro-Italic"/>
+                <a:cs typeface="PFDinTextCompPro-Italic"/>
+              </a:rPr>
+              <a:t>.</a:t>
             </a:r>
           </a:p>
         </p:txBody>
@@ -32600,7 +31955,7 @@
         <p:spPr>
           <a:xfrm>
             <a:off x="566737" y="1257300"/>
-            <a:ext cx="8153400" cy="3323987"/>
+            <a:ext cx="8153400" cy="1477328"/>
           </a:xfrm>
           <a:prstGeom prst="rect">
             <a:avLst/>
@@ -32619,55 +31974,21 @@
                 <a:latin typeface="PFDinTextCompPro-Italic"/>
                 <a:cs typeface="PFDinTextCompPro-Italic"/>
               </a:rPr>
-              <a:t>In addition to determining splits, we also need a stopping criterion to tell us when we’re done.</a:t>
-            </a:r>
-          </a:p>
-          <a:p>
-            <a:pPr algn="l"/>
-            <a:endParaRPr lang="en-US" sz="3000" dirty="0">
-              <a:latin typeface="PFDinTextCompPro-Italic"/>
-              <a:cs typeface="PFDinTextCompPro-Italic"/>
-            </a:endParaRPr>
-          </a:p>
-          <a:p>
-            <a:pPr algn="l"/>
+              <a:t>One possibility is </a:t>
+            </a:r>
             <a:r>
               <a:rPr lang="en-US" sz="3000" dirty="0" smtClean="0">
-                <a:latin typeface="PFDinTextCompPro-Italic"/>
-                <a:cs typeface="PFDinTextCompPro-Italic"/>
-              </a:rPr>
-              <a:t>For example, we can stop when all records belong to the same class, or when all records have the same attributes.</a:t>
-            </a:r>
-          </a:p>
-          <a:p>
-            <a:pPr algn="l"/>
-            <a:endParaRPr lang="en-US" sz="3000" dirty="0">
-              <a:latin typeface="PFDinTextCompPro-Italic"/>
-              <a:cs typeface="PFDinTextCompPro-Italic"/>
-            </a:endParaRPr>
-          </a:p>
-          <a:p>
-            <a:pPr algn="l"/>
+                <a:latin typeface="PFDinTextCompPro-Medium"/>
+                <a:cs typeface="PFDinTextCompPro-Medium"/>
+              </a:rPr>
+              <a:t>pre-pruning</a:t>
+            </a:r>
             <a:r>
               <a:rPr lang="en-US" sz="3000" dirty="0" smtClean="0">
                 <a:latin typeface="PFDinTextCompPro-Italic"/>
                 <a:cs typeface="PFDinTextCompPro-Italic"/>
               </a:rPr>
-              <a:t>This is correct in principle, but would likely lead to </a:t>
-            </a:r>
-            <a:r>
-              <a:rPr lang="en-US" sz="3000" dirty="0" err="1" smtClean="0">
-                <a:latin typeface="PFDinTextCompPro-Italic"/>
-                <a:cs typeface="PFDinTextCompPro-Italic"/>
-              </a:rPr>
-              <a:t>overfitting</a:t>
-            </a:r>
-            <a:r>
-              <a:rPr lang="en-US" sz="3000" dirty="0" smtClean="0">
-                <a:latin typeface="PFDinTextCompPro-Italic"/>
-                <a:cs typeface="PFDinTextCompPro-Italic"/>
-              </a:rPr>
-              <a:t>.</a:t>
+              <a:t>, which involves setting a minimum threshold on the gain, and stopping when no split achieves a gain above this threshold.</a:t>
             </a:r>
           </a:p>
         </p:txBody>
@@ -32675,7 +31996,7 @@
     </p:spTree>
     <p:extLst>
       <p:ext uri="{BB962C8B-B14F-4D97-AF65-F5344CB8AC3E}">
-        <p14:creationId xmlns:p14="http://schemas.microsoft.com/office/powerpoint/2010/main" val="2328089059"/>
+        <p14:creationId xmlns:p14="http://schemas.microsoft.com/office/powerpoint/2010/main" val="4246433088"/>
       </p:ext>
     </p:extLst>
   </p:cSld>
@@ -32786,7 +32107,7 @@
         <p:spPr>
           <a:xfrm>
             <a:off x="566737" y="1257300"/>
-            <a:ext cx="8153400" cy="1477328"/>
+            <a:ext cx="8153400" cy="2862322"/>
           </a:xfrm>
           <a:prstGeom prst="rect">
             <a:avLst/>
@@ -32822,12 +32143,43 @@
               <a:t>, which involves setting a minimum threshold on the gain, and stopping when no split achieves a gain above this threshold.</a:t>
             </a:r>
           </a:p>
+          <a:p>
+            <a:pPr algn="l"/>
+            <a:endParaRPr lang="en-US" sz="3000" dirty="0">
+              <a:latin typeface="PFDinTextCompPro-Italic"/>
+              <a:cs typeface="PFDinTextCompPro-Italic"/>
+            </a:endParaRPr>
+          </a:p>
+          <a:p>
+            <a:pPr algn="l"/>
+            <a:r>
+              <a:rPr lang="en-US" sz="3000" dirty="0" smtClean="0">
+                <a:latin typeface="PFDinTextCompPro-Italic"/>
+                <a:cs typeface="PFDinTextCompPro-Italic"/>
+              </a:rPr>
+              <a:t>This prevents </a:t>
+            </a:r>
+            <a:r>
+              <a:rPr lang="en-US" sz="3000" dirty="0" err="1" smtClean="0">
+                <a:latin typeface="PFDinTextCompPro-Italic"/>
+                <a:cs typeface="PFDinTextCompPro-Italic"/>
+              </a:rPr>
+              <a:t>overfitting</a:t>
+            </a:r>
+            <a:r>
+              <a:rPr lang="en-US" sz="3000" dirty="0" smtClean="0">
+                <a:latin typeface="PFDinTextCompPro-Italic"/>
+                <a:cs typeface="PFDinTextCompPro-Italic"/>
+              </a:rPr>
+              <a:t>, but is difficult to calibrate in practice (may preserve bias!)</a:t>
+            </a:r>
+          </a:p>
         </p:txBody>
       </p:sp>
     </p:spTree>
     <p:extLst>
       <p:ext uri="{BB962C8B-B14F-4D97-AF65-F5344CB8AC3E}">
-        <p14:creationId xmlns:p14="http://schemas.microsoft.com/office/powerpoint/2010/main" val="4246433088"/>
+        <p14:creationId xmlns:p14="http://schemas.microsoft.com/office/powerpoint/2010/main" val="1955138691"/>
       </p:ext>
     </p:extLst>
   </p:cSld>
@@ -32938,7 +32290,7 @@
         <p:spPr>
           <a:xfrm>
             <a:off x="566737" y="1257300"/>
-            <a:ext cx="8153400" cy="2862322"/>
+            <a:ext cx="8153400" cy="1015663"/>
           </a:xfrm>
           <a:prstGeom prst="rect">
             <a:avLst/>
@@ -32957,52 +32309,21 @@
                 <a:latin typeface="PFDinTextCompPro-Italic"/>
                 <a:cs typeface="PFDinTextCompPro-Italic"/>
               </a:rPr>
-              <a:t>One possibility is </a:t>
+              <a:t>Alternatively we could build the full tree, and then perform </a:t>
             </a:r>
             <a:r>
               <a:rPr lang="en-US" sz="3000" dirty="0" smtClean="0">
                 <a:latin typeface="PFDinTextCompPro-Medium"/>
                 <a:cs typeface="PFDinTextCompPro-Medium"/>
               </a:rPr>
-              <a:t>pre-pruning</a:t>
+              <a:t>pruning</a:t>
             </a:r>
             <a:r>
               <a:rPr lang="en-US" sz="3000" dirty="0" smtClean="0">
                 <a:latin typeface="PFDinTextCompPro-Italic"/>
                 <a:cs typeface="PFDinTextCompPro-Italic"/>
               </a:rPr>
-              <a:t>, which involves setting a minimum threshold on the gain, and stopping when no split achieves a gain above this threshold.</a:t>
-            </a:r>
-          </a:p>
-          <a:p>
-            <a:pPr algn="l"/>
-            <a:endParaRPr lang="en-US" sz="3000" dirty="0">
-              <a:latin typeface="PFDinTextCompPro-Italic"/>
-              <a:cs typeface="PFDinTextCompPro-Italic"/>
-            </a:endParaRPr>
-          </a:p>
-          <a:p>
-            <a:pPr algn="l"/>
-            <a:r>
-              <a:rPr lang="en-US" sz="3000" dirty="0" smtClean="0">
-                <a:latin typeface="PFDinTextCompPro-Italic"/>
-                <a:cs typeface="PFDinTextCompPro-Italic"/>
-              </a:rPr>
-              <a:t>This prevents </a:t>
-            </a:r>
-            <a:r>
-              <a:rPr lang="en-US" sz="3000" dirty="0" err="1" smtClean="0">
-                <a:latin typeface="PFDinTextCompPro-Italic"/>
-                <a:cs typeface="PFDinTextCompPro-Italic"/>
-              </a:rPr>
-              <a:t>overfitting</a:t>
-            </a:r>
-            <a:r>
-              <a:rPr lang="en-US" sz="3000" dirty="0" smtClean="0">
-                <a:latin typeface="PFDinTextCompPro-Italic"/>
-                <a:cs typeface="PFDinTextCompPro-Italic"/>
-              </a:rPr>
-              <a:t>, but is difficult to calibrate in practice (may preserve bias!)</a:t>
+              <a:t> as a post-processing step.</a:t>
             </a:r>
           </a:p>
         </p:txBody>
@@ -33010,7 +32331,7 @@
     </p:spTree>
     <p:extLst>
       <p:ext uri="{BB962C8B-B14F-4D97-AF65-F5344CB8AC3E}">
-        <p14:creationId xmlns:p14="http://schemas.microsoft.com/office/powerpoint/2010/main" val="1955138691"/>
+        <p14:creationId xmlns:p14="http://schemas.microsoft.com/office/powerpoint/2010/main" val="2878499685"/>
       </p:ext>
     </p:extLst>
   </p:cSld>
@@ -33121,7 +32442,7 @@
         <p:spPr>
           <a:xfrm>
             <a:off x="566737" y="1257300"/>
-            <a:ext cx="8153400" cy="1015663"/>
+            <a:ext cx="8153400" cy="2400657"/>
           </a:xfrm>
           <a:prstGeom prst="rect">
             <a:avLst/>
@@ -33136,25 +32457,42 @@
           <a:p>
             <a:pPr algn="l"/>
             <a:r>
-              <a:rPr lang="en-US" sz="3000" dirty="0" smtClean="0">
+              <a:rPr lang="en-US" sz="3000" dirty="0">
                 <a:latin typeface="PFDinTextCompPro-Italic"/>
                 <a:cs typeface="PFDinTextCompPro-Italic"/>
               </a:rPr>
               <a:t>Alternatively we could build the full tree, and then perform </a:t>
             </a:r>
             <a:r>
-              <a:rPr lang="en-US" sz="3000" dirty="0" smtClean="0">
+              <a:rPr lang="en-US" sz="3000" dirty="0">
                 <a:latin typeface="PFDinTextCompPro-Medium"/>
                 <a:cs typeface="PFDinTextCompPro-Medium"/>
               </a:rPr>
               <a:t>pruning</a:t>
             </a:r>
             <a:r>
+              <a:rPr lang="en-US" sz="3000" dirty="0">
+                <a:latin typeface="PFDinTextCompPro-Italic"/>
+                <a:cs typeface="PFDinTextCompPro-Italic"/>
+              </a:rPr>
+              <a:t> as a post-processing step.</a:t>
+            </a:r>
+          </a:p>
+          <a:p>
+            <a:pPr algn="l"/>
+            <a:endParaRPr lang="en-US" sz="3000" dirty="0">
+              <a:latin typeface="PFDinTextCompPro-Italic"/>
+              <a:cs typeface="PFDinTextCompPro-Italic"/>
+            </a:endParaRPr>
+          </a:p>
+          <a:p>
+            <a:pPr algn="l"/>
+            <a:r>
               <a:rPr lang="en-US" sz="3000" dirty="0" smtClean="0">
                 <a:latin typeface="PFDinTextCompPro-Italic"/>
                 <a:cs typeface="PFDinTextCompPro-Italic"/>
               </a:rPr>
-              <a:t> as a post-processing step.</a:t>
+              <a:t>To prune a tree, we examine the nodes from the bottom-up and simplify pieces of the tree (according to some criteria).</a:t>
             </a:r>
           </a:p>
         </p:txBody>
@@ -33162,7 +32500,7 @@
     </p:spTree>
     <p:extLst>
       <p:ext uri="{BB962C8B-B14F-4D97-AF65-F5344CB8AC3E}">
-        <p14:creationId xmlns:p14="http://schemas.microsoft.com/office/powerpoint/2010/main" val="2878499685"/>
+        <p14:creationId xmlns:p14="http://schemas.microsoft.com/office/powerpoint/2010/main" val="1346195382"/>
       </p:ext>
     </p:extLst>
   </p:cSld>
@@ -33273,7 +32611,7 @@
         <p:spPr>
           <a:xfrm>
             <a:off x="566737" y="1257300"/>
-            <a:ext cx="8153400" cy="2400657"/>
+            <a:ext cx="8153400" cy="1015663"/>
           </a:xfrm>
           <a:prstGeom prst="rect">
             <a:avLst/>
@@ -33288,42 +32626,39 @@
           <a:p>
             <a:pPr algn="l"/>
             <a:r>
-              <a:rPr lang="en-US" sz="3000" dirty="0">
-                <a:latin typeface="PFDinTextCompPro-Italic"/>
-                <a:cs typeface="PFDinTextCompPro-Italic"/>
-              </a:rPr>
-              <a:t>Alternatively we could build the full tree, and then perform </a:t>
-            </a:r>
-            <a:r>
-              <a:rPr lang="en-US" sz="3000" dirty="0">
-                <a:latin typeface="PFDinTextCompPro-Medium"/>
-                <a:cs typeface="PFDinTextCompPro-Medium"/>
-              </a:rPr>
-              <a:t>pruning</a:t>
-            </a:r>
-            <a:r>
-              <a:rPr lang="en-US" sz="3000" dirty="0">
-                <a:latin typeface="PFDinTextCompPro-Italic"/>
-                <a:cs typeface="PFDinTextCompPro-Italic"/>
-              </a:rPr>
-              <a:t> as a post-processing step.</a:t>
-            </a:r>
-          </a:p>
-          <a:p>
-            <a:pPr algn="l"/>
-            <a:endParaRPr lang="en-US" sz="3000" dirty="0">
-              <a:latin typeface="PFDinTextCompPro-Italic"/>
-              <a:cs typeface="PFDinTextCompPro-Italic"/>
-            </a:endParaRPr>
-          </a:p>
-          <a:p>
-            <a:pPr algn="l"/>
-            <a:r>
               <a:rPr lang="en-US" sz="3000" dirty="0" smtClean="0">
                 <a:latin typeface="PFDinTextCompPro-Italic"/>
                 <a:cs typeface="PFDinTextCompPro-Italic"/>
               </a:rPr>
-              <a:t>To prune a tree, we examine the nodes from the bottom-up and simplify pieces of the tree (according to some criteria).</a:t>
+              <a:t>Complicated </a:t>
+            </a:r>
+            <a:r>
+              <a:rPr lang="en-US" sz="3000" dirty="0" err="1" smtClean="0">
+                <a:latin typeface="PFDinTextCompPro-Italic"/>
+                <a:cs typeface="PFDinTextCompPro-Italic"/>
+              </a:rPr>
+              <a:t>subtrees</a:t>
+            </a:r>
+            <a:r>
+              <a:rPr lang="en-US" sz="3000" dirty="0" smtClean="0">
+                <a:latin typeface="PFDinTextCompPro-Italic"/>
+                <a:cs typeface="PFDinTextCompPro-Italic"/>
+              </a:rPr>
+              <a:t> can be replaced either with a single node, or with a simpler (child) </a:t>
+            </a:r>
+            <a:r>
+              <a:rPr lang="en-US" sz="3000" dirty="0" err="1" smtClean="0">
+                <a:latin typeface="PFDinTextCompPro-Italic"/>
+                <a:cs typeface="PFDinTextCompPro-Italic"/>
+              </a:rPr>
+              <a:t>subtree</a:t>
+            </a:r>
+            <a:r>
+              <a:rPr lang="en-US" sz="3000" dirty="0" smtClean="0">
+                <a:latin typeface="PFDinTextCompPro-Italic"/>
+                <a:cs typeface="PFDinTextCompPro-Italic"/>
+              </a:rPr>
+              <a:t>.</a:t>
             </a:r>
           </a:p>
         </p:txBody>
@@ -33331,7 +32666,7 @@
     </p:spTree>
     <p:extLst>
       <p:ext uri="{BB962C8B-B14F-4D97-AF65-F5344CB8AC3E}">
-        <p14:creationId xmlns:p14="http://schemas.microsoft.com/office/powerpoint/2010/main" val="1346195382"/>
+        <p14:creationId xmlns:p14="http://schemas.microsoft.com/office/powerpoint/2010/main" val="269029376"/>
       </p:ext>
     </p:extLst>
   </p:cSld>
@@ -33576,7 +32911,7 @@
         <p:spPr>
           <a:xfrm>
             <a:off x="566737" y="1257300"/>
-            <a:ext cx="8153400" cy="1015663"/>
+            <a:ext cx="8153400" cy="2400657"/>
           </a:xfrm>
           <a:prstGeom prst="rect">
             <a:avLst/>
@@ -33626,12 +32961,71 @@
               <a:t>.</a:t>
             </a:r>
           </a:p>
+          <a:p>
+            <a:pPr algn="l"/>
+            <a:endParaRPr lang="en-US" sz="3000" dirty="0">
+              <a:latin typeface="PFDinTextCompPro-Italic"/>
+              <a:cs typeface="PFDinTextCompPro-Italic"/>
+            </a:endParaRPr>
+          </a:p>
+          <a:p>
+            <a:pPr algn="l"/>
+            <a:r>
+              <a:rPr lang="en-US" sz="3000" dirty="0" smtClean="0">
+                <a:latin typeface="PFDinTextCompPro-Italic"/>
+                <a:cs typeface="PFDinTextCompPro-Italic"/>
+              </a:rPr>
+              <a:t>The first approach is called </a:t>
+            </a:r>
+            <a:r>
+              <a:rPr lang="en-US" sz="3000" dirty="0" err="1" smtClean="0">
+                <a:latin typeface="PFDinTextCompPro-Medium"/>
+                <a:cs typeface="PFDinTextCompPro-Medium"/>
+              </a:rPr>
+              <a:t>subtree</a:t>
+            </a:r>
+            <a:r>
+              <a:rPr lang="en-US" sz="3000" dirty="0" smtClean="0">
+                <a:latin typeface="PFDinTextCompPro-Medium"/>
+                <a:cs typeface="PFDinTextCompPro-Medium"/>
+              </a:rPr>
+              <a:t> replacement</a:t>
+            </a:r>
+            <a:r>
+              <a:rPr lang="en-US" sz="3000" dirty="0" smtClean="0">
+                <a:latin typeface="PFDinTextCompPro-Italic"/>
+                <a:cs typeface="PFDinTextCompPro-Italic"/>
+              </a:rPr>
+              <a:t>, and the second is </a:t>
+            </a:r>
+            <a:r>
+              <a:rPr lang="en-US" sz="3000" dirty="0" err="1" smtClean="0">
+                <a:latin typeface="PFDinTextCompPro-Medium"/>
+                <a:cs typeface="PFDinTextCompPro-Medium"/>
+              </a:rPr>
+              <a:t>subtree</a:t>
+            </a:r>
+            <a:r>
+              <a:rPr lang="en-US" sz="3000" dirty="0" smtClean="0">
+                <a:latin typeface="PFDinTextCompPro-Medium"/>
+                <a:cs typeface="PFDinTextCompPro-Medium"/>
+              </a:rPr>
+              <a:t> raising</a:t>
+            </a:r>
+            <a:r>
+              <a:rPr lang="en-US" sz="3000" dirty="0" smtClean="0">
+                <a:latin typeface="PFDinTextCompPro-Italic"/>
+                <a:cs typeface="PFDinTextCompPro-Italic"/>
+              </a:rPr>
+              <a:t>.</a:t>
+            </a:r>
+          </a:p>
         </p:txBody>
       </p:sp>
     </p:spTree>
     <p:extLst>
       <p:ext uri="{BB962C8B-B14F-4D97-AF65-F5344CB8AC3E}">
-        <p14:creationId xmlns:p14="http://schemas.microsoft.com/office/powerpoint/2010/main" val="269029376"/>
+        <p14:creationId xmlns:p14="http://schemas.microsoft.com/office/powerpoint/2010/main" val="1599203381"/>
       </p:ext>
     </p:extLst>
   </p:cSld>
@@ -33693,11 +33087,11 @@
               <a:defRPr/>
             </a:pPr>
             <a:r>
-              <a:rPr lang="en-US" dirty="0"/>
+              <a:rPr lang="en-US" dirty="0" smtClean="0"/>
               <a:t>Preventing </a:t>
             </a:r>
             <a:r>
-              <a:rPr lang="en-US" dirty="0" err="1"/>
+              <a:rPr lang="en-US" dirty="0" err="1" smtClean="0"/>
               <a:t>overfitting</a:t>
             </a:r>
             <a:endParaRPr lang="en-US" dirty="0"/>
@@ -33728,231 +33122,6 @@
                 <a:defRPr/>
               </a:pPr>
               <a:t>81</a:t>
-            </a:fld>
-            <a:endParaRPr lang="en-US"/>
-          </a:p>
-        </p:txBody>
-      </p:sp>
-      <p:sp>
-        <p:nvSpPr>
-          <p:cNvPr id="5" name="TextBox 4"/>
-          <p:cNvSpPr txBox="1"/>
-          <p:nvPr/>
-        </p:nvSpPr>
-        <p:spPr>
-          <a:xfrm>
-            <a:off x="566737" y="1257300"/>
-            <a:ext cx="8153400" cy="2400657"/>
-          </a:xfrm>
-          <a:prstGeom prst="rect">
-            <a:avLst/>
-          </a:prstGeom>
-          <a:noFill/>
-        </p:spPr>
-        <p:txBody>
-          <a:bodyPr wrap="square" rtlCol="0">
-            <a:spAutoFit/>
-          </a:bodyPr>
-          <a:lstStyle/>
-          <a:p>
-            <a:pPr algn="l"/>
-            <a:r>
-              <a:rPr lang="en-US" sz="3000" dirty="0" smtClean="0">
-                <a:latin typeface="PFDinTextCompPro-Italic"/>
-                <a:cs typeface="PFDinTextCompPro-Italic"/>
-              </a:rPr>
-              <a:t>Complicated </a:t>
-            </a:r>
-            <a:r>
-              <a:rPr lang="en-US" sz="3000" dirty="0" err="1" smtClean="0">
-                <a:latin typeface="PFDinTextCompPro-Italic"/>
-                <a:cs typeface="PFDinTextCompPro-Italic"/>
-              </a:rPr>
-              <a:t>subtrees</a:t>
-            </a:r>
-            <a:r>
-              <a:rPr lang="en-US" sz="3000" dirty="0" smtClean="0">
-                <a:latin typeface="PFDinTextCompPro-Italic"/>
-                <a:cs typeface="PFDinTextCompPro-Italic"/>
-              </a:rPr>
-              <a:t> can be replaced either with a single node, or with a simpler (child) </a:t>
-            </a:r>
-            <a:r>
-              <a:rPr lang="en-US" sz="3000" dirty="0" err="1" smtClean="0">
-                <a:latin typeface="PFDinTextCompPro-Italic"/>
-                <a:cs typeface="PFDinTextCompPro-Italic"/>
-              </a:rPr>
-              <a:t>subtree</a:t>
-            </a:r>
-            <a:r>
-              <a:rPr lang="en-US" sz="3000" dirty="0" smtClean="0">
-                <a:latin typeface="PFDinTextCompPro-Italic"/>
-                <a:cs typeface="PFDinTextCompPro-Italic"/>
-              </a:rPr>
-              <a:t>.</a:t>
-            </a:r>
-          </a:p>
-          <a:p>
-            <a:pPr algn="l"/>
-            <a:endParaRPr lang="en-US" sz="3000" dirty="0">
-              <a:latin typeface="PFDinTextCompPro-Italic"/>
-              <a:cs typeface="PFDinTextCompPro-Italic"/>
-            </a:endParaRPr>
-          </a:p>
-          <a:p>
-            <a:pPr algn="l"/>
-            <a:r>
-              <a:rPr lang="en-US" sz="3000" dirty="0" smtClean="0">
-                <a:latin typeface="PFDinTextCompPro-Italic"/>
-                <a:cs typeface="PFDinTextCompPro-Italic"/>
-              </a:rPr>
-              <a:t>The first approach is called </a:t>
-            </a:r>
-            <a:r>
-              <a:rPr lang="en-US" sz="3000" dirty="0" err="1" smtClean="0">
-                <a:latin typeface="PFDinTextCompPro-Medium"/>
-                <a:cs typeface="PFDinTextCompPro-Medium"/>
-              </a:rPr>
-              <a:t>subtree</a:t>
-            </a:r>
-            <a:r>
-              <a:rPr lang="en-US" sz="3000" dirty="0" smtClean="0">
-                <a:latin typeface="PFDinTextCompPro-Medium"/>
-                <a:cs typeface="PFDinTextCompPro-Medium"/>
-              </a:rPr>
-              <a:t> replacement</a:t>
-            </a:r>
-            <a:r>
-              <a:rPr lang="en-US" sz="3000" dirty="0" smtClean="0">
-                <a:latin typeface="PFDinTextCompPro-Italic"/>
-                <a:cs typeface="PFDinTextCompPro-Italic"/>
-              </a:rPr>
-              <a:t>, and the second is </a:t>
-            </a:r>
-            <a:r>
-              <a:rPr lang="en-US" sz="3000" dirty="0" err="1" smtClean="0">
-                <a:latin typeface="PFDinTextCompPro-Medium"/>
-                <a:cs typeface="PFDinTextCompPro-Medium"/>
-              </a:rPr>
-              <a:t>subtree</a:t>
-            </a:r>
-            <a:r>
-              <a:rPr lang="en-US" sz="3000" dirty="0" smtClean="0">
-                <a:latin typeface="PFDinTextCompPro-Medium"/>
-                <a:cs typeface="PFDinTextCompPro-Medium"/>
-              </a:rPr>
-              <a:t> raising</a:t>
-            </a:r>
-            <a:r>
-              <a:rPr lang="en-US" sz="3000" dirty="0" smtClean="0">
-                <a:latin typeface="PFDinTextCompPro-Italic"/>
-                <a:cs typeface="PFDinTextCompPro-Italic"/>
-              </a:rPr>
-              <a:t>.</a:t>
-            </a:r>
-          </a:p>
-        </p:txBody>
-      </p:sp>
-    </p:spTree>
-    <p:extLst>
-      <p:ext uri="{BB962C8B-B14F-4D97-AF65-F5344CB8AC3E}">
-        <p14:creationId xmlns:p14="http://schemas.microsoft.com/office/powerpoint/2010/main" val="1599203381"/>
-      </p:ext>
-    </p:extLst>
-  </p:cSld>
-  <p:clrMapOvr>
-    <a:masterClrMapping/>
-  </p:clrMapOvr>
-  <p:transition xmlns:p14="http://schemas.microsoft.com/office/powerpoint/2010/main"/>
-  <p:timing>
-    <p:tnLst>
-      <p:par>
-        <p:cTn xmlns:p14="http://schemas.microsoft.com/office/powerpoint/2010/main" id="1" dur="indefinite" restart="never" nodeType="tmRoot"/>
-      </p:par>
-    </p:tnLst>
-  </p:timing>
-</p:sld>
-</file>
-
-<file path=ppt/slides/slide82.xml><?xml version="1.0" encoding="utf-8"?>
-<p:sld xmlns:a="http://schemas.openxmlformats.org/drawingml/2006/main" xmlns:r="http://schemas.openxmlformats.org/officeDocument/2006/relationships" xmlns:p="http://schemas.openxmlformats.org/presentationml/2006/main">
-  <p:cSld>
-    <p:spTree>
-      <p:nvGrpSpPr>
-        <p:cNvPr id="1" name=""/>
-        <p:cNvGrpSpPr/>
-        <p:nvPr/>
-      </p:nvGrpSpPr>
-      <p:grpSpPr>
-        <a:xfrm>
-          <a:off x="0" y="0"/>
-          <a:ext cx="0" cy="0"/>
-          <a:chOff x="0" y="0"/>
-          <a:chExt cx="0" cy="0"/>
-        </a:xfrm>
-      </p:grpSpPr>
-      <p:sp>
-        <p:nvSpPr>
-          <p:cNvPr id="4" name="Content Placeholder 3"/>
-          <p:cNvSpPr>
-            <a:spLocks noGrp="1"/>
-          </p:cNvSpPr>
-          <p:nvPr>
-            <p:ph sz="quarter" idx="11"/>
-          </p:nvPr>
-        </p:nvSpPr>
-        <p:spPr>
-          <a:xfrm>
-            <a:off x="414337" y="495300"/>
-            <a:ext cx="6400800" cy="304800"/>
-          </a:xfrm>
-        </p:spPr>
-        <p:txBody>
-          <a:bodyPr/>
-          <a:lstStyle/>
-          <a:p>
-            <a:pPr eaLnBrk="1" hangingPunct="1">
-              <a:lnSpc>
-                <a:spcPts val="2448"/>
-              </a:lnSpc>
-              <a:defRPr/>
-            </a:pPr>
-            <a:r>
-              <a:rPr lang="en-US" dirty="0" smtClean="0"/>
-              <a:t>Preventing </a:t>
-            </a:r>
-            <a:r>
-              <a:rPr lang="en-US" dirty="0" err="1" smtClean="0"/>
-              <a:t>overfitting</a:t>
-            </a:r>
-            <a:endParaRPr lang="en-US" dirty="0"/>
-          </a:p>
-        </p:txBody>
-      </p:sp>
-      <p:sp>
-        <p:nvSpPr>
-          <p:cNvPr id="8" name="Slide Number Placeholder 3"/>
-          <p:cNvSpPr>
-            <a:spLocks noGrp="1"/>
-          </p:cNvSpPr>
-          <p:nvPr>
-            <p:ph type="sldNum" sz="quarter" idx="13"/>
-          </p:nvPr>
-        </p:nvSpPr>
-        <p:spPr/>
-        <p:txBody>
-          <a:bodyPr/>
-          <a:lstStyle/>
-          <a:p>
-            <a:pPr>
-              <a:defRPr/>
-            </a:pPr>
-            <a:fld id="{BD5AD749-DAD1-6A4A-A2AA-CB20EAD0AEB7}" type="slidenum">
-              <a:rPr lang="en-US"/>
-              <a:pPr>
-                <a:defRPr/>
-              </a:pPr>
-              <a:t>82</a:t>
             </a:fld>
             <a:endParaRPr lang="en-US"/>
           </a:p>
@@ -34003,6 +33172,224 @@
 </p:sld>
 </file>
 
+<file path=ppt/slides/slide82.xml><?xml version="1.0" encoding="utf-8"?>
+<p:sld xmlns:a="http://schemas.openxmlformats.org/drawingml/2006/main" xmlns:r="http://schemas.openxmlformats.org/officeDocument/2006/relationships" xmlns:p="http://schemas.openxmlformats.org/presentationml/2006/main">
+  <p:cSld>
+    <p:spTree>
+      <p:nvGrpSpPr>
+        <p:cNvPr id="1" name=""/>
+        <p:cNvGrpSpPr/>
+        <p:nvPr/>
+      </p:nvGrpSpPr>
+      <p:grpSpPr>
+        <a:xfrm>
+          <a:off x="0" y="0"/>
+          <a:ext cx="0" cy="0"/>
+          <a:chOff x="0" y="0"/>
+          <a:chExt cx="0" cy="0"/>
+        </a:xfrm>
+      </p:grpSpPr>
+      <p:sp>
+        <p:nvSpPr>
+          <p:cNvPr id="4" name="Content Placeholder 3"/>
+          <p:cNvSpPr>
+            <a:spLocks noGrp="1"/>
+          </p:cNvSpPr>
+          <p:nvPr>
+            <p:ph sz="quarter" idx="11"/>
+          </p:nvPr>
+        </p:nvSpPr>
+        <p:spPr>
+          <a:xfrm>
+            <a:off x="414337" y="495300"/>
+            <a:ext cx="6400800" cy="304800"/>
+          </a:xfrm>
+        </p:spPr>
+        <p:txBody>
+          <a:bodyPr/>
+          <a:lstStyle/>
+          <a:p>
+            <a:pPr eaLnBrk="1" hangingPunct="1">
+              <a:lnSpc>
+                <a:spcPts val="2448"/>
+              </a:lnSpc>
+              <a:defRPr/>
+            </a:pPr>
+            <a:r>
+              <a:rPr lang="en-US" dirty="0"/>
+              <a:t>Preventing </a:t>
+            </a:r>
+            <a:r>
+              <a:rPr lang="en-US" dirty="0" err="1"/>
+              <a:t>overfitting</a:t>
+            </a:r>
+            <a:endParaRPr lang="en-US" dirty="0"/>
+          </a:p>
+        </p:txBody>
+      </p:sp>
+      <p:sp>
+        <p:nvSpPr>
+          <p:cNvPr id="8" name="Slide Number Placeholder 3"/>
+          <p:cNvSpPr>
+            <a:spLocks noGrp="1"/>
+          </p:cNvSpPr>
+          <p:nvPr>
+            <p:ph type="sldNum" sz="quarter" idx="13"/>
+          </p:nvPr>
+        </p:nvSpPr>
+        <p:spPr/>
+        <p:txBody>
+          <a:bodyPr/>
+          <a:lstStyle/>
+          <a:p>
+            <a:pPr>
+              <a:defRPr/>
+            </a:pPr>
+            <a:fld id="{BD5AD749-DAD1-6A4A-A2AA-CB20EAD0AEB7}" type="slidenum">
+              <a:rPr lang="en-US"/>
+              <a:pPr>
+                <a:defRPr/>
+              </a:pPr>
+              <a:t>82</a:t>
+            </a:fld>
+            <a:endParaRPr lang="en-US"/>
+          </a:p>
+        </p:txBody>
+      </p:sp>
+      <p:sp>
+        <p:nvSpPr>
+          <p:cNvPr id="5" name="TextBox 4"/>
+          <p:cNvSpPr txBox="1"/>
+          <p:nvPr/>
+        </p:nvSpPr>
+        <p:spPr>
+          <a:xfrm>
+            <a:off x="566737" y="1257300"/>
+            <a:ext cx="8153400" cy="3323987"/>
+          </a:xfrm>
+          <a:prstGeom prst="rect">
+            <a:avLst/>
+          </a:prstGeom>
+          <a:noFill/>
+        </p:spPr>
+        <p:txBody>
+          <a:bodyPr wrap="square" rtlCol="0">
+            <a:spAutoFit/>
+          </a:bodyPr>
+          <a:lstStyle/>
+          <a:p>
+            <a:pPr algn="l"/>
+            <a:r>
+              <a:rPr lang="en-US" sz="3000" dirty="0" smtClean="0">
+                <a:latin typeface="PFDinTextCompPro-Italic"/>
+                <a:cs typeface="PFDinTextCompPro-Italic"/>
+              </a:rPr>
+              <a:t>In practice it’s easier to set a stopping condition for growing trees, such as:</a:t>
+            </a:r>
+          </a:p>
+          <a:p>
+            <a:pPr marL="457200" indent="-457200" algn="l">
+              <a:buFont typeface="Arial"/>
+              <a:buChar char="•"/>
+            </a:pPr>
+            <a:r>
+              <a:rPr lang="en-US" sz="3000" dirty="0" smtClean="0">
+                <a:latin typeface="PFDinTextCompPro-Italic"/>
+                <a:cs typeface="PFDinTextCompPro-Italic"/>
+              </a:rPr>
+              <a:t>Max depth</a:t>
+            </a:r>
+          </a:p>
+          <a:p>
+            <a:pPr marL="457200" indent="-457200" algn="l">
+              <a:buFont typeface="Arial"/>
+              <a:buChar char="•"/>
+            </a:pPr>
+            <a:r>
+              <a:rPr lang="en-US" sz="3000" dirty="0" smtClean="0">
+                <a:latin typeface="PFDinTextCompPro-Italic"/>
+                <a:cs typeface="PFDinTextCompPro-Italic"/>
+              </a:rPr>
+              <a:t>Min samples split</a:t>
+            </a:r>
+          </a:p>
+          <a:p>
+            <a:pPr marL="457200" indent="-457200" algn="l">
+              <a:buFont typeface="Arial"/>
+              <a:buChar char="•"/>
+            </a:pPr>
+            <a:r>
+              <a:rPr lang="en-US" sz="3000" dirty="0" smtClean="0">
+                <a:latin typeface="PFDinTextCompPro-Italic"/>
+                <a:cs typeface="PFDinTextCompPro-Italic"/>
+              </a:rPr>
+              <a:t>Min samples leaf</a:t>
+            </a:r>
+          </a:p>
+          <a:p>
+            <a:pPr marL="457200" indent="-457200" algn="l">
+              <a:buFont typeface="Arial"/>
+              <a:buChar char="•"/>
+            </a:pPr>
+            <a:r>
+              <a:rPr lang="en-US" sz="3000" dirty="0" smtClean="0">
+                <a:latin typeface="PFDinTextCompPro-Italic"/>
+                <a:cs typeface="PFDinTextCompPro-Italic"/>
+              </a:rPr>
+              <a:t>Max leaf nodes</a:t>
+            </a:r>
+          </a:p>
+          <a:p>
+            <a:pPr algn="l"/>
+            <a:r>
+              <a:rPr lang="en-US" sz="3000" dirty="0" smtClean="0">
+                <a:latin typeface="PFDinTextCompPro-Italic"/>
+                <a:cs typeface="PFDinTextCompPro-Italic"/>
+              </a:rPr>
+              <a:t>These correspond to options in </a:t>
+            </a:r>
+            <a:r>
+              <a:rPr lang="en-US" sz="3000" dirty="0" err="1" smtClean="0">
+                <a:latin typeface="PFDinTextCompPro-Italic"/>
+                <a:cs typeface="PFDinTextCompPro-Italic"/>
+              </a:rPr>
+              <a:t>scikit</a:t>
+            </a:r>
+            <a:r>
+              <a:rPr lang="en-US" sz="3000" dirty="0" smtClean="0">
+                <a:latin typeface="PFDinTextCompPro-Italic"/>
+                <a:cs typeface="PFDinTextCompPro-Italic"/>
+              </a:rPr>
+              <a:t>-learn.</a:t>
+            </a:r>
+            <a:endParaRPr lang="en-US" sz="3000" dirty="0" smtClean="0">
+              <a:latin typeface="PFDinTextCompPro-Italic"/>
+              <a:cs typeface="PFDinTextCompPro-Italic"/>
+            </a:endParaRPr>
+          </a:p>
+        </p:txBody>
+      </p:sp>
+    </p:spTree>
+    <p:extLst>
+      <p:ext uri="{BB962C8B-B14F-4D97-AF65-F5344CB8AC3E}">
+        <p14:creationId xmlns:p14="http://schemas.microsoft.com/office/powerpoint/2010/main" val="2622663420"/>
+      </p:ext>
+    </p:extLst>
+  </p:cSld>
+  <p:clrMapOvr>
+    <a:masterClrMapping/>
+  </p:clrMapOvr>
+  <p:transition xmlns:p14="http://schemas.microsoft.com/office/powerpoint/2010/main"/>
+  <p:timing>
+    <p:tnLst>
+      <p:par>
+        <p:cTn xmlns:p14="http://schemas.microsoft.com/office/powerpoint/2010/main" id="1" dur="indefinite" restart="never" nodeType="tmRoot"/>
+      </p:par>
+    </p:tnLst>
+  </p:timing>
+</p:sld>
+</file>
+
 <file path=ppt/slides/slide83.xml><?xml version="1.0" encoding="utf-8"?>
 <p:sld xmlns:a="http://schemas.openxmlformats.org/drawingml/2006/main" xmlns:r="http://schemas.openxmlformats.org/officeDocument/2006/relationships" xmlns:p="http://schemas.openxmlformats.org/presentationml/2006/main">
   <p:cSld>
@@ -34096,883 +33483,6 @@
     <p:extLst>
       <p:ext uri="{BB962C8B-B14F-4D97-AF65-F5344CB8AC3E}">
         <p14:creationId xmlns:p14="http://schemas.microsoft.com/office/powerpoint/2010/main" val="2564836905"/>
-      </p:ext>
-    </p:extLst>
-  </p:cSld>
-  <p:clrMapOvr>
-    <a:masterClrMapping/>
-  </p:clrMapOvr>
-  <p:transition xmlns:p14="http://schemas.microsoft.com/office/powerpoint/2010/main"/>
-  <p:timing>
-    <p:tnLst>
-      <p:par>
-        <p:cTn xmlns:p14="http://schemas.microsoft.com/office/powerpoint/2010/main" id="1" dur="indefinite" restart="never" nodeType="tmRoot"/>
-      </p:par>
-    </p:tnLst>
-  </p:timing>
-</p:sld>
-</file>
-
-<file path=ppt/slides/slide84.xml><?xml version="1.0" encoding="utf-8"?>
-<p:sld xmlns:a="http://schemas.openxmlformats.org/drawingml/2006/main" xmlns:r="http://schemas.openxmlformats.org/officeDocument/2006/relationships" xmlns:p="http://schemas.openxmlformats.org/presentationml/2006/main">
-  <p:cSld>
-    <p:spTree>
-      <p:nvGrpSpPr>
-        <p:cNvPr id="1" name=""/>
-        <p:cNvGrpSpPr/>
-        <p:nvPr/>
-      </p:nvGrpSpPr>
-      <p:grpSpPr>
-        <a:xfrm>
-          <a:off x="0" y="0"/>
-          <a:ext cx="0" cy="0"/>
-          <a:chOff x="0" y="0"/>
-          <a:chExt cx="0" cy="0"/>
-        </a:xfrm>
-      </p:grpSpPr>
-      <p:sp>
-        <p:nvSpPr>
-          <p:cNvPr id="4" name="Content Placeholder 3"/>
-          <p:cNvSpPr>
-            <a:spLocks noGrp="1"/>
-          </p:cNvSpPr>
-          <p:nvPr>
-            <p:ph sz="quarter" idx="11"/>
-          </p:nvPr>
-        </p:nvSpPr>
-        <p:spPr>
-          <a:xfrm>
-            <a:off x="414337" y="495300"/>
-            <a:ext cx="7162800" cy="304800"/>
-          </a:xfrm>
-        </p:spPr>
-        <p:txBody>
-          <a:bodyPr/>
-          <a:lstStyle/>
-          <a:p>
-            <a:pPr eaLnBrk="1" hangingPunct="1">
-              <a:lnSpc>
-                <a:spcPts val="2448"/>
-              </a:lnSpc>
-              <a:defRPr/>
-            </a:pPr>
-            <a:r>
-              <a:rPr lang="en-US" dirty="0" smtClean="0"/>
-              <a:t>Exercise – ML in python</a:t>
-            </a:r>
-          </a:p>
-        </p:txBody>
-      </p:sp>
-      <p:sp>
-        <p:nvSpPr>
-          <p:cNvPr id="8" name="Slide Number Placeholder 3"/>
-          <p:cNvSpPr>
-            <a:spLocks noGrp="1"/>
-          </p:cNvSpPr>
-          <p:nvPr>
-            <p:ph type="sldNum" sz="quarter" idx="13"/>
-          </p:nvPr>
-        </p:nvSpPr>
-        <p:spPr/>
-        <p:txBody>
-          <a:bodyPr/>
-          <a:lstStyle/>
-          <a:p>
-            <a:pPr>
-              <a:defRPr/>
-            </a:pPr>
-            <a:fld id="{BD5AD749-DAD1-6A4A-A2AA-CB20EAD0AEB7}" type="slidenum">
-              <a:rPr lang="en-US"/>
-              <a:pPr>
-                <a:defRPr/>
-              </a:pPr>
-              <a:t>84</a:t>
-            </a:fld>
-            <a:endParaRPr lang="en-US"/>
-          </a:p>
-        </p:txBody>
-      </p:sp>
-      <p:sp>
-        <p:nvSpPr>
-          <p:cNvPr id="17" name="Text Placeholder 11"/>
-          <p:cNvSpPr txBox="1">
-            <a:spLocks/>
-          </p:cNvSpPr>
-          <p:nvPr/>
-        </p:nvSpPr>
-        <p:spPr>
-          <a:xfrm>
-            <a:off x="719137" y="1181100"/>
-            <a:ext cx="2689225" cy="490538"/>
-          </a:xfrm>
-          <a:prstGeom prst="rect">
-            <a:avLst/>
-          </a:prstGeom>
-        </p:spPr>
-        <p:txBody>
-          <a:bodyPr vert="horz" lIns="0" tIns="32914" rIns="65828" bIns="32914"/>
-          <a:lstStyle>
-            <a:lvl1pPr marL="174625" indent="-174625" algn="l" rtl="0" eaLnBrk="0" fontAlgn="base" hangingPunct="0">
-              <a:lnSpc>
-                <a:spcPts val="2450"/>
-              </a:lnSpc>
-              <a:spcBef>
-                <a:spcPct val="0"/>
-              </a:spcBef>
-              <a:spcAft>
-                <a:spcPct val="0"/>
-              </a:spcAft>
-              <a:buSzPct val="69000"/>
-              <a:buFont typeface="Lucida Grande"/>
-              <a:buChar char="‣"/>
-              <a:defRPr sz="2000" baseline="0">
-                <a:solidFill>
-                  <a:schemeClr val="tx1"/>
-                </a:solidFill>
-                <a:latin typeface="+mn-lt"/>
-                <a:ea typeface="+mn-ea"/>
-                <a:cs typeface="+mn-cs"/>
-                <a:sym typeface="News706 BT" charset="0"/>
-              </a:defRPr>
-            </a:lvl1pPr>
-            <a:lvl2pPr marL="329138" indent="0" algn="ctr" rtl="0" eaLnBrk="0" fontAlgn="base" hangingPunct="0">
-              <a:lnSpc>
-                <a:spcPts val="2450"/>
-              </a:lnSpc>
-              <a:spcBef>
-                <a:spcPct val="0"/>
-              </a:spcBef>
-              <a:spcAft>
-                <a:spcPct val="0"/>
-              </a:spcAft>
-              <a:buSzPct val="69000"/>
-              <a:buFont typeface="Lucida Grande" charset="0"/>
-              <a:buNone/>
-              <a:defRPr sz="2000">
-                <a:solidFill>
-                  <a:schemeClr val="tx1"/>
-                </a:solidFill>
-                <a:latin typeface="+mn-lt"/>
-                <a:ea typeface="+mn-ea"/>
-                <a:cs typeface="+mn-cs"/>
-                <a:sym typeface="News706 BT" charset="0"/>
-              </a:defRPr>
-            </a:lvl2pPr>
-            <a:lvl3pPr marL="658277" indent="0" algn="ctr" rtl="0" eaLnBrk="0" fontAlgn="base" hangingPunct="0">
-              <a:lnSpc>
-                <a:spcPts val="2450"/>
-              </a:lnSpc>
-              <a:spcBef>
-                <a:spcPct val="0"/>
-              </a:spcBef>
-              <a:spcAft>
-                <a:spcPct val="0"/>
-              </a:spcAft>
-              <a:buSzPct val="69000"/>
-              <a:buFont typeface="Lucida Grande" charset="0"/>
-              <a:buNone/>
-              <a:defRPr sz="2000">
-                <a:solidFill>
-                  <a:schemeClr val="tx1"/>
-                </a:solidFill>
-                <a:latin typeface="+mn-lt"/>
-                <a:ea typeface="+mn-ea"/>
-                <a:cs typeface="+mn-cs"/>
-                <a:sym typeface="News706 BT" charset="0"/>
-              </a:defRPr>
-            </a:lvl3pPr>
-            <a:lvl4pPr marL="987415" indent="0" algn="ctr" rtl="0" eaLnBrk="0" fontAlgn="base" hangingPunct="0">
-              <a:lnSpc>
-                <a:spcPts val="2450"/>
-              </a:lnSpc>
-              <a:spcBef>
-                <a:spcPct val="0"/>
-              </a:spcBef>
-              <a:spcAft>
-                <a:spcPct val="0"/>
-              </a:spcAft>
-              <a:buSzPct val="69000"/>
-              <a:buFont typeface="Lucida Grande" charset="0"/>
-              <a:buNone/>
-              <a:defRPr sz="2000">
-                <a:solidFill>
-                  <a:schemeClr val="tx1"/>
-                </a:solidFill>
-                <a:latin typeface="+mn-lt"/>
-                <a:ea typeface="+mn-ea"/>
-                <a:cs typeface="+mn-cs"/>
-                <a:sym typeface="News706 BT" charset="0"/>
-              </a:defRPr>
-            </a:lvl4pPr>
-            <a:lvl5pPr marL="1316553" indent="0" algn="ctr" rtl="0" eaLnBrk="0" fontAlgn="base" hangingPunct="0">
-              <a:lnSpc>
-                <a:spcPts val="2450"/>
-              </a:lnSpc>
-              <a:spcBef>
-                <a:spcPct val="0"/>
-              </a:spcBef>
-              <a:spcAft>
-                <a:spcPct val="0"/>
-              </a:spcAft>
-              <a:buSzPct val="69000"/>
-              <a:buFont typeface="Lucida Grande" charset="0"/>
-              <a:buNone/>
-              <a:defRPr sz="2000">
-                <a:solidFill>
-                  <a:schemeClr val="tx1"/>
-                </a:solidFill>
-                <a:latin typeface="+mn-lt"/>
-                <a:ea typeface="+mn-ea"/>
-                <a:cs typeface="+mn-cs"/>
-                <a:sym typeface="News706 BT" charset="0"/>
-              </a:defRPr>
-            </a:lvl5pPr>
-            <a:lvl6pPr marL="1645691" indent="0" algn="ctr" rtl="0" fontAlgn="base">
-              <a:lnSpc>
-                <a:spcPts val="2448"/>
-              </a:lnSpc>
-              <a:spcBef>
-                <a:spcPct val="0"/>
-              </a:spcBef>
-              <a:spcAft>
-                <a:spcPct val="0"/>
-              </a:spcAft>
-              <a:buSzPct val="69000"/>
-              <a:buFont typeface="Lucida Grande" charset="0"/>
-              <a:buNone/>
-              <a:defRPr sz="2000">
-                <a:solidFill>
-                  <a:schemeClr val="tx1"/>
-                </a:solidFill>
-                <a:latin typeface="+mn-lt"/>
-                <a:ea typeface="+mn-ea"/>
-                <a:cs typeface="+mn-cs"/>
-                <a:sym typeface="News706 BT" charset="0"/>
-              </a:defRPr>
-            </a:lvl6pPr>
-            <a:lvl7pPr marL="1974830" indent="0" algn="ctr" rtl="0" fontAlgn="base">
-              <a:lnSpc>
-                <a:spcPts val="2448"/>
-              </a:lnSpc>
-              <a:spcBef>
-                <a:spcPct val="0"/>
-              </a:spcBef>
-              <a:spcAft>
-                <a:spcPct val="0"/>
-              </a:spcAft>
-              <a:buSzPct val="69000"/>
-              <a:buFont typeface="Lucida Grande" charset="0"/>
-              <a:buNone/>
-              <a:defRPr sz="2000">
-                <a:solidFill>
-                  <a:schemeClr val="tx1"/>
-                </a:solidFill>
-                <a:latin typeface="+mn-lt"/>
-                <a:ea typeface="+mn-ea"/>
-                <a:cs typeface="+mn-cs"/>
-                <a:sym typeface="News706 BT" charset="0"/>
-              </a:defRPr>
-            </a:lvl7pPr>
-            <a:lvl8pPr marL="2303968" indent="0" algn="ctr" rtl="0" fontAlgn="base">
-              <a:lnSpc>
-                <a:spcPts val="2448"/>
-              </a:lnSpc>
-              <a:spcBef>
-                <a:spcPct val="0"/>
-              </a:spcBef>
-              <a:spcAft>
-                <a:spcPct val="0"/>
-              </a:spcAft>
-              <a:buSzPct val="69000"/>
-              <a:buFont typeface="Lucida Grande" charset="0"/>
-              <a:buNone/>
-              <a:defRPr sz="2000">
-                <a:solidFill>
-                  <a:schemeClr val="tx1"/>
-                </a:solidFill>
-                <a:latin typeface="+mn-lt"/>
-                <a:ea typeface="+mn-ea"/>
-                <a:cs typeface="+mn-cs"/>
-                <a:sym typeface="News706 BT" charset="0"/>
-              </a:defRPr>
-            </a:lvl8pPr>
-            <a:lvl9pPr marL="2633106" indent="0" algn="ctr" rtl="0" fontAlgn="base">
-              <a:lnSpc>
-                <a:spcPts val="2448"/>
-              </a:lnSpc>
-              <a:spcBef>
-                <a:spcPct val="0"/>
-              </a:spcBef>
-              <a:spcAft>
-                <a:spcPct val="0"/>
-              </a:spcAft>
-              <a:buSzPct val="69000"/>
-              <a:buFont typeface="Lucida Grande" charset="0"/>
-              <a:buNone/>
-              <a:defRPr sz="2000">
-                <a:solidFill>
-                  <a:schemeClr val="tx1"/>
-                </a:solidFill>
-                <a:latin typeface="+mn-lt"/>
-                <a:ea typeface="+mn-ea"/>
-                <a:cs typeface="+mn-cs"/>
-                <a:sym typeface="News706 BT" charset="0"/>
-              </a:defRPr>
-            </a:lvl9pPr>
-          </a:lstStyle>
-          <a:p>
-            <a:pPr marL="0" indent="0">
-              <a:buNone/>
-              <a:defRPr/>
-            </a:pPr>
-            <a:r>
-              <a:rPr lang="en-US" sz="1400" b="1" cap="all" dirty="0" smtClean="0">
-                <a:latin typeface="PFDinTextCompPro-Bold"/>
-                <a:cs typeface="PFDinTextCompPro-Bold"/>
-              </a:rPr>
-              <a:t>Key objectives</a:t>
-            </a:r>
-            <a:endParaRPr lang="en-US" sz="1400" b="1" cap="all" dirty="0">
-              <a:latin typeface="PFDinTextCompPro-Bold"/>
-              <a:cs typeface="PFDinTextCompPro-Bold"/>
-            </a:endParaRPr>
-          </a:p>
-        </p:txBody>
-      </p:sp>
-      <p:sp>
-        <p:nvSpPr>
-          <p:cNvPr id="18" name="Content Placeholder 12"/>
-          <p:cNvSpPr>
-            <a:spLocks noGrp="1"/>
-          </p:cNvSpPr>
-          <p:nvPr>
-            <p:ph sz="half" idx="4294967295"/>
-          </p:nvPr>
-        </p:nvSpPr>
-        <p:spPr bwMode="auto">
-          <a:xfrm>
-            <a:off x="490537" y="1771650"/>
-            <a:ext cx="8077200" cy="2838450"/>
-          </a:xfrm>
-          <a:prstGeom prst="rect">
-            <a:avLst/>
-          </a:prstGeom>
-          <a:noFill/>
-          <a:extLst>
-            <a:ext uri="{909E8E84-426E-40dd-AFC4-6F175D3DCCD1}">
-              <a14:hiddenFill xmlns:a14="http://schemas.microsoft.com/office/drawing/2010/main">
-                <a:solidFill>
-                  <a:srgbClr val="FFFFFF"/>
-                </a:solidFill>
-              </a14:hiddenFill>
-            </a:ext>
-            <a:ext uri="{91240B29-F687-4f45-9708-019B960494DF}">
-              <a14:hiddenLine xmlns:a14="http://schemas.microsoft.com/office/drawing/2010/main" w="9525">
-                <a:solidFill>
-                  <a:srgbClr val="000000"/>
-                </a:solidFill>
-                <a:miter lim="800000"/>
-                <a:headEnd/>
-                <a:tailEnd/>
-              </a14:hiddenLine>
-            </a:ext>
-          </a:extLst>
-        </p:spPr>
-        <p:txBody>
-          <a:bodyPr wrap="square" numCol="1" anchor="t" anchorCtr="0" compatLnSpc="1">
-            <a:prstTxWarp prst="textNoShape">
-              <a:avLst/>
-            </a:prstTxWarp>
-          </a:bodyPr>
-          <a:lstStyle/>
-          <a:p>
-            <a:pPr marL="0" indent="0">
-              <a:buNone/>
-            </a:pPr>
-            <a:r>
-              <a:rPr lang="en-US" sz="2300" dirty="0" smtClean="0">
-                <a:latin typeface="PFDinTextCompPro-Italic"/>
-                <a:ea typeface="ヒラギノ角ゴ ProN W3" charset="0"/>
-                <a:cs typeface="PFDinTextCompPro-Italic"/>
-              </a:rPr>
-              <a:t>- implement a decision tree classifier</a:t>
-            </a:r>
-            <a:r>
-              <a:rPr lang="en-US" sz="2300" dirty="0">
-                <a:latin typeface="PFDinTextCompPro-Italic"/>
-                <a:ea typeface="ヒラギノ角ゴ ProN W3" charset="0"/>
-                <a:cs typeface="PFDinTextCompPro-Italic"/>
-              </a:rPr>
-              <a:t>	</a:t>
-            </a:r>
-            <a:r>
-              <a:rPr lang="en-US" sz="2300" dirty="0" smtClean="0">
-                <a:latin typeface="PFDinTextCompPro-Italic"/>
-                <a:ea typeface="ヒラギノ角ゴ ProN W3" charset="0"/>
-                <a:cs typeface="PFDinTextCompPro-Italic"/>
-              </a:rPr>
-              <a:t>	- </a:t>
-            </a:r>
-            <a:r>
-              <a:rPr lang="en-US" sz="2300" dirty="0" err="1">
-                <a:latin typeface="PFDinTextCompPro-Italic"/>
-                <a:ea typeface="ヒラギノ角ゴ ProN W3" charset="0"/>
-                <a:cs typeface="PFDinTextCompPro-Italic"/>
-              </a:rPr>
-              <a:t>scikit</a:t>
-            </a:r>
-            <a:r>
-              <a:rPr lang="en-US" sz="2300" dirty="0">
-                <a:latin typeface="PFDinTextCompPro-Italic"/>
-                <a:ea typeface="ヒラギノ角ゴ ProN W3" charset="0"/>
-                <a:cs typeface="PFDinTextCompPro-Italic"/>
-              </a:rPr>
-              <a:t>-</a:t>
-            </a:r>
-            <a:r>
-              <a:rPr lang="en-US" sz="2300" dirty="0" smtClean="0">
-                <a:latin typeface="PFDinTextCompPro-Italic"/>
-                <a:ea typeface="ヒラギノ角ゴ ProN W3" charset="0"/>
-                <a:cs typeface="PFDinTextCompPro-Italic"/>
-              </a:rPr>
-              <a:t>learn</a:t>
-            </a:r>
-          </a:p>
-        </p:txBody>
-      </p:sp>
-      <p:sp>
-        <p:nvSpPr>
-          <p:cNvPr id="21" name="Text Placeholder 11"/>
-          <p:cNvSpPr txBox="1">
-            <a:spLocks/>
-          </p:cNvSpPr>
-          <p:nvPr/>
-        </p:nvSpPr>
-        <p:spPr>
-          <a:xfrm>
-            <a:off x="5138737" y="1181100"/>
-            <a:ext cx="2689225" cy="490538"/>
-          </a:xfrm>
-          <a:prstGeom prst="rect">
-            <a:avLst/>
-          </a:prstGeom>
-        </p:spPr>
-        <p:txBody>
-          <a:bodyPr vert="horz" lIns="0" tIns="32914" rIns="65828" bIns="32914"/>
-          <a:lstStyle>
-            <a:lvl1pPr marL="174625" indent="-174625" algn="l" rtl="0" eaLnBrk="0" fontAlgn="base" hangingPunct="0">
-              <a:lnSpc>
-                <a:spcPts val="2450"/>
-              </a:lnSpc>
-              <a:spcBef>
-                <a:spcPct val="0"/>
-              </a:spcBef>
-              <a:spcAft>
-                <a:spcPct val="0"/>
-              </a:spcAft>
-              <a:buSzPct val="69000"/>
-              <a:buFont typeface="Lucida Grande"/>
-              <a:buChar char="‣"/>
-              <a:defRPr sz="2000" baseline="0">
-                <a:solidFill>
-                  <a:schemeClr val="tx1"/>
-                </a:solidFill>
-                <a:latin typeface="+mn-lt"/>
-                <a:ea typeface="+mn-ea"/>
-                <a:cs typeface="+mn-cs"/>
-                <a:sym typeface="News706 BT" charset="0"/>
-              </a:defRPr>
-            </a:lvl1pPr>
-            <a:lvl2pPr marL="329138" indent="0" algn="ctr" rtl="0" eaLnBrk="0" fontAlgn="base" hangingPunct="0">
-              <a:lnSpc>
-                <a:spcPts val="2450"/>
-              </a:lnSpc>
-              <a:spcBef>
-                <a:spcPct val="0"/>
-              </a:spcBef>
-              <a:spcAft>
-                <a:spcPct val="0"/>
-              </a:spcAft>
-              <a:buSzPct val="69000"/>
-              <a:buFont typeface="Lucida Grande" charset="0"/>
-              <a:buNone/>
-              <a:defRPr sz="2000">
-                <a:solidFill>
-                  <a:schemeClr val="tx1"/>
-                </a:solidFill>
-                <a:latin typeface="+mn-lt"/>
-                <a:ea typeface="+mn-ea"/>
-                <a:cs typeface="+mn-cs"/>
-                <a:sym typeface="News706 BT" charset="0"/>
-              </a:defRPr>
-            </a:lvl2pPr>
-            <a:lvl3pPr marL="658277" indent="0" algn="ctr" rtl="0" eaLnBrk="0" fontAlgn="base" hangingPunct="0">
-              <a:lnSpc>
-                <a:spcPts val="2450"/>
-              </a:lnSpc>
-              <a:spcBef>
-                <a:spcPct val="0"/>
-              </a:spcBef>
-              <a:spcAft>
-                <a:spcPct val="0"/>
-              </a:spcAft>
-              <a:buSzPct val="69000"/>
-              <a:buFont typeface="Lucida Grande" charset="0"/>
-              <a:buNone/>
-              <a:defRPr sz="2000">
-                <a:solidFill>
-                  <a:schemeClr val="tx1"/>
-                </a:solidFill>
-                <a:latin typeface="+mn-lt"/>
-                <a:ea typeface="+mn-ea"/>
-                <a:cs typeface="+mn-cs"/>
-                <a:sym typeface="News706 BT" charset="0"/>
-              </a:defRPr>
-            </a:lvl3pPr>
-            <a:lvl4pPr marL="987415" indent="0" algn="ctr" rtl="0" eaLnBrk="0" fontAlgn="base" hangingPunct="0">
-              <a:lnSpc>
-                <a:spcPts val="2450"/>
-              </a:lnSpc>
-              <a:spcBef>
-                <a:spcPct val="0"/>
-              </a:spcBef>
-              <a:spcAft>
-                <a:spcPct val="0"/>
-              </a:spcAft>
-              <a:buSzPct val="69000"/>
-              <a:buFont typeface="Lucida Grande" charset="0"/>
-              <a:buNone/>
-              <a:defRPr sz="2000">
-                <a:solidFill>
-                  <a:schemeClr val="tx1"/>
-                </a:solidFill>
-                <a:latin typeface="+mn-lt"/>
-                <a:ea typeface="+mn-ea"/>
-                <a:cs typeface="+mn-cs"/>
-                <a:sym typeface="News706 BT" charset="0"/>
-              </a:defRPr>
-            </a:lvl4pPr>
-            <a:lvl5pPr marL="1316553" indent="0" algn="ctr" rtl="0" eaLnBrk="0" fontAlgn="base" hangingPunct="0">
-              <a:lnSpc>
-                <a:spcPts val="2450"/>
-              </a:lnSpc>
-              <a:spcBef>
-                <a:spcPct val="0"/>
-              </a:spcBef>
-              <a:spcAft>
-                <a:spcPct val="0"/>
-              </a:spcAft>
-              <a:buSzPct val="69000"/>
-              <a:buFont typeface="Lucida Grande" charset="0"/>
-              <a:buNone/>
-              <a:defRPr sz="2000">
-                <a:solidFill>
-                  <a:schemeClr val="tx1"/>
-                </a:solidFill>
-                <a:latin typeface="+mn-lt"/>
-                <a:ea typeface="+mn-ea"/>
-                <a:cs typeface="+mn-cs"/>
-                <a:sym typeface="News706 BT" charset="0"/>
-              </a:defRPr>
-            </a:lvl5pPr>
-            <a:lvl6pPr marL="1645691" indent="0" algn="ctr" rtl="0" fontAlgn="base">
-              <a:lnSpc>
-                <a:spcPts val="2448"/>
-              </a:lnSpc>
-              <a:spcBef>
-                <a:spcPct val="0"/>
-              </a:spcBef>
-              <a:spcAft>
-                <a:spcPct val="0"/>
-              </a:spcAft>
-              <a:buSzPct val="69000"/>
-              <a:buFont typeface="Lucida Grande" charset="0"/>
-              <a:buNone/>
-              <a:defRPr sz="2000">
-                <a:solidFill>
-                  <a:schemeClr val="tx1"/>
-                </a:solidFill>
-                <a:latin typeface="+mn-lt"/>
-                <a:ea typeface="+mn-ea"/>
-                <a:cs typeface="+mn-cs"/>
-                <a:sym typeface="News706 BT" charset="0"/>
-              </a:defRPr>
-            </a:lvl6pPr>
-            <a:lvl7pPr marL="1974830" indent="0" algn="ctr" rtl="0" fontAlgn="base">
-              <a:lnSpc>
-                <a:spcPts val="2448"/>
-              </a:lnSpc>
-              <a:spcBef>
-                <a:spcPct val="0"/>
-              </a:spcBef>
-              <a:spcAft>
-                <a:spcPct val="0"/>
-              </a:spcAft>
-              <a:buSzPct val="69000"/>
-              <a:buFont typeface="Lucida Grande" charset="0"/>
-              <a:buNone/>
-              <a:defRPr sz="2000">
-                <a:solidFill>
-                  <a:schemeClr val="tx1"/>
-                </a:solidFill>
-                <a:latin typeface="+mn-lt"/>
-                <a:ea typeface="+mn-ea"/>
-                <a:cs typeface="+mn-cs"/>
-                <a:sym typeface="News706 BT" charset="0"/>
-              </a:defRPr>
-            </a:lvl7pPr>
-            <a:lvl8pPr marL="2303968" indent="0" algn="ctr" rtl="0" fontAlgn="base">
-              <a:lnSpc>
-                <a:spcPts val="2448"/>
-              </a:lnSpc>
-              <a:spcBef>
-                <a:spcPct val="0"/>
-              </a:spcBef>
-              <a:spcAft>
-                <a:spcPct val="0"/>
-              </a:spcAft>
-              <a:buSzPct val="69000"/>
-              <a:buFont typeface="Lucida Grande" charset="0"/>
-              <a:buNone/>
-              <a:defRPr sz="2000">
-                <a:solidFill>
-                  <a:schemeClr val="tx1"/>
-                </a:solidFill>
-                <a:latin typeface="+mn-lt"/>
-                <a:ea typeface="+mn-ea"/>
-                <a:cs typeface="+mn-cs"/>
-                <a:sym typeface="News706 BT" charset="0"/>
-              </a:defRPr>
-            </a:lvl8pPr>
-            <a:lvl9pPr marL="2633106" indent="0" algn="ctr" rtl="0" fontAlgn="base">
-              <a:lnSpc>
-                <a:spcPts val="2448"/>
-              </a:lnSpc>
-              <a:spcBef>
-                <a:spcPct val="0"/>
-              </a:spcBef>
-              <a:spcAft>
-                <a:spcPct val="0"/>
-              </a:spcAft>
-              <a:buSzPct val="69000"/>
-              <a:buFont typeface="Lucida Grande" charset="0"/>
-              <a:buNone/>
-              <a:defRPr sz="2000">
-                <a:solidFill>
-                  <a:schemeClr val="tx1"/>
-                </a:solidFill>
-                <a:latin typeface="+mn-lt"/>
-                <a:ea typeface="+mn-ea"/>
-                <a:cs typeface="+mn-cs"/>
-                <a:sym typeface="News706 BT" charset="0"/>
-              </a:defRPr>
-            </a:lvl9pPr>
-          </a:lstStyle>
-          <a:p>
-            <a:pPr marL="0" indent="0">
-              <a:buNone/>
-              <a:defRPr/>
-            </a:pPr>
-            <a:r>
-              <a:rPr lang="en-US" sz="1400" b="1" cap="all" dirty="0" smtClean="0">
-                <a:latin typeface="PFDinTextCompPro-Bold"/>
-                <a:cs typeface="PFDinTextCompPro-Bold"/>
-              </a:rPr>
-              <a:t>tools</a:t>
-            </a:r>
-            <a:endParaRPr lang="en-US" sz="1400" b="1" cap="all" dirty="0">
-              <a:latin typeface="PFDinTextCompPro-Bold"/>
-              <a:cs typeface="PFDinTextCompPro-Bold"/>
-            </a:endParaRPr>
-          </a:p>
-        </p:txBody>
-      </p:sp>
-      <p:cxnSp>
-        <p:nvCxnSpPr>
-          <p:cNvPr id="29" name="Straight Connector 28"/>
-          <p:cNvCxnSpPr/>
-          <p:nvPr/>
-        </p:nvCxnSpPr>
-        <p:spPr bwMode="auto">
-          <a:xfrm>
-            <a:off x="566737" y="1638300"/>
-            <a:ext cx="3505200" cy="0"/>
-          </a:xfrm>
-          <a:prstGeom prst="line">
-            <a:avLst/>
-          </a:prstGeom>
-          <a:solidFill>
-            <a:schemeClr val="accent1"/>
-          </a:solidFill>
-          <a:ln w="12700" cap="flat" cmpd="sng" algn="ctr">
-            <a:solidFill>
-              <a:srgbClr val="000000"/>
-            </a:solidFill>
-            <a:prstDash val="solid"/>
-            <a:round/>
-            <a:headEnd type="none" w="med" len="med"/>
-            <a:tailEnd type="none" w="med" len="med"/>
-          </a:ln>
-          <a:effectLst/>
-          <a:extLst>
-            <a:ext uri="{AF507438-7753-43e0-B8FC-AC1667EBCBE1}">
-              <a14:hiddenEffects xmlns:a14="http://schemas.microsoft.com/office/drawing/2010/main">
-                <a:effectLst>
-                  <a:outerShdw blurRad="63500" dist="38099" dir="2700000" algn="ctr" rotWithShape="0">
-                    <a:schemeClr val="bg2">
-                      <a:alpha val="74998"/>
-                    </a:schemeClr>
-                  </a:outerShdw>
-                </a:effectLst>
-              </a14:hiddenEffects>
-            </a:ext>
-          </a:extLst>
-        </p:spPr>
-      </p:cxnSp>
-      <p:cxnSp>
-        <p:nvCxnSpPr>
-          <p:cNvPr id="31" name="Straight Connector 30"/>
-          <p:cNvCxnSpPr/>
-          <p:nvPr/>
-        </p:nvCxnSpPr>
-        <p:spPr bwMode="auto">
-          <a:xfrm>
-            <a:off x="5062537" y="1638300"/>
-            <a:ext cx="3810000" cy="0"/>
-          </a:xfrm>
-          <a:prstGeom prst="line">
-            <a:avLst/>
-          </a:prstGeom>
-          <a:solidFill>
-            <a:schemeClr val="accent1"/>
-          </a:solidFill>
-          <a:ln w="12700" cap="flat" cmpd="sng" algn="ctr">
-            <a:solidFill>
-              <a:srgbClr val="000000"/>
-            </a:solidFill>
-            <a:prstDash val="solid"/>
-            <a:round/>
-            <a:headEnd type="none" w="med" len="med"/>
-            <a:tailEnd type="none" w="med" len="med"/>
-          </a:ln>
-          <a:effectLst/>
-          <a:extLst>
-            <a:ext uri="{AF507438-7753-43e0-B8FC-AC1667EBCBE1}">
-              <a14:hiddenEffects xmlns:a14="http://schemas.microsoft.com/office/drawing/2010/main">
-                <a:effectLst>
-                  <a:outerShdw blurRad="63500" dist="38099" dir="2700000" algn="ctr" rotWithShape="0">
-                    <a:schemeClr val="bg2">
-                      <a:alpha val="74998"/>
-                    </a:schemeClr>
-                  </a:outerShdw>
-                </a:effectLst>
-              </a14:hiddenEffects>
-            </a:ext>
-          </a:extLst>
-        </p:spPr>
-      </p:cxnSp>
-    </p:spTree>
-    <p:extLst>
-      <p:ext uri="{BB962C8B-B14F-4D97-AF65-F5344CB8AC3E}">
-        <p14:creationId xmlns:p14="http://schemas.microsoft.com/office/powerpoint/2010/main" val="3438410791"/>
-      </p:ext>
-    </p:extLst>
-  </p:cSld>
-  <p:clrMapOvr>
-    <a:masterClrMapping/>
-  </p:clrMapOvr>
-  <p:transition xmlns:p14="http://schemas.microsoft.com/office/powerpoint/2010/main"/>
-  <p:timing>
-    <p:tnLst>
-      <p:par>
-        <p:cTn xmlns:p14="http://schemas.microsoft.com/office/powerpoint/2010/main" id="1" dur="indefinite" restart="never" nodeType="tmRoot"/>
-      </p:par>
-    </p:tnLst>
-  </p:timing>
-</p:sld>
-</file>
-
-<file path=ppt/slides/slide85.xml><?xml version="1.0" encoding="utf-8"?>
-<p:sld xmlns:a="http://schemas.openxmlformats.org/drawingml/2006/main" xmlns:r="http://schemas.openxmlformats.org/officeDocument/2006/relationships" xmlns:p="http://schemas.openxmlformats.org/presentationml/2006/main">
-  <p:cSld>
-    <p:spTree>
-      <p:nvGrpSpPr>
-        <p:cNvPr id="1" name=""/>
-        <p:cNvGrpSpPr/>
-        <p:nvPr/>
-      </p:nvGrpSpPr>
-      <p:grpSpPr>
-        <a:xfrm>
-          <a:off x="0" y="0"/>
-          <a:ext cx="0" cy="0"/>
-          <a:chOff x="0" y="0"/>
-          <a:chExt cx="0" cy="0"/>
-        </a:xfrm>
-      </p:grpSpPr>
-      <p:sp>
-        <p:nvSpPr>
-          <p:cNvPr id="4" name="Content Placeholder 3"/>
-          <p:cNvSpPr>
-            <a:spLocks noGrp="1"/>
-          </p:cNvSpPr>
-          <p:nvPr>
-            <p:ph sz="quarter" idx="11"/>
-          </p:nvPr>
-        </p:nvSpPr>
-        <p:spPr>
-          <a:xfrm>
-            <a:off x="371475" y="495300"/>
-            <a:ext cx="6400800" cy="304800"/>
-          </a:xfrm>
-        </p:spPr>
-        <p:txBody>
-          <a:bodyPr wrap="square" lIns="91440" tIns="45720" rIns="91440" bIns="45720" numCol="1" anchor="t" anchorCtr="0" compatLnSpc="1">
-            <a:prstTxWarp prst="textNoShape">
-              <a:avLst/>
-            </a:prstTxWarp>
-          </a:bodyPr>
-          <a:lstStyle/>
-          <a:p>
-            <a:pPr marL="0" indent="0"/>
-            <a:r>
-              <a:rPr lang="en-US" cap="none" dirty="0" smtClean="0">
-                <a:latin typeface="PFDinTextCompPro-Bold" charset="0"/>
-                <a:ea typeface="ヒラギノ角ゴ ProN W3" charset="0"/>
-                <a:cs typeface="ヒラギノ角ゴ ProN W3" charset="0"/>
-              </a:rPr>
-              <a:t>INTRO TO DATA SCIENCE</a:t>
-            </a:r>
-            <a:endParaRPr lang="en-US" cap="none" dirty="0">
-              <a:latin typeface="PFDinTextCompPro-Bold" charset="0"/>
-              <a:ea typeface="ヒラギノ角ゴ ProN W3" charset="0"/>
-              <a:cs typeface="ヒラギノ角ゴ ProN W3" charset="0"/>
-            </a:endParaRPr>
-          </a:p>
-        </p:txBody>
-      </p:sp>
-      <p:sp>
-        <p:nvSpPr>
-          <p:cNvPr id="3" name="Title 2"/>
-          <p:cNvSpPr>
-            <a:spLocks noGrp="1"/>
-          </p:cNvSpPr>
-          <p:nvPr>
-            <p:ph type="title"/>
-          </p:nvPr>
-        </p:nvSpPr>
-        <p:spPr/>
-        <p:txBody>
-          <a:bodyPr/>
-          <a:lstStyle/>
-          <a:p>
-            <a:endParaRPr lang="en-US"/>
-          </a:p>
-        </p:txBody>
-      </p:sp>
-    </p:spTree>
-    <p:extLst>
-      <p:ext uri="{BB962C8B-B14F-4D97-AF65-F5344CB8AC3E}">
-        <p14:creationId xmlns:p14="http://schemas.microsoft.com/office/powerpoint/2010/main" val="79609337"/>
       </p:ext>
     </p:extLst>
   </p:cSld>
